--- a/Gravitational lens.pptx
+++ b/Gravitational lens.pptx
@@ -7,6 +7,11 @@
   <p:sldIdLst>
     <p:sldId id="256" r:id="rId2"/>
     <p:sldId id="257" r:id="rId3"/>
+    <p:sldId id="258" r:id="rId4"/>
+    <p:sldId id="259" r:id="rId5"/>
+    <p:sldId id="260" r:id="rId6"/>
+    <p:sldId id="261" r:id="rId7"/>
+    <p:sldId id="262" r:id="rId8"/>
   </p:sldIdLst>
   <p:sldSz cx="12192000" cy="6858000"/>
   <p:notesSz cx="6858000" cy="9144000"/>
@@ -105,6 +110,11 @@
       </a:defRPr>
     </a:lvl9pPr>
   </p:defaultTextStyle>
+  <p:extLst>
+    <p:ext uri="{EFAFB233-063F-42B5-8137-9DF3F51BA10A}">
+      <p15:sldGuideLst xmlns:p15="http://schemas.microsoft.com/office/powerpoint/2012/main"/>
+    </p:ext>
+  </p:extLst>
 </p:presentation>
 </file>
 
@@ -255,7 +265,7 @@
           <a:p>
             <a:fld id="{3B1FE29C-8D98-41F4-AE4E-C16A07A42CBF}" type="datetimeFigureOut">
               <a:rPr lang="zh-CN" altLang="en-US" smtClean="0"/>
-              <a:t>2019/5/29</a:t>
+              <a:t>2019/6/7</a:t>
             </a:fld>
             <a:endParaRPr lang="zh-CN" altLang="en-US"/>
           </a:p>
@@ -453,7 +463,7 @@
           <a:p>
             <a:fld id="{3B1FE29C-8D98-41F4-AE4E-C16A07A42CBF}" type="datetimeFigureOut">
               <a:rPr lang="zh-CN" altLang="en-US" smtClean="0"/>
-              <a:t>2019/5/29</a:t>
+              <a:t>2019/6/7</a:t>
             </a:fld>
             <a:endParaRPr lang="zh-CN" altLang="en-US"/>
           </a:p>
@@ -661,7 +671,7 @@
           <a:p>
             <a:fld id="{3B1FE29C-8D98-41F4-AE4E-C16A07A42CBF}" type="datetimeFigureOut">
               <a:rPr lang="zh-CN" altLang="en-US" smtClean="0"/>
-              <a:t>2019/5/29</a:t>
+              <a:t>2019/6/7</a:t>
             </a:fld>
             <a:endParaRPr lang="zh-CN" altLang="en-US"/>
           </a:p>
@@ -859,7 +869,7 @@
           <a:p>
             <a:fld id="{3B1FE29C-8D98-41F4-AE4E-C16A07A42CBF}" type="datetimeFigureOut">
               <a:rPr lang="zh-CN" altLang="en-US" smtClean="0"/>
-              <a:t>2019/5/29</a:t>
+              <a:t>2019/6/7</a:t>
             </a:fld>
             <a:endParaRPr lang="zh-CN" altLang="en-US"/>
           </a:p>
@@ -1134,7 +1144,7 @@
           <a:p>
             <a:fld id="{3B1FE29C-8D98-41F4-AE4E-C16A07A42CBF}" type="datetimeFigureOut">
               <a:rPr lang="zh-CN" altLang="en-US" smtClean="0"/>
-              <a:t>2019/5/29</a:t>
+              <a:t>2019/6/7</a:t>
             </a:fld>
             <a:endParaRPr lang="zh-CN" altLang="en-US"/>
           </a:p>
@@ -1399,7 +1409,7 @@
           <a:p>
             <a:fld id="{3B1FE29C-8D98-41F4-AE4E-C16A07A42CBF}" type="datetimeFigureOut">
               <a:rPr lang="zh-CN" altLang="en-US" smtClean="0"/>
-              <a:t>2019/5/29</a:t>
+              <a:t>2019/6/7</a:t>
             </a:fld>
             <a:endParaRPr lang="zh-CN" altLang="en-US"/>
           </a:p>
@@ -1811,7 +1821,7 @@
           <a:p>
             <a:fld id="{3B1FE29C-8D98-41F4-AE4E-C16A07A42CBF}" type="datetimeFigureOut">
               <a:rPr lang="zh-CN" altLang="en-US" smtClean="0"/>
-              <a:t>2019/5/29</a:t>
+              <a:t>2019/6/7</a:t>
             </a:fld>
             <a:endParaRPr lang="zh-CN" altLang="en-US"/>
           </a:p>
@@ -1952,7 +1962,7 @@
           <a:p>
             <a:fld id="{3B1FE29C-8D98-41F4-AE4E-C16A07A42CBF}" type="datetimeFigureOut">
               <a:rPr lang="zh-CN" altLang="en-US" smtClean="0"/>
-              <a:t>2019/5/29</a:t>
+              <a:t>2019/6/7</a:t>
             </a:fld>
             <a:endParaRPr lang="zh-CN" altLang="en-US"/>
           </a:p>
@@ -2065,7 +2075,7 @@
           <a:p>
             <a:fld id="{3B1FE29C-8D98-41F4-AE4E-C16A07A42CBF}" type="datetimeFigureOut">
               <a:rPr lang="zh-CN" altLang="en-US" smtClean="0"/>
-              <a:t>2019/5/29</a:t>
+              <a:t>2019/6/7</a:t>
             </a:fld>
             <a:endParaRPr lang="zh-CN" altLang="en-US"/>
           </a:p>
@@ -2376,7 +2386,7 @@
           <a:p>
             <a:fld id="{3B1FE29C-8D98-41F4-AE4E-C16A07A42CBF}" type="datetimeFigureOut">
               <a:rPr lang="zh-CN" altLang="en-US" smtClean="0"/>
-              <a:t>2019/5/29</a:t>
+              <a:t>2019/6/7</a:t>
             </a:fld>
             <a:endParaRPr lang="zh-CN" altLang="en-US"/>
           </a:p>
@@ -2664,7 +2674,7 @@
           <a:p>
             <a:fld id="{3B1FE29C-8D98-41F4-AE4E-C16A07A42CBF}" type="datetimeFigureOut">
               <a:rPr lang="zh-CN" altLang="en-US" smtClean="0"/>
-              <a:t>2019/5/29</a:t>
+              <a:t>2019/6/7</a:t>
             </a:fld>
             <a:endParaRPr lang="zh-CN" altLang="en-US"/>
           </a:p>
@@ -2905,7 +2915,7 @@
           <a:p>
             <a:fld id="{3B1FE29C-8D98-41F4-AE4E-C16A07A42CBF}" type="datetimeFigureOut">
               <a:rPr lang="zh-CN" altLang="en-US" smtClean="0"/>
-              <a:t>2019/5/29</a:t>
+              <a:t>2019/6/7</a:t>
             </a:fld>
             <a:endParaRPr lang="zh-CN" altLang="en-US"/>
           </a:p>
@@ -3493,7 +3503,377 @@
           <a:bodyPr/>
           <a:lstStyle/>
           <a:p>
-            <a:endParaRPr lang="zh-CN" altLang="en-US"/>
+            <a:r>
+              <a:rPr lang="zh-CN" altLang="en-US" dirty="0"/>
+              <a:t>牛顿引力理论与广义相对论</a:t>
+            </a:r>
+          </a:p>
+        </p:txBody>
+      </p:sp>
+      <mc:AlternateContent xmlns:mc="http://schemas.openxmlformats.org/markup-compatibility/2006">
+        <mc:Choice xmlns:a14="http://schemas.microsoft.com/office/drawing/2010/main" Requires="a14">
+          <p:sp>
+            <p:nvSpPr>
+              <p:cNvPr id="6" name="内容占位符 5">
+                <a:extLst>
+                  <a:ext uri="{FF2B5EF4-FFF2-40B4-BE49-F238E27FC236}">
+                    <a16:creationId xmlns:a16="http://schemas.microsoft.com/office/drawing/2014/main" id="{A79EE373-B051-40A0-B117-94BC082C6350}"/>
+                  </a:ext>
+                </a:extLst>
+              </p:cNvPr>
+              <p:cNvSpPr>
+                <a:spLocks noGrp="1"/>
+              </p:cNvSpPr>
+              <p:nvPr>
+                <p:ph idx="1"/>
+              </p:nvPr>
+            </p:nvSpPr>
+            <p:spPr/>
+            <p:txBody>
+              <a:bodyPr/>
+              <a:lstStyle/>
+              <a:p>
+                <a:r>
+                  <a:rPr lang="zh-CN" altLang="en-US" dirty="0"/>
+                  <a:t>利用牛顿引力可以计算出光线的偏折角为</a:t>
+                </a:r>
+                <a14:m>
+                  <m:oMath xmlns:m="http://schemas.openxmlformats.org/officeDocument/2006/math">
+                    <m:r>
+                      <m:rPr>
+                        <m:sty m:val="p"/>
+                      </m:rPr>
+                      <a:rPr lang="zh-CN" altLang="en-US" i="1" smtClean="0">
+                        <a:latin typeface="Cambria Math" panose="02040503050406030204" pitchFamily="18" charset="0"/>
+                      </a:rPr>
+                      <m:t>Δ</m:t>
+                    </m:r>
+                    <m:r>
+                      <a:rPr lang="zh-CN" altLang="en-US" i="1" smtClean="0">
+                        <a:latin typeface="Cambria Math" panose="02040503050406030204" pitchFamily="18" charset="0"/>
+                      </a:rPr>
+                      <m:t>𝜃</m:t>
+                    </m:r>
+                    <m:r>
+                      <a:rPr lang="en-US" altLang="zh-CN" i="1">
+                        <a:latin typeface="Cambria Math" panose="02040503050406030204" pitchFamily="18" charset="0"/>
+                      </a:rPr>
+                      <m:t>=</m:t>
+                    </m:r>
+                    <m:f>
+                      <m:fPr>
+                        <m:ctrlPr>
+                          <a:rPr lang="en-US" altLang="zh-CN" dirty="0" smtClean="0">
+                            <a:latin typeface="Cambria Math" panose="02040503050406030204" pitchFamily="18" charset="0"/>
+                          </a:rPr>
+                        </m:ctrlPr>
+                      </m:fPr>
+                      <m:num>
+                        <m:r>
+                          <a:rPr lang="en-US" altLang="zh-CN" i="0" dirty="0" smtClean="0">
+                            <a:latin typeface="Cambria Math" panose="02040503050406030204" pitchFamily="18" charset="0"/>
+                          </a:rPr>
+                          <m:t>2</m:t>
+                        </m:r>
+                        <m:r>
+                          <a:rPr lang="en-US" altLang="zh-CN" i="1" dirty="0" smtClean="0">
+                            <a:latin typeface="Cambria Math" panose="02040503050406030204" pitchFamily="18" charset="0"/>
+                          </a:rPr>
+                          <m:t>𝐺𝑀</m:t>
+                        </m:r>
+                      </m:num>
+                      <m:den>
+                        <m:sSup>
+                          <m:sSupPr>
+                            <m:ctrlPr>
+                              <a:rPr lang="en-US" altLang="zh-CN" i="1" dirty="0" smtClean="0">
+                                <a:latin typeface="Cambria Math" panose="02040503050406030204" pitchFamily="18" charset="0"/>
+                              </a:rPr>
+                            </m:ctrlPr>
+                          </m:sSupPr>
+                          <m:e>
+                            <m:r>
+                              <a:rPr lang="en-US" altLang="zh-CN" i="1" dirty="0" smtClean="0">
+                                <a:latin typeface="Cambria Math" panose="02040503050406030204" pitchFamily="18" charset="0"/>
+                              </a:rPr>
+                              <m:t>𝑐</m:t>
+                            </m:r>
+                          </m:e>
+                          <m:sup>
+                            <m:r>
+                              <a:rPr lang="en-US" altLang="zh-CN" i="0" dirty="0" smtClean="0">
+                                <a:latin typeface="Cambria Math" panose="02040503050406030204" pitchFamily="18" charset="0"/>
+                              </a:rPr>
+                              <m:t>2</m:t>
+                            </m:r>
+                          </m:sup>
+                        </m:sSup>
+                        <m:r>
+                          <a:rPr lang="en-US" altLang="zh-CN" i="1" dirty="0" smtClean="0">
+                            <a:latin typeface="Cambria Math" panose="02040503050406030204" pitchFamily="18" charset="0"/>
+                          </a:rPr>
+                          <m:t>𝑟</m:t>
+                        </m:r>
+                      </m:den>
+                    </m:f>
+                  </m:oMath>
+                </a14:m>
+                <a:r>
+                  <a:rPr lang="zh-CN" altLang="en-US" dirty="0"/>
+                  <a:t>，对于太阳来说， </a:t>
+                </a:r>
+                <a14:m>
+                  <m:oMath xmlns:m="http://schemas.openxmlformats.org/officeDocument/2006/math">
+                    <m:r>
+                      <m:rPr>
+                        <m:sty m:val="p"/>
+                      </m:rPr>
+                      <a:rPr lang="zh-CN" altLang="en-US" i="1">
+                        <a:latin typeface="Cambria Math" panose="02040503050406030204" pitchFamily="18" charset="0"/>
+                      </a:rPr>
+                      <m:t>Δ</m:t>
+                    </m:r>
+                    <m:r>
+                      <a:rPr lang="zh-CN" altLang="en-US" i="1">
+                        <a:latin typeface="Cambria Math" panose="02040503050406030204" pitchFamily="18" charset="0"/>
+                      </a:rPr>
+                      <m:t>𝜃</m:t>
+                    </m:r>
+                  </m:oMath>
+                </a14:m>
+                <a:r>
+                  <a:rPr lang="en-US" altLang="zh-CN" dirty="0"/>
+                  <a:t>=</a:t>
+                </a:r>
+                <a14:m>
+                  <m:oMath xmlns:m="http://schemas.openxmlformats.org/officeDocument/2006/math">
+                    <m:r>
+                      <a:rPr lang="en-US" altLang="zh-CN" i="1" dirty="0">
+                        <a:latin typeface="Cambria Math" panose="02040503050406030204" pitchFamily="18" charset="0"/>
+                      </a:rPr>
+                      <m:t>0</m:t>
+                    </m:r>
+                  </m:oMath>
+                </a14:m>
+                <a:r>
+                  <a:rPr lang="en-US" altLang="zh-CN" dirty="0"/>
+                  <a:t>.85’’ (Henry Cavendish, 1784&amp;Johann Georg von </a:t>
+                </a:r>
+                <a:r>
+                  <a:rPr lang="en-US" altLang="zh-CN" dirty="0" err="1"/>
+                  <a:t>Soldner</a:t>
+                </a:r>
+                <a:r>
+                  <a:rPr lang="en-US" altLang="zh-CN" dirty="0"/>
+                  <a:t>, 1804)</a:t>
+                </a:r>
+              </a:p>
+              <a:p>
+                <a:r>
+                  <a:rPr lang="zh-CN" altLang="en-US" dirty="0"/>
+                  <a:t>而广义相对论给出的结果是</a:t>
+                </a:r>
+                <a14:m>
+                  <m:oMath xmlns:m="http://schemas.openxmlformats.org/officeDocument/2006/math">
+                    <m:r>
+                      <m:rPr>
+                        <m:sty m:val="p"/>
+                      </m:rPr>
+                      <a:rPr lang="zh-CN" altLang="en-US" i="1">
+                        <a:latin typeface="Cambria Math" panose="02040503050406030204" pitchFamily="18" charset="0"/>
+                      </a:rPr>
+                      <m:t>Δ</m:t>
+                    </m:r>
+                    <m:r>
+                      <a:rPr lang="zh-CN" altLang="en-US" i="1">
+                        <a:latin typeface="Cambria Math" panose="02040503050406030204" pitchFamily="18" charset="0"/>
+                      </a:rPr>
+                      <m:t>𝜃</m:t>
+                    </m:r>
+                    <m:r>
+                      <a:rPr lang="en-US" altLang="zh-CN" i="1">
+                        <a:latin typeface="Cambria Math" panose="02040503050406030204" pitchFamily="18" charset="0"/>
+                      </a:rPr>
+                      <m:t>=</m:t>
+                    </m:r>
+                    <m:f>
+                      <m:fPr>
+                        <m:ctrlPr>
+                          <a:rPr lang="en-US" altLang="zh-CN" i="1" dirty="0">
+                            <a:latin typeface="Cambria Math" panose="02040503050406030204" pitchFamily="18" charset="0"/>
+                          </a:rPr>
+                        </m:ctrlPr>
+                      </m:fPr>
+                      <m:num>
+                        <m:r>
+                          <a:rPr lang="en-US" altLang="zh-CN" i="1" dirty="0" smtClean="0">
+                            <a:latin typeface="Cambria Math" panose="02040503050406030204" pitchFamily="18" charset="0"/>
+                          </a:rPr>
+                          <m:t>4</m:t>
+                        </m:r>
+                        <m:r>
+                          <a:rPr lang="en-US" altLang="zh-CN" i="1" dirty="0">
+                            <a:latin typeface="Cambria Math" panose="02040503050406030204" pitchFamily="18" charset="0"/>
+                          </a:rPr>
+                          <m:t>𝐺𝑀</m:t>
+                        </m:r>
+                      </m:num>
+                      <m:den>
+                        <m:sSup>
+                          <m:sSupPr>
+                            <m:ctrlPr>
+                              <a:rPr lang="en-US" altLang="zh-CN" i="1" dirty="0">
+                                <a:latin typeface="Cambria Math" panose="02040503050406030204" pitchFamily="18" charset="0"/>
+                              </a:rPr>
+                            </m:ctrlPr>
+                          </m:sSupPr>
+                          <m:e>
+                            <m:r>
+                              <a:rPr lang="en-US" altLang="zh-CN" i="1" dirty="0">
+                                <a:latin typeface="Cambria Math" panose="02040503050406030204" pitchFamily="18" charset="0"/>
+                              </a:rPr>
+                              <m:t>𝑐</m:t>
+                            </m:r>
+                          </m:e>
+                          <m:sup>
+                            <m:r>
+                              <a:rPr lang="en-US" altLang="zh-CN" dirty="0">
+                                <a:latin typeface="Cambria Math" panose="02040503050406030204" pitchFamily="18" charset="0"/>
+                              </a:rPr>
+                              <m:t>2</m:t>
+                            </m:r>
+                          </m:sup>
+                        </m:sSup>
+                        <m:r>
+                          <a:rPr lang="en-US" altLang="zh-CN" i="1" dirty="0">
+                            <a:latin typeface="Cambria Math" panose="02040503050406030204" pitchFamily="18" charset="0"/>
+                          </a:rPr>
+                          <m:t>𝑟</m:t>
+                        </m:r>
+                      </m:den>
+                    </m:f>
+                    <m:r>
+                      <a:rPr lang="en-US" altLang="zh-CN" i="1" dirty="0" smtClean="0">
+                        <a:latin typeface="Cambria Math" panose="02040503050406030204" pitchFamily="18" charset="0"/>
+                      </a:rPr>
+                      <m:t>=</m:t>
+                    </m:r>
+                  </m:oMath>
+                </a14:m>
+                <a:r>
+                  <a:rPr lang="en-US" altLang="zh-CN" dirty="0"/>
+                  <a:t>1.7’’(Einstein, 1915)</a:t>
+                </a:r>
+              </a:p>
+              <a:p>
+                <a:endParaRPr lang="zh-CN" altLang="en-US" dirty="0"/>
+              </a:p>
+            </p:txBody>
+          </p:sp>
+        </mc:Choice>
+        <mc:Fallback>
+          <p:sp>
+            <p:nvSpPr>
+              <p:cNvPr id="6" name="内容占位符 5">
+                <a:extLst>
+                  <a:ext uri="{FF2B5EF4-FFF2-40B4-BE49-F238E27FC236}">
+                    <a16:creationId xmlns:a16="http://schemas.microsoft.com/office/drawing/2014/main" id="{A79EE373-B051-40A0-B117-94BC082C6350}"/>
+                  </a:ext>
+                </a:extLst>
+              </p:cNvPr>
+              <p:cNvSpPr>
+                <a:spLocks noGrp="1" noRot="1" noChangeAspect="1" noMove="1" noResize="1" noEditPoints="1" noAdjustHandles="1" noChangeArrowheads="1" noChangeShapeType="1" noTextEdit="1"/>
+              </p:cNvSpPr>
+              <p:nvPr>
+                <p:ph idx="1"/>
+              </p:nvPr>
+            </p:nvSpPr>
+            <p:spPr>
+              <a:blipFill>
+                <a:blip r:embed="rId2"/>
+                <a:stretch>
+                  <a:fillRect l="-1043" t="-280"/>
+                </a:stretch>
+              </a:blipFill>
+            </p:spPr>
+            <p:txBody>
+              <a:bodyPr/>
+              <a:lstStyle/>
+              <a:p>
+                <a:r>
+                  <a:rPr lang="zh-CN" altLang="en-US">
+                    <a:noFill/>
+                  </a:rPr>
+                  <a:t> </a:t>
+                </a:r>
+              </a:p>
+            </p:txBody>
+          </p:sp>
+        </mc:Fallback>
+      </mc:AlternateContent>
+      <p:pic>
+        <p:nvPicPr>
+          <p:cNvPr id="7" name="内容占位符 3">
+            <a:extLst>
+              <a:ext uri="{FF2B5EF4-FFF2-40B4-BE49-F238E27FC236}">
+                <a16:creationId xmlns:a16="http://schemas.microsoft.com/office/drawing/2014/main" id="{F2D0DFF7-2C73-4FC6-A9C6-7847C7073BD9}"/>
+              </a:ext>
+            </a:extLst>
+          </p:cNvPr>
+          <p:cNvPicPr>
+            <a:picLocks noChangeAspect="1"/>
+          </p:cNvPicPr>
+          <p:nvPr/>
+        </p:nvPicPr>
+        <p:blipFill>
+          <a:blip r:embed="rId3"/>
+          <a:stretch>
+            <a:fillRect/>
+          </a:stretch>
+        </p:blipFill>
+        <p:spPr>
+          <a:xfrm>
+            <a:off x="1788694" y="3882189"/>
+            <a:ext cx="8614611" cy="2610686"/>
+          </a:xfrm>
+          <a:prstGeom prst="rect">
+            <a:avLst/>
+          </a:prstGeom>
+        </p:spPr>
+      </p:pic>
+      <p:sp>
+        <p:nvSpPr>
+          <p:cNvPr id="8" name="文本框 7">
+            <a:extLst>
+              <a:ext uri="{FF2B5EF4-FFF2-40B4-BE49-F238E27FC236}">
+                <a16:creationId xmlns:a16="http://schemas.microsoft.com/office/drawing/2014/main" id="{C0D43EEB-8548-497E-B676-A4B5E4AC7AC3}"/>
+              </a:ext>
+            </a:extLst>
+          </p:cNvPr>
+          <p:cNvSpPr txBox="1"/>
+          <p:nvPr/>
+        </p:nvSpPr>
+        <p:spPr>
+          <a:xfrm>
+            <a:off x="8465270" y="6123543"/>
+            <a:ext cx="3017635" cy="369332"/>
+          </a:xfrm>
+          <a:prstGeom prst="rect">
+            <a:avLst/>
+          </a:prstGeom>
+          <a:noFill/>
+        </p:spPr>
+        <p:txBody>
+          <a:bodyPr wrap="square" rtlCol="0">
+            <a:spAutoFit/>
+          </a:bodyPr>
+          <a:lstStyle/>
+          <a:p>
+            <a:r>
+              <a:rPr lang="en-US" altLang="zh-CN" dirty="0"/>
+              <a:t>(Ramesh Narayan, 1995)</a:t>
+            </a:r>
+            <a:endParaRPr lang="zh-CN" altLang="en-US" dirty="0"/>
           </a:p>
         </p:txBody>
       </p:sp>
@@ -3501,6 +3881,2172 @@
     <p:extLst>
       <p:ext uri="{BB962C8B-B14F-4D97-AF65-F5344CB8AC3E}">
         <p14:creationId xmlns:p14="http://schemas.microsoft.com/office/powerpoint/2010/main" val="2923025830"/>
+      </p:ext>
+    </p:extLst>
+  </p:cSld>
+  <p:clrMapOvr>
+    <a:masterClrMapping/>
+  </p:clrMapOvr>
+</p:sld>
+</file>
+
+<file path=ppt/slides/slide3.xml><?xml version="1.0" encoding="utf-8"?>
+<p:sld xmlns:a="http://schemas.openxmlformats.org/drawingml/2006/main" xmlns:r="http://schemas.openxmlformats.org/officeDocument/2006/relationships" xmlns:p="http://schemas.openxmlformats.org/presentationml/2006/main">
+  <p:cSld>
+    <p:spTree>
+      <p:nvGrpSpPr>
+        <p:cNvPr id="1" name=""/>
+        <p:cNvGrpSpPr/>
+        <p:nvPr/>
+      </p:nvGrpSpPr>
+      <p:grpSpPr>
+        <a:xfrm>
+          <a:off x="0" y="0"/>
+          <a:ext cx="0" cy="0"/>
+          <a:chOff x="0" y="0"/>
+          <a:chExt cx="0" cy="0"/>
+        </a:xfrm>
+      </p:grpSpPr>
+      <p:sp>
+        <p:nvSpPr>
+          <p:cNvPr id="2" name="标题 1">
+            <a:extLst>
+              <a:ext uri="{FF2B5EF4-FFF2-40B4-BE49-F238E27FC236}">
+                <a16:creationId xmlns:a16="http://schemas.microsoft.com/office/drawing/2014/main" id="{A0A8D28F-C3D4-4AD3-8EC6-63C892B2E4F7}"/>
+              </a:ext>
+            </a:extLst>
+          </p:cNvPr>
+          <p:cNvSpPr>
+            <a:spLocks noGrp="1"/>
+          </p:cNvSpPr>
+          <p:nvPr>
+            <p:ph type="title"/>
+          </p:nvPr>
+        </p:nvSpPr>
+        <p:spPr/>
+        <p:txBody>
+          <a:bodyPr/>
+          <a:lstStyle/>
+          <a:p>
+            <a:r>
+              <a:rPr lang="zh-CN" altLang="en-US" dirty="0"/>
+              <a:t>爱丁顿对光线偏折的观测</a:t>
+            </a:r>
+          </a:p>
+        </p:txBody>
+      </p:sp>
+      <p:pic>
+        <p:nvPicPr>
+          <p:cNvPr id="7" name="图片 6">
+            <a:extLst>
+              <a:ext uri="{FF2B5EF4-FFF2-40B4-BE49-F238E27FC236}">
+                <a16:creationId xmlns:a16="http://schemas.microsoft.com/office/drawing/2014/main" id="{66B5C7B8-2C19-4CA1-966E-2689B2B8198A}"/>
+              </a:ext>
+            </a:extLst>
+          </p:cNvPr>
+          <p:cNvPicPr>
+            <a:picLocks noChangeAspect="1"/>
+          </p:cNvPicPr>
+          <p:nvPr/>
+        </p:nvPicPr>
+        <p:blipFill>
+          <a:blip r:embed="rId2"/>
+          <a:stretch>
+            <a:fillRect/>
+          </a:stretch>
+        </p:blipFill>
+        <p:spPr>
+          <a:xfrm>
+            <a:off x="8098971" y="1690687"/>
+            <a:ext cx="3433083" cy="4486275"/>
+          </a:xfrm>
+          <a:prstGeom prst="rect">
+            <a:avLst/>
+          </a:prstGeom>
+        </p:spPr>
+      </p:pic>
+      <p:sp>
+        <p:nvSpPr>
+          <p:cNvPr id="8" name="文本框 7">
+            <a:extLst>
+              <a:ext uri="{FF2B5EF4-FFF2-40B4-BE49-F238E27FC236}">
+                <a16:creationId xmlns:a16="http://schemas.microsoft.com/office/drawing/2014/main" id="{636BB1CA-B3AA-4B2F-8662-8F7398CF4959}"/>
+              </a:ext>
+            </a:extLst>
+          </p:cNvPr>
+          <p:cNvSpPr txBox="1"/>
+          <p:nvPr/>
+        </p:nvSpPr>
+        <p:spPr>
+          <a:xfrm>
+            <a:off x="7629993" y="6191756"/>
+            <a:ext cx="3902061" cy="369332"/>
+          </a:xfrm>
+          <a:prstGeom prst="rect">
+            <a:avLst/>
+          </a:prstGeom>
+          <a:noFill/>
+        </p:spPr>
+        <p:txBody>
+          <a:bodyPr wrap="square" rtlCol="0">
+            <a:spAutoFit/>
+          </a:bodyPr>
+          <a:lstStyle/>
+          <a:p>
+            <a:r>
+              <a:rPr lang="en-US" altLang="zh-CN" dirty="0"/>
+              <a:t>(Dyson, Eddington, &amp; Davidson 1920)</a:t>
+            </a:r>
+            <a:endParaRPr lang="zh-CN" altLang="en-US" dirty="0"/>
+          </a:p>
+        </p:txBody>
+      </p:sp>
+      <mc:AlternateContent xmlns:mc="http://schemas.openxmlformats.org/markup-compatibility/2006">
+        <mc:Choice xmlns:a14="http://schemas.microsoft.com/office/drawing/2010/main" Requires="a14">
+          <p:sp>
+            <p:nvSpPr>
+              <p:cNvPr id="11" name="内容占位符 10">
+                <a:extLst>
+                  <a:ext uri="{FF2B5EF4-FFF2-40B4-BE49-F238E27FC236}">
+                    <a16:creationId xmlns:a16="http://schemas.microsoft.com/office/drawing/2014/main" id="{F3175DA4-6EC0-424F-BB12-336CFB299159}"/>
+                  </a:ext>
+                </a:extLst>
+              </p:cNvPr>
+              <p:cNvSpPr>
+                <a:spLocks noGrp="1"/>
+              </p:cNvSpPr>
+              <p:nvPr>
+                <p:ph idx="1"/>
+              </p:nvPr>
+            </p:nvSpPr>
+            <p:spPr/>
+            <p:txBody>
+              <a:bodyPr/>
+              <a:lstStyle/>
+              <a:p>
+                <a:pPr marL="0" indent="0">
+                  <a:buNone/>
+                </a:pPr>
+                <a:r>
+                  <a:rPr lang="zh-CN" altLang="en-US" dirty="0"/>
+                  <a:t>在巴西北部的</a:t>
+                </a:r>
+                <a:r>
+                  <a:rPr lang="en-US" altLang="zh-CN" dirty="0" err="1"/>
+                  <a:t>Sobral</a:t>
+                </a:r>
+                <a:r>
+                  <a:rPr lang="zh-CN" altLang="en-US" dirty="0"/>
+                  <a:t>小镇的观测结果：</a:t>
+                </a:r>
+                <a:endParaRPr lang="en-US" altLang="zh-CN" dirty="0">
+                  <a:latin typeface="Cambria Math" panose="02040503050406030204" pitchFamily="18" charset="0"/>
+                </a:endParaRPr>
+              </a:p>
+              <a:p>
+                <a:pPr marL="0" indent="0">
+                  <a:buNone/>
+                </a:pPr>
+                <a14:m>
+                  <m:oMathPara xmlns:m="http://schemas.openxmlformats.org/officeDocument/2006/math">
+                    <m:oMathParaPr>
+                      <m:jc m:val="centerGroup"/>
+                    </m:oMathParaPr>
+                    <m:oMath xmlns:m="http://schemas.openxmlformats.org/officeDocument/2006/math">
+                      <m:sSup>
+                        <m:sSupPr>
+                          <m:ctrlPr>
+                            <a:rPr lang="zh-CN" altLang="en-US" smtClean="0">
+                              <a:latin typeface="Cambria Math" panose="02040503050406030204" pitchFamily="18" charset="0"/>
+                            </a:rPr>
+                          </m:ctrlPr>
+                        </m:sSupPr>
+                        <m:e>
+                          <m:r>
+                            <a:rPr lang="zh-CN" altLang="en-US">
+                              <a:latin typeface="Cambria Math" panose="02040503050406030204" pitchFamily="18" charset="0"/>
+                            </a:rPr>
+                            <m:t>1</m:t>
+                          </m:r>
+                        </m:e>
+                        <m:sup>
+                          <m:r>
+                            <a:rPr lang="zh-CN" altLang="en-US" i="0">
+                              <a:latin typeface="Cambria Math" panose="02040503050406030204" pitchFamily="18" charset="0"/>
+                            </a:rPr>
+                            <m:t>′′</m:t>
+                          </m:r>
+                        </m:sup>
+                      </m:sSup>
+                      <m:r>
+                        <a:rPr lang="en-US" altLang="zh-CN" b="0" i="1" smtClean="0">
+                          <a:latin typeface="Cambria Math" panose="02040503050406030204" pitchFamily="18" charset="0"/>
+                        </a:rPr>
+                        <m:t>.98</m:t>
+                      </m:r>
+                      <m:r>
+                        <a:rPr lang="zh-CN" altLang="en-US" smtClean="0">
+                          <a:latin typeface="Cambria Math" panose="02040503050406030204" pitchFamily="18" charset="0"/>
+                        </a:rPr>
+                        <m:t>±</m:t>
+                      </m:r>
+                      <m:sSup>
+                        <m:sSupPr>
+                          <m:ctrlPr>
+                            <a:rPr lang="zh-CN" altLang="en-US" i="1">
+                              <a:latin typeface="Cambria Math" panose="02040503050406030204" pitchFamily="18" charset="0"/>
+                            </a:rPr>
+                          </m:ctrlPr>
+                        </m:sSupPr>
+                        <m:e>
+                          <m:r>
+                            <a:rPr lang="zh-CN" altLang="en-US" i="1">
+                              <a:latin typeface="Cambria Math" panose="02040503050406030204" pitchFamily="18" charset="0"/>
+                            </a:rPr>
+                            <m:t>𝑂</m:t>
+                          </m:r>
+                        </m:e>
+                        <m:sup>
+                          <m:r>
+                            <a:rPr lang="zh-CN" altLang="en-US" i="0">
+                              <a:latin typeface="Cambria Math" panose="02040503050406030204" pitchFamily="18" charset="0"/>
+                            </a:rPr>
+                            <m:t>′′</m:t>
+                          </m:r>
+                        </m:sup>
+                      </m:sSup>
+                      <m:r>
+                        <a:rPr lang="en-US" altLang="zh-CN" b="0" i="1" smtClean="0">
+                          <a:latin typeface="Cambria Math" panose="02040503050406030204" pitchFamily="18" charset="0"/>
+                        </a:rPr>
+                        <m:t>.12</m:t>
+                      </m:r>
+                    </m:oMath>
+                  </m:oMathPara>
+                </a14:m>
+                <a:endParaRPr lang="en-US" altLang="zh-CN" dirty="0"/>
+              </a:p>
+              <a:p>
+                <a:pPr marL="0" indent="0">
+                  <a:buNone/>
+                </a:pPr>
+                <a:r>
+                  <a:rPr lang="zh-CN" altLang="en-US" dirty="0"/>
+                  <a:t>在非洲西部的小岛</a:t>
+                </a:r>
+                <a:r>
+                  <a:rPr lang="en-US" altLang="zh-CN" dirty="0"/>
+                  <a:t>Principe</a:t>
+                </a:r>
+                <a:r>
+                  <a:rPr lang="zh-CN" altLang="en-US" dirty="0"/>
+                  <a:t>小岛上的观测则</a:t>
+                </a:r>
+                <a:endParaRPr lang="en-US" altLang="zh-CN" dirty="0"/>
+              </a:p>
+              <a:p>
+                <a:pPr marL="0" indent="0">
+                  <a:buNone/>
+                </a:pPr>
+                <a:r>
+                  <a:rPr lang="zh-CN" altLang="en-US" dirty="0"/>
+                  <a:t>由于天气原因，得到的结果误差较大：</a:t>
+                </a:r>
+                <a:endParaRPr lang="en-US" altLang="zh-CN" dirty="0"/>
+              </a:p>
+              <a:p>
+                <a:pPr marL="0" indent="0">
+                  <a:buNone/>
+                </a:pPr>
+                <a14:m>
+                  <m:oMath xmlns:m="http://schemas.openxmlformats.org/officeDocument/2006/math">
+                    <m:sSup>
+                      <m:sSupPr>
+                        <m:ctrlPr>
+                          <a:rPr lang="zh-CN" altLang="en-US" i="1">
+                            <a:latin typeface="Cambria Math" panose="02040503050406030204" pitchFamily="18" charset="0"/>
+                          </a:rPr>
+                        </m:ctrlPr>
+                      </m:sSupPr>
+                      <m:e>
+                        <m:r>
+                          <a:rPr lang="en-US" altLang="zh-CN" b="0" i="0" smtClean="0">
+                            <a:latin typeface="Cambria Math" panose="02040503050406030204" pitchFamily="18" charset="0"/>
+                          </a:rPr>
+                          <m:t>                                                   </m:t>
+                        </m:r>
+                        <m:r>
+                          <a:rPr lang="zh-CN" altLang="en-US">
+                            <a:latin typeface="Cambria Math" panose="02040503050406030204" pitchFamily="18" charset="0"/>
+                          </a:rPr>
+                          <m:t>1</m:t>
+                        </m:r>
+                      </m:e>
+                      <m:sup>
+                        <m:r>
+                          <a:rPr lang="zh-CN" altLang="en-US">
+                            <a:latin typeface="Cambria Math" panose="02040503050406030204" pitchFamily="18" charset="0"/>
+                          </a:rPr>
+                          <m:t>′′</m:t>
+                        </m:r>
+                      </m:sup>
+                    </m:sSup>
+                    <m:r>
+                      <a:rPr lang="en-US" altLang="zh-CN" i="1">
+                        <a:latin typeface="Cambria Math" panose="02040503050406030204" pitchFamily="18" charset="0"/>
+                      </a:rPr>
+                      <m:t>.</m:t>
+                    </m:r>
+                    <m:r>
+                      <a:rPr lang="en-US" altLang="zh-CN" i="1" smtClean="0">
+                        <a:latin typeface="Cambria Math" panose="02040503050406030204" pitchFamily="18" charset="0"/>
+                      </a:rPr>
+                      <m:t>6</m:t>
+                    </m:r>
+                    <m:r>
+                      <a:rPr lang="en-US" altLang="zh-CN" i="1">
+                        <a:latin typeface="Cambria Math" panose="02040503050406030204" pitchFamily="18" charset="0"/>
+                      </a:rPr>
+                      <m:t>1</m:t>
+                    </m:r>
+                    <m:r>
+                      <a:rPr lang="zh-CN" altLang="en-US">
+                        <a:latin typeface="Cambria Math" panose="02040503050406030204" pitchFamily="18" charset="0"/>
+                      </a:rPr>
+                      <m:t>±</m:t>
+                    </m:r>
+                    <m:sSup>
+                      <m:sSupPr>
+                        <m:ctrlPr>
+                          <a:rPr lang="zh-CN" altLang="en-US" i="1">
+                            <a:latin typeface="Cambria Math" panose="02040503050406030204" pitchFamily="18" charset="0"/>
+                          </a:rPr>
+                        </m:ctrlPr>
+                      </m:sSupPr>
+                      <m:e>
+                        <m:r>
+                          <a:rPr lang="zh-CN" altLang="en-US" i="1">
+                            <a:latin typeface="Cambria Math" panose="02040503050406030204" pitchFamily="18" charset="0"/>
+                          </a:rPr>
+                          <m:t>𝑂</m:t>
+                        </m:r>
+                      </m:e>
+                      <m:sup>
+                        <m:r>
+                          <a:rPr lang="zh-CN" altLang="en-US">
+                            <a:latin typeface="Cambria Math" panose="02040503050406030204" pitchFamily="18" charset="0"/>
+                          </a:rPr>
+                          <m:t>′′</m:t>
+                        </m:r>
+                      </m:sup>
+                    </m:sSup>
+                    <m:r>
+                      <a:rPr lang="en-US" altLang="zh-CN" i="1">
+                        <a:latin typeface="Cambria Math" panose="02040503050406030204" pitchFamily="18" charset="0"/>
+                      </a:rPr>
+                      <m:t>.</m:t>
+                    </m:r>
+                    <m:r>
+                      <a:rPr lang="en-US" altLang="zh-CN" i="1" smtClean="0">
+                        <a:latin typeface="Cambria Math" panose="02040503050406030204" pitchFamily="18" charset="0"/>
+                      </a:rPr>
+                      <m:t>3</m:t>
+                    </m:r>
+                  </m:oMath>
+                </a14:m>
+                <a:r>
+                  <a:rPr lang="en-US" altLang="zh-CN" dirty="0"/>
+                  <a:t>0</a:t>
+                </a:r>
+              </a:p>
+              <a:p>
+                <a:pPr marL="0" indent="0">
+                  <a:buNone/>
+                </a:pPr>
+                <a:r>
+                  <a:rPr lang="zh-CN" altLang="en-US" dirty="0"/>
+                  <a:t>这些结果都表明了，爱因斯坦给出的结果：</a:t>
+                </a:r>
+                <a:endParaRPr lang="en-US" altLang="zh-CN" dirty="0"/>
+              </a:p>
+              <a:p>
+                <a:pPr marL="0" indent="0">
+                  <a:buNone/>
+                </a:pPr>
+                <a:r>
+                  <a:rPr lang="en-US" altLang="zh-CN" dirty="0"/>
+                  <a:t> </a:t>
+                </a:r>
+                <a14:m>
+                  <m:oMath xmlns:m="http://schemas.openxmlformats.org/officeDocument/2006/math">
+                    <m:sSup>
+                      <m:sSupPr>
+                        <m:ctrlPr>
+                          <a:rPr lang="zh-CN" altLang="en-US" i="1">
+                            <a:latin typeface="Cambria Math" panose="02040503050406030204" pitchFamily="18" charset="0"/>
+                          </a:rPr>
+                        </m:ctrlPr>
+                      </m:sSupPr>
+                      <m:e>
+                        <m:r>
+                          <a:rPr lang="en-US" altLang="zh-CN">
+                            <a:latin typeface="Cambria Math" panose="02040503050406030204" pitchFamily="18" charset="0"/>
+                          </a:rPr>
+                          <m:t>                                                   </m:t>
+                        </m:r>
+                        <m:r>
+                          <a:rPr lang="zh-CN" altLang="en-US">
+                            <a:latin typeface="Cambria Math" panose="02040503050406030204" pitchFamily="18" charset="0"/>
+                          </a:rPr>
+                          <m:t>1</m:t>
+                        </m:r>
+                      </m:e>
+                      <m:sup>
+                        <m:r>
+                          <a:rPr lang="zh-CN" altLang="en-US">
+                            <a:latin typeface="Cambria Math" panose="02040503050406030204" pitchFamily="18" charset="0"/>
+                          </a:rPr>
+                          <m:t>′′</m:t>
+                        </m:r>
+                      </m:sup>
+                    </m:sSup>
+                    <m:r>
+                      <a:rPr lang="en-US" altLang="zh-CN" i="1">
+                        <a:latin typeface="Cambria Math" panose="02040503050406030204" pitchFamily="18" charset="0"/>
+                      </a:rPr>
+                      <m:t>.</m:t>
+                    </m:r>
+                    <m:r>
+                      <a:rPr lang="en-US" altLang="zh-CN" i="1">
+                        <a:latin typeface="Cambria Math" panose="02040503050406030204" pitchFamily="18" charset="0"/>
+                      </a:rPr>
+                      <m:t>7</m:t>
+                    </m:r>
+                  </m:oMath>
+                </a14:m>
+                <a:r>
+                  <a:rPr lang="en-US" altLang="zh-CN" dirty="0"/>
+                  <a:t>0</a:t>
+                </a:r>
+              </a:p>
+              <a:p>
+                <a:pPr marL="0" indent="0">
+                  <a:buNone/>
+                </a:pPr>
+                <a:r>
+                  <a:rPr lang="zh-CN" altLang="en-US" dirty="0"/>
+                  <a:t>更可能是正确的。</a:t>
+                </a:r>
+              </a:p>
+            </p:txBody>
+          </p:sp>
+        </mc:Choice>
+        <mc:Fallback>
+          <p:sp>
+            <p:nvSpPr>
+              <p:cNvPr id="11" name="内容占位符 10">
+                <a:extLst>
+                  <a:ext uri="{FF2B5EF4-FFF2-40B4-BE49-F238E27FC236}">
+                    <a16:creationId xmlns:a16="http://schemas.microsoft.com/office/drawing/2014/main" id="{F3175DA4-6EC0-424F-BB12-336CFB299159}"/>
+                  </a:ext>
+                </a:extLst>
+              </p:cNvPr>
+              <p:cNvSpPr>
+                <a:spLocks noGrp="1" noRot="1" noChangeAspect="1" noMove="1" noResize="1" noEditPoints="1" noAdjustHandles="1" noChangeArrowheads="1" noChangeShapeType="1" noTextEdit="1"/>
+              </p:cNvSpPr>
+              <p:nvPr>
+                <p:ph idx="1"/>
+              </p:nvPr>
+            </p:nvSpPr>
+            <p:spPr>
+              <a:blipFill>
+                <a:blip r:embed="rId3"/>
+                <a:stretch>
+                  <a:fillRect l="-1217" t="-2381"/>
+                </a:stretch>
+              </a:blipFill>
+            </p:spPr>
+            <p:txBody>
+              <a:bodyPr/>
+              <a:lstStyle/>
+              <a:p>
+                <a:r>
+                  <a:rPr lang="zh-CN" altLang="en-US">
+                    <a:noFill/>
+                  </a:rPr>
+                  <a:t> </a:t>
+                </a:r>
+              </a:p>
+            </p:txBody>
+          </p:sp>
+        </mc:Fallback>
+      </mc:AlternateContent>
+    </p:spTree>
+    <p:extLst>
+      <p:ext uri="{BB962C8B-B14F-4D97-AF65-F5344CB8AC3E}">
+        <p14:creationId xmlns:p14="http://schemas.microsoft.com/office/powerpoint/2010/main" val="1388492580"/>
+      </p:ext>
+    </p:extLst>
+  </p:cSld>
+  <p:clrMapOvr>
+    <a:masterClrMapping/>
+  </p:clrMapOvr>
+</p:sld>
+</file>
+
+<file path=ppt/slides/slide4.xml><?xml version="1.0" encoding="utf-8"?>
+<p:sld xmlns:a="http://schemas.openxmlformats.org/drawingml/2006/main" xmlns:r="http://schemas.openxmlformats.org/officeDocument/2006/relationships" xmlns:p="http://schemas.openxmlformats.org/presentationml/2006/main">
+  <p:cSld>
+    <p:spTree>
+      <p:nvGrpSpPr>
+        <p:cNvPr id="1" name=""/>
+        <p:cNvGrpSpPr/>
+        <p:nvPr/>
+      </p:nvGrpSpPr>
+      <p:grpSpPr>
+        <a:xfrm>
+          <a:off x="0" y="0"/>
+          <a:ext cx="0" cy="0"/>
+          <a:chOff x="0" y="0"/>
+          <a:chExt cx="0" cy="0"/>
+        </a:xfrm>
+      </p:grpSpPr>
+      <p:sp>
+        <p:nvSpPr>
+          <p:cNvPr id="2" name="标题 1">
+            <a:extLst>
+              <a:ext uri="{FF2B5EF4-FFF2-40B4-BE49-F238E27FC236}">
+                <a16:creationId xmlns:a16="http://schemas.microsoft.com/office/drawing/2014/main" id="{209686F5-015E-4E22-ADEF-031B58F370BC}"/>
+              </a:ext>
+            </a:extLst>
+          </p:cNvPr>
+          <p:cNvSpPr>
+            <a:spLocks noGrp="1"/>
+          </p:cNvSpPr>
+          <p:nvPr>
+            <p:ph type="title"/>
+          </p:nvPr>
+        </p:nvSpPr>
+        <p:spPr/>
+        <p:txBody>
+          <a:bodyPr/>
+          <a:lstStyle/>
+          <a:p>
+            <a:r>
+              <a:rPr lang="zh-CN" altLang="en-US" dirty="0"/>
+              <a:t>引力透镜</a:t>
+            </a:r>
+          </a:p>
+        </p:txBody>
+      </p:sp>
+      <mc:AlternateContent xmlns:mc="http://schemas.openxmlformats.org/markup-compatibility/2006">
+        <mc:Choice xmlns:a14="http://schemas.microsoft.com/office/drawing/2010/main" Requires="a14">
+          <p:sp>
+            <p:nvSpPr>
+              <p:cNvPr id="3" name="内容占位符 2">
+                <a:extLst>
+                  <a:ext uri="{FF2B5EF4-FFF2-40B4-BE49-F238E27FC236}">
+                    <a16:creationId xmlns:a16="http://schemas.microsoft.com/office/drawing/2014/main" id="{9785D23D-7871-4B68-B314-0CF9F64F2727}"/>
+                  </a:ext>
+                </a:extLst>
+              </p:cNvPr>
+              <p:cNvSpPr>
+                <a:spLocks noGrp="1"/>
+              </p:cNvSpPr>
+              <p:nvPr>
+                <p:ph sz="half" idx="1"/>
+              </p:nvPr>
+            </p:nvSpPr>
+            <p:spPr/>
+            <p:txBody>
+              <a:bodyPr>
+                <a:normAutofit/>
+              </a:bodyPr>
+              <a:lstStyle/>
+              <a:p>
+                <a:pPr marL="0" indent="0">
+                  <a:buNone/>
+                </a:pPr>
+                <a:r>
+                  <a:rPr lang="zh-CN" altLang="en-US" sz="2000" dirty="0"/>
+                  <a:t>质点的透镜方程：</a:t>
+                </a:r>
+                <a:endParaRPr lang="en-US" altLang="zh-CN" sz="2000" dirty="0"/>
+              </a:p>
+              <a:p>
+                <a:pPr marL="0" indent="0">
+                  <a:buNone/>
+                </a:pPr>
+                <a14:m>
+                  <m:oMath xmlns:m="http://schemas.openxmlformats.org/officeDocument/2006/math">
+                    <m:sSub>
+                      <m:sSubPr>
+                        <m:ctrlPr>
+                          <a:rPr lang="zh-CN" altLang="en-US" sz="2000" i="1" smtClean="0">
+                            <a:latin typeface="Cambria Math" panose="02040503050406030204" pitchFamily="18" charset="0"/>
+                          </a:rPr>
+                        </m:ctrlPr>
+                      </m:sSubPr>
+                      <m:e>
+                        <m:r>
+                          <a:rPr lang="zh-CN" altLang="en-US" sz="2000" i="1" smtClean="0">
+                            <a:latin typeface="Cambria Math" panose="02040503050406030204" pitchFamily="18" charset="0"/>
+                          </a:rPr>
+                          <m:t>𝛽</m:t>
+                        </m:r>
+                      </m:e>
+                      <m:sub>
+                        <m:r>
+                          <a:rPr lang="zh-CN" altLang="en-US" sz="2000" i="1" smtClean="0">
+                            <a:latin typeface="Cambria Math" panose="02040503050406030204" pitchFamily="18" charset="0"/>
+                          </a:rPr>
+                          <m:t>±</m:t>
+                        </m:r>
+                      </m:sub>
+                    </m:sSub>
+                    <m:r>
+                      <a:rPr lang="en-US" altLang="zh-CN" sz="2000" b="0" i="1" smtClean="0">
+                        <a:latin typeface="Cambria Math" panose="02040503050406030204" pitchFamily="18" charset="0"/>
+                      </a:rPr>
+                      <m:t>=</m:t>
+                    </m:r>
+                    <m:f>
+                      <m:fPr>
+                        <m:ctrlPr>
+                          <a:rPr lang="zh-CN" altLang="en-US" sz="2000" dirty="0" smtClean="0">
+                            <a:latin typeface="Cambria Math" panose="02040503050406030204" pitchFamily="18" charset="0"/>
+                          </a:rPr>
+                        </m:ctrlPr>
+                      </m:fPr>
+                      <m:num>
+                        <m:r>
+                          <a:rPr lang="zh-CN" altLang="en-US" sz="2000" i="1" dirty="0">
+                            <a:latin typeface="Cambria Math" panose="02040503050406030204" pitchFamily="18" charset="0"/>
+                          </a:rPr>
+                          <m:t>𝛼</m:t>
+                        </m:r>
+                      </m:num>
+                      <m:den>
+                        <m:r>
+                          <a:rPr lang="zh-CN" altLang="en-US" sz="2000" i="0" dirty="0">
+                            <a:latin typeface="Cambria Math" panose="02040503050406030204" pitchFamily="18" charset="0"/>
+                          </a:rPr>
+                          <m:t>2</m:t>
+                        </m:r>
+                      </m:den>
+                    </m:f>
+                    <m:r>
+                      <a:rPr lang="zh-CN" altLang="en-US" sz="2000" dirty="0" smtClean="0">
+                        <a:latin typeface="Cambria Math" panose="02040503050406030204" pitchFamily="18" charset="0"/>
+                      </a:rPr>
+                      <m:t>±</m:t>
+                    </m:r>
+                    <m:rad>
+                      <m:radPr>
+                        <m:degHide m:val="on"/>
+                        <m:ctrlPr>
+                          <a:rPr lang="zh-CN" altLang="en-US" sz="2000" dirty="0" smtClean="0">
+                            <a:latin typeface="Cambria Math" panose="02040503050406030204" pitchFamily="18" charset="0"/>
+                          </a:rPr>
+                        </m:ctrlPr>
+                      </m:radPr>
+                      <m:deg/>
+                      <m:e>
+                        <m:f>
+                          <m:fPr>
+                            <m:ctrlPr>
+                              <a:rPr lang="zh-CN" altLang="en-US" sz="2000" i="1" dirty="0" smtClean="0">
+                                <a:latin typeface="Cambria Math" panose="02040503050406030204" pitchFamily="18" charset="0"/>
+                              </a:rPr>
+                            </m:ctrlPr>
+                          </m:fPr>
+                          <m:num>
+                            <m:sSup>
+                              <m:sSupPr>
+                                <m:ctrlPr>
+                                  <a:rPr lang="zh-CN" altLang="en-US" sz="2000" i="1" dirty="0">
+                                    <a:latin typeface="Cambria Math" panose="02040503050406030204" pitchFamily="18" charset="0"/>
+                                  </a:rPr>
+                                </m:ctrlPr>
+                              </m:sSupPr>
+                              <m:e>
+                                <m:r>
+                                  <a:rPr lang="zh-CN" altLang="en-US" sz="2000" i="1" dirty="0">
+                                    <a:latin typeface="Cambria Math" panose="02040503050406030204" pitchFamily="18" charset="0"/>
+                                  </a:rPr>
+                                  <m:t>𝛼</m:t>
+                                </m:r>
+                              </m:e>
+                              <m:sup>
+                                <m:r>
+                                  <a:rPr lang="zh-CN" altLang="en-US" sz="2000" i="1" dirty="0">
+                                    <a:latin typeface="Cambria Math" panose="02040503050406030204" pitchFamily="18" charset="0"/>
+                                  </a:rPr>
+                                  <m:t>2</m:t>
+                                </m:r>
+                              </m:sup>
+                            </m:sSup>
+                          </m:num>
+                          <m:den>
+                            <m:r>
+                              <a:rPr lang="zh-CN" altLang="en-US" sz="2000" i="1" dirty="0">
+                                <a:latin typeface="Cambria Math" panose="02040503050406030204" pitchFamily="18" charset="0"/>
+                              </a:rPr>
+                              <m:t>4</m:t>
+                            </m:r>
+                          </m:den>
+                        </m:f>
+                        <m:r>
+                          <a:rPr lang="en-US" altLang="zh-CN" sz="2000" b="0" i="1" dirty="0" smtClean="0">
+                            <a:latin typeface="Cambria Math" panose="02040503050406030204" pitchFamily="18" charset="0"/>
+                          </a:rPr>
+                          <m:t>+</m:t>
+                        </m:r>
+                        <m:sSubSup>
+                          <m:sSubSupPr>
+                            <m:ctrlPr>
+                              <a:rPr lang="zh-CN" altLang="en-US" sz="2000" i="1" dirty="0" smtClean="0">
+                                <a:latin typeface="Cambria Math" panose="02040503050406030204" pitchFamily="18" charset="0"/>
+                              </a:rPr>
+                            </m:ctrlPr>
+                          </m:sSubSupPr>
+                          <m:e>
+                            <m:r>
+                              <a:rPr lang="zh-CN" altLang="en-US" sz="2000" i="1" dirty="0">
+                                <a:latin typeface="Cambria Math" panose="02040503050406030204" pitchFamily="18" charset="0"/>
+                              </a:rPr>
+                              <m:t>𝛽</m:t>
+                            </m:r>
+                          </m:e>
+                          <m:sub>
+                            <m:r>
+                              <a:rPr lang="zh-CN" altLang="en-US" sz="2000" i="1" dirty="0">
+                                <a:latin typeface="Cambria Math" panose="02040503050406030204" pitchFamily="18" charset="0"/>
+                              </a:rPr>
+                              <m:t>𝐸</m:t>
+                            </m:r>
+                          </m:sub>
+                          <m:sup>
+                            <m:r>
+                              <a:rPr lang="zh-CN" altLang="en-US" sz="2000" i="1" dirty="0">
+                                <a:latin typeface="Cambria Math" panose="02040503050406030204" pitchFamily="18" charset="0"/>
+                              </a:rPr>
+                              <m:t>2</m:t>
+                            </m:r>
+                          </m:sup>
+                        </m:sSubSup>
+                      </m:e>
+                    </m:rad>
+                  </m:oMath>
+                </a14:m>
+                <a:r>
+                  <a:rPr lang="en-US" altLang="zh-CN" sz="2000" dirty="0"/>
+                  <a:t> </a:t>
+                </a:r>
+                <a:r>
+                  <a:rPr lang="zh-CN" altLang="en-US" sz="2000" dirty="0"/>
+                  <a:t>（</a:t>
+                </a:r>
+                <a:r>
+                  <a:rPr lang="en-US" altLang="zh-CN" sz="2000" dirty="0"/>
+                  <a:t>1</a:t>
+                </a:r>
+                <a:r>
+                  <a:rPr lang="zh-CN" altLang="en-US" sz="2000" dirty="0"/>
+                  <a:t>）</a:t>
+                </a:r>
+                <a:endParaRPr lang="en-US" altLang="zh-CN" sz="2000" dirty="0"/>
+              </a:p>
+              <a:p>
+                <a:pPr marL="0" indent="0">
+                  <a:buNone/>
+                </a:pPr>
+                <a:r>
+                  <a:rPr lang="zh-CN" altLang="en-US" sz="2000" dirty="0"/>
+                  <a:t>当源</a:t>
+                </a:r>
+                <a:r>
+                  <a:rPr lang="en-US" altLang="zh-CN" sz="2000" dirty="0"/>
+                  <a:t>S</a:t>
+                </a:r>
+                <a:r>
+                  <a:rPr lang="zh-CN" altLang="en-US" sz="2000" dirty="0"/>
+                  <a:t>，透镜</a:t>
+                </a:r>
+                <a:r>
+                  <a:rPr lang="en-US" altLang="zh-CN" sz="2000" dirty="0"/>
+                  <a:t>L</a:t>
+                </a:r>
+                <a:r>
+                  <a:rPr lang="zh-CN" altLang="en-US" sz="2000" dirty="0"/>
+                  <a:t>，观测者</a:t>
+                </a:r>
+                <a:r>
+                  <a:rPr lang="en-US" altLang="zh-CN" sz="2000" dirty="0"/>
+                  <a:t>E</a:t>
+                </a:r>
+                <a:r>
+                  <a:rPr lang="zh-CN" altLang="en-US" sz="2000" dirty="0"/>
+                  <a:t>共线时，观测者将看到角半径为</a:t>
+                </a:r>
+                <a:r>
+                  <a:rPr lang="el-GR" altLang="zh-CN" sz="2000" dirty="0"/>
+                  <a:t>β</a:t>
+                </a:r>
+                <a:r>
+                  <a:rPr lang="zh-CN" altLang="en-US" sz="2000" dirty="0"/>
+                  <a:t>的爱因斯坦环。</a:t>
+                </a:r>
+                <a:endParaRPr lang="en-US" altLang="zh-CN" sz="2000" dirty="0"/>
+              </a:p>
+              <a:p>
+                <a:pPr marL="0" indent="0">
+                  <a:buNone/>
+                </a:pPr>
+                <a14:m>
+                  <m:oMath xmlns:m="http://schemas.openxmlformats.org/officeDocument/2006/math">
+                    <m:r>
+                      <m:rPr>
+                        <m:nor/>
+                      </m:rPr>
+                      <a:rPr lang="el-GR" altLang="zh-CN" sz="2000" dirty="0"/>
+                      <m:t>β</m:t>
+                    </m:r>
+                    <m:r>
+                      <a:rPr lang="en-US" altLang="zh-CN" sz="2000" i="1">
+                        <a:latin typeface="Cambria Math" panose="02040503050406030204" pitchFamily="18" charset="0"/>
+                      </a:rPr>
+                      <m:t>=</m:t>
+                    </m:r>
+                    <m:rad>
+                      <m:radPr>
+                        <m:degHide m:val="on"/>
+                        <m:ctrlPr>
+                          <a:rPr lang="en-US" altLang="zh-CN" sz="2000" i="1" dirty="0" smtClean="0">
+                            <a:latin typeface="Cambria Math" panose="02040503050406030204" pitchFamily="18" charset="0"/>
+                          </a:rPr>
+                        </m:ctrlPr>
+                      </m:radPr>
+                      <m:deg/>
+                      <m:e>
+                        <m:f>
+                          <m:fPr>
+                            <m:ctrlPr>
+                              <a:rPr lang="en-US" altLang="zh-CN" sz="2000" i="1" dirty="0">
+                                <a:latin typeface="Cambria Math" panose="02040503050406030204" pitchFamily="18" charset="0"/>
+                              </a:rPr>
+                            </m:ctrlPr>
+                          </m:fPr>
+                          <m:num>
+                            <m:r>
+                              <a:rPr lang="en-US" altLang="zh-CN" sz="2000" i="1" dirty="0">
+                                <a:latin typeface="Cambria Math" panose="02040503050406030204" pitchFamily="18" charset="0"/>
+                              </a:rPr>
+                              <m:t>4</m:t>
+                            </m:r>
+                            <m:r>
+                              <a:rPr lang="en-US" altLang="zh-CN" sz="2000" i="1" dirty="0">
+                                <a:latin typeface="Cambria Math" panose="02040503050406030204" pitchFamily="18" charset="0"/>
+                              </a:rPr>
+                              <m:t>𝐺𝑀</m:t>
+                            </m:r>
+                          </m:num>
+                          <m:den>
+                            <m:sSup>
+                              <m:sSupPr>
+                                <m:ctrlPr>
+                                  <a:rPr lang="en-US" altLang="zh-CN" sz="2000" i="1" dirty="0">
+                                    <a:latin typeface="Cambria Math" panose="02040503050406030204" pitchFamily="18" charset="0"/>
+                                  </a:rPr>
+                                </m:ctrlPr>
+                              </m:sSupPr>
+                              <m:e>
+                                <m:r>
+                                  <a:rPr lang="en-US" altLang="zh-CN" sz="2000" i="1" dirty="0">
+                                    <a:latin typeface="Cambria Math" panose="02040503050406030204" pitchFamily="18" charset="0"/>
+                                  </a:rPr>
+                                  <m:t>𝑐</m:t>
+                                </m:r>
+                              </m:e>
+                              <m:sup>
+                                <m:r>
+                                  <a:rPr lang="en-US" altLang="zh-CN" sz="2000" dirty="0">
+                                    <a:latin typeface="Cambria Math" panose="02040503050406030204" pitchFamily="18" charset="0"/>
+                                  </a:rPr>
+                                  <m:t>2</m:t>
+                                </m:r>
+                              </m:sup>
+                            </m:sSup>
+                            <m:r>
+                              <a:rPr lang="en-US" altLang="zh-CN" sz="2000" b="0" i="1" dirty="0" smtClean="0">
+                                <a:latin typeface="Cambria Math" panose="02040503050406030204" pitchFamily="18" charset="0"/>
+                              </a:rPr>
+                              <m:t>𝑏</m:t>
+                            </m:r>
+                          </m:den>
+                        </m:f>
+                        <m:r>
+                          <a:rPr lang="en-US" altLang="zh-CN" sz="2000" i="1" dirty="0" smtClean="0">
+                            <a:latin typeface="Cambria Math" panose="02040503050406030204" pitchFamily="18" charset="0"/>
+                            <a:ea typeface="Cambria Math" panose="02040503050406030204" pitchFamily="18" charset="0"/>
+                          </a:rPr>
+                          <m:t>×</m:t>
+                        </m:r>
+                        <m:f>
+                          <m:fPr>
+                            <m:ctrlPr>
+                              <a:rPr lang="en-US" altLang="zh-CN" sz="2000" i="1" dirty="0" smtClean="0">
+                                <a:latin typeface="Cambria Math" panose="02040503050406030204" pitchFamily="18" charset="0"/>
+                                <a:ea typeface="Cambria Math" panose="02040503050406030204" pitchFamily="18" charset="0"/>
+                              </a:rPr>
+                            </m:ctrlPr>
+                          </m:fPr>
+                          <m:num>
+                            <m:r>
+                              <a:rPr lang="en-US" altLang="zh-CN" sz="2000" b="0" i="1" dirty="0" smtClean="0">
+                                <a:latin typeface="Cambria Math" panose="02040503050406030204" pitchFamily="18" charset="0"/>
+                                <a:ea typeface="Cambria Math" panose="02040503050406030204" pitchFamily="18" charset="0"/>
+                              </a:rPr>
+                              <m:t>𝑏</m:t>
+                            </m:r>
+                          </m:num>
+                          <m:den>
+                            <m:sSub>
+                              <m:sSubPr>
+                                <m:ctrlPr>
+                                  <a:rPr lang="en-US" altLang="zh-CN" sz="2000" b="0" i="1" dirty="0" smtClean="0">
+                                    <a:latin typeface="Cambria Math" panose="02040503050406030204" pitchFamily="18" charset="0"/>
+                                    <a:ea typeface="Cambria Math" panose="02040503050406030204" pitchFamily="18" charset="0"/>
+                                  </a:rPr>
+                                </m:ctrlPr>
+                              </m:sSubPr>
+                              <m:e>
+                                <m:r>
+                                  <m:rPr>
+                                    <m:sty m:val="p"/>
+                                  </m:rPr>
+                                  <a:rPr lang="en-US" altLang="zh-CN" sz="2000" i="1" dirty="0">
+                                    <a:latin typeface="Cambria Math" panose="02040503050406030204" pitchFamily="18" charset="0"/>
+                                    <a:ea typeface="Cambria Math" panose="02040503050406030204" pitchFamily="18" charset="0"/>
+                                  </a:rPr>
+                                  <m:t>D</m:t>
+                                </m:r>
+                              </m:e>
+                              <m:sub>
+                                <m:r>
+                                  <m:rPr>
+                                    <m:sty m:val="p"/>
+                                  </m:rPr>
+                                  <a:rPr lang="en-US" altLang="zh-CN" sz="2000" i="1" dirty="0">
+                                    <a:latin typeface="Cambria Math" panose="02040503050406030204" pitchFamily="18" charset="0"/>
+                                    <a:ea typeface="Cambria Math" panose="02040503050406030204" pitchFamily="18" charset="0"/>
+                                  </a:rPr>
+                                  <m:t>LE</m:t>
+                                </m:r>
+                              </m:sub>
+                            </m:sSub>
+                          </m:den>
+                        </m:f>
+                        <m:r>
+                          <a:rPr lang="en-US" altLang="zh-CN" sz="2000" i="1" dirty="0">
+                            <a:latin typeface="Cambria Math" panose="02040503050406030204" pitchFamily="18" charset="0"/>
+                            <a:ea typeface="Cambria Math" panose="02040503050406030204" pitchFamily="18" charset="0"/>
+                          </a:rPr>
+                          <m:t>×</m:t>
+                        </m:r>
+                        <m:f>
+                          <m:fPr>
+                            <m:ctrlPr>
+                              <a:rPr lang="en-US" altLang="zh-CN" sz="2000" i="1" dirty="0">
+                                <a:latin typeface="Cambria Math" panose="02040503050406030204" pitchFamily="18" charset="0"/>
+                                <a:ea typeface="Cambria Math" panose="02040503050406030204" pitchFamily="18" charset="0"/>
+                              </a:rPr>
+                            </m:ctrlPr>
+                          </m:fPr>
+                          <m:num>
+                            <m:sSub>
+                              <m:sSubPr>
+                                <m:ctrlPr>
+                                  <a:rPr lang="en-US" altLang="zh-CN" sz="2000" i="1" dirty="0">
+                                    <a:latin typeface="Cambria Math" panose="02040503050406030204" pitchFamily="18" charset="0"/>
+                                    <a:ea typeface="Cambria Math" panose="02040503050406030204" pitchFamily="18" charset="0"/>
+                                  </a:rPr>
+                                </m:ctrlPr>
+                              </m:sSubPr>
+                              <m:e>
+                                <m:r>
+                                  <m:rPr>
+                                    <m:sty m:val="p"/>
+                                  </m:rPr>
+                                  <a:rPr lang="en-US" altLang="zh-CN" sz="2000" i="1" dirty="0">
+                                    <a:latin typeface="Cambria Math" panose="02040503050406030204" pitchFamily="18" charset="0"/>
+                                    <a:ea typeface="Cambria Math" panose="02040503050406030204" pitchFamily="18" charset="0"/>
+                                  </a:rPr>
+                                  <m:t>D</m:t>
+                                </m:r>
+                              </m:e>
+                              <m:sub>
+                                <m:r>
+                                  <a:rPr lang="en-US" altLang="zh-CN" sz="2000" b="0" i="1" dirty="0" smtClean="0">
+                                    <a:latin typeface="Cambria Math" panose="02040503050406030204" pitchFamily="18" charset="0"/>
+                                    <a:ea typeface="Cambria Math" panose="02040503050406030204" pitchFamily="18" charset="0"/>
+                                  </a:rPr>
+                                  <m:t>𝐿</m:t>
+                                </m:r>
+                                <m:r>
+                                  <a:rPr lang="en-US" altLang="zh-CN" sz="2000" i="1" dirty="0">
+                                    <a:latin typeface="Cambria Math" panose="02040503050406030204" pitchFamily="18" charset="0"/>
+                                    <a:ea typeface="Cambria Math" panose="02040503050406030204" pitchFamily="18" charset="0"/>
+                                  </a:rPr>
+                                  <m:t>𝑆</m:t>
+                                </m:r>
+                              </m:sub>
+                            </m:sSub>
+                          </m:num>
+                          <m:den>
+                            <m:sSub>
+                              <m:sSubPr>
+                                <m:ctrlPr>
+                                  <a:rPr lang="en-US" altLang="zh-CN" sz="2000" i="1" dirty="0">
+                                    <a:latin typeface="Cambria Math" panose="02040503050406030204" pitchFamily="18" charset="0"/>
+                                    <a:ea typeface="Cambria Math" panose="02040503050406030204" pitchFamily="18" charset="0"/>
+                                  </a:rPr>
+                                </m:ctrlPr>
+                              </m:sSubPr>
+                              <m:e>
+                                <m:r>
+                                  <m:rPr>
+                                    <m:sty m:val="p"/>
+                                  </m:rPr>
+                                  <a:rPr lang="en-US" altLang="zh-CN" sz="2000" i="1" dirty="0">
+                                    <a:latin typeface="Cambria Math" panose="02040503050406030204" pitchFamily="18" charset="0"/>
+                                    <a:ea typeface="Cambria Math" panose="02040503050406030204" pitchFamily="18" charset="0"/>
+                                  </a:rPr>
+                                  <m:t>D</m:t>
+                                </m:r>
+                              </m:e>
+                              <m:sub>
+                                <m:r>
+                                  <m:rPr>
+                                    <m:sty m:val="p"/>
+                                  </m:rPr>
+                                  <a:rPr lang="en-US" altLang="zh-CN" sz="2000" i="1" dirty="0">
+                                    <a:latin typeface="Cambria Math" panose="02040503050406030204" pitchFamily="18" charset="0"/>
+                                    <a:ea typeface="Cambria Math" panose="02040503050406030204" pitchFamily="18" charset="0"/>
+                                  </a:rPr>
+                                  <m:t>E</m:t>
+                                </m:r>
+                                <m:r>
+                                  <a:rPr lang="en-US" altLang="zh-CN" sz="2000" b="0" i="1" dirty="0" smtClean="0">
+                                    <a:latin typeface="Cambria Math" panose="02040503050406030204" pitchFamily="18" charset="0"/>
+                                    <a:ea typeface="Cambria Math" panose="02040503050406030204" pitchFamily="18" charset="0"/>
+                                  </a:rPr>
+                                  <m:t>𝑆</m:t>
+                                </m:r>
+                              </m:sub>
+                            </m:sSub>
+                          </m:den>
+                        </m:f>
+                      </m:e>
+                    </m:rad>
+                    <m:r>
+                      <a:rPr lang="en-US" altLang="zh-CN" sz="2000" b="0" i="0" dirty="0" smtClean="0">
+                        <a:latin typeface="Cambria Math" panose="02040503050406030204" pitchFamily="18" charset="0"/>
+                      </a:rPr>
+                      <m:t>&lt;</m:t>
+                    </m:r>
+                    <m:rad>
+                      <m:radPr>
+                        <m:degHide m:val="on"/>
+                        <m:ctrlPr>
+                          <a:rPr lang="en-US" altLang="zh-CN" sz="2000" i="1" dirty="0">
+                            <a:latin typeface="Cambria Math" panose="02040503050406030204" pitchFamily="18" charset="0"/>
+                          </a:rPr>
+                        </m:ctrlPr>
+                      </m:radPr>
+                      <m:deg/>
+                      <m:e>
+                        <m:r>
+                          <m:rPr>
+                            <m:sty m:val="p"/>
+                          </m:rPr>
+                          <a:rPr lang="zh-CN" altLang="en-US" sz="2000" i="1">
+                            <a:latin typeface="Cambria Math" panose="02040503050406030204" pitchFamily="18" charset="0"/>
+                          </a:rPr>
+                          <m:t>Δ</m:t>
+                        </m:r>
+                        <m:r>
+                          <a:rPr lang="zh-CN" altLang="en-US" sz="2000" i="1">
+                            <a:latin typeface="Cambria Math" panose="02040503050406030204" pitchFamily="18" charset="0"/>
+                          </a:rPr>
+                          <m:t>𝜃</m:t>
+                        </m:r>
+                        <m:r>
+                          <a:rPr lang="en-US" altLang="zh-CN" sz="2000" i="1" dirty="0">
+                            <a:latin typeface="Cambria Math" panose="02040503050406030204" pitchFamily="18" charset="0"/>
+                            <a:ea typeface="Cambria Math" panose="02040503050406030204" pitchFamily="18" charset="0"/>
+                          </a:rPr>
+                          <m:t>×</m:t>
+                        </m:r>
+                        <m:f>
+                          <m:fPr>
+                            <m:ctrlPr>
+                              <a:rPr lang="en-US" altLang="zh-CN" sz="2000" i="1" dirty="0">
+                                <a:solidFill>
+                                  <a:prstClr val="black"/>
+                                </a:solidFill>
+                                <a:latin typeface="Cambria Math" panose="02040503050406030204" pitchFamily="18" charset="0"/>
+                                <a:ea typeface="Cambria Math" panose="02040503050406030204" pitchFamily="18" charset="0"/>
+                              </a:rPr>
+                            </m:ctrlPr>
+                          </m:fPr>
+                          <m:num>
+                            <m:r>
+                              <a:rPr lang="en-US" altLang="zh-CN" sz="2000" b="0" i="1" dirty="0" smtClean="0">
+                                <a:solidFill>
+                                  <a:prstClr val="black"/>
+                                </a:solidFill>
+                                <a:latin typeface="Cambria Math" panose="02040503050406030204" pitchFamily="18" charset="0"/>
+                                <a:ea typeface="Cambria Math" panose="02040503050406030204" pitchFamily="18" charset="0"/>
+                              </a:rPr>
+                              <m:t>𝑏</m:t>
+                            </m:r>
+                          </m:num>
+                          <m:den>
+                            <m:sSub>
+                              <m:sSubPr>
+                                <m:ctrlPr>
+                                  <a:rPr lang="en-US" altLang="zh-CN" sz="2000" i="1" dirty="0">
+                                    <a:solidFill>
+                                      <a:prstClr val="black"/>
+                                    </a:solidFill>
+                                    <a:latin typeface="Cambria Math" panose="02040503050406030204" pitchFamily="18" charset="0"/>
+                                    <a:ea typeface="Cambria Math" panose="02040503050406030204" pitchFamily="18" charset="0"/>
+                                  </a:rPr>
+                                </m:ctrlPr>
+                              </m:sSubPr>
+                              <m:e>
+                                <m:r>
+                                  <m:rPr>
+                                    <m:sty m:val="p"/>
+                                  </m:rPr>
+                                  <a:rPr lang="en-US" altLang="zh-CN" sz="2000" i="1" dirty="0">
+                                    <a:solidFill>
+                                      <a:prstClr val="black"/>
+                                    </a:solidFill>
+                                    <a:latin typeface="Cambria Math" panose="02040503050406030204" pitchFamily="18" charset="0"/>
+                                    <a:ea typeface="Cambria Math" panose="02040503050406030204" pitchFamily="18" charset="0"/>
+                                  </a:rPr>
+                                  <m:t>D</m:t>
+                                </m:r>
+                              </m:e>
+                              <m:sub>
+                                <m:r>
+                                  <m:rPr>
+                                    <m:sty m:val="p"/>
+                                  </m:rPr>
+                                  <a:rPr lang="en-US" altLang="zh-CN" sz="2000" i="1" dirty="0">
+                                    <a:solidFill>
+                                      <a:prstClr val="black"/>
+                                    </a:solidFill>
+                                    <a:latin typeface="Cambria Math" panose="02040503050406030204" pitchFamily="18" charset="0"/>
+                                    <a:ea typeface="Cambria Math" panose="02040503050406030204" pitchFamily="18" charset="0"/>
+                                  </a:rPr>
+                                  <m:t>LE</m:t>
+                                </m:r>
+                              </m:sub>
+                            </m:sSub>
+                          </m:den>
+                        </m:f>
+                      </m:e>
+                    </m:rad>
+                  </m:oMath>
+                </a14:m>
+                <a:r>
+                  <a:rPr lang="en-US" altLang="zh-CN" sz="2000" dirty="0"/>
+                  <a:t> </a:t>
+                </a:r>
+                <a:r>
+                  <a:rPr lang="zh-CN" altLang="en-US" sz="2000" dirty="0"/>
+                  <a:t>（</a:t>
+                </a:r>
+                <a:r>
+                  <a:rPr lang="en-US" altLang="zh-CN" sz="2000" dirty="0"/>
+                  <a:t>2</a:t>
+                </a:r>
+                <a:r>
+                  <a:rPr lang="zh-CN" altLang="en-US" sz="2000" dirty="0"/>
+                  <a:t>）</a:t>
+                </a:r>
+                <a:endParaRPr lang="en-US" altLang="zh-CN" sz="2000" dirty="0"/>
+              </a:p>
+              <a:p>
+                <a:pPr marL="0" indent="0">
+                  <a:buNone/>
+                </a:pPr>
+                <a:r>
+                  <a:rPr lang="zh-CN" altLang="en-US" sz="2000" dirty="0"/>
+                  <a:t>由于利用太阳的数据计算出来的</a:t>
+                </a:r>
+                <a14:m>
+                  <m:oMath xmlns:m="http://schemas.openxmlformats.org/officeDocument/2006/math">
+                    <m:r>
+                      <m:rPr>
+                        <m:sty m:val="p"/>
+                      </m:rPr>
+                      <a:rPr lang="zh-CN" altLang="en-US" sz="2000" i="1">
+                        <a:latin typeface="Cambria Math" panose="02040503050406030204" pitchFamily="18" charset="0"/>
+                      </a:rPr>
+                      <m:t>Δ</m:t>
+                    </m:r>
+                    <m:r>
+                      <a:rPr lang="zh-CN" altLang="en-US" sz="2000" i="1">
+                        <a:latin typeface="Cambria Math" panose="02040503050406030204" pitchFamily="18" charset="0"/>
+                      </a:rPr>
+                      <m:t>𝜃</m:t>
+                    </m:r>
+                    <m:r>
+                      <a:rPr lang="en-US" altLang="zh-CN" sz="2000" i="1" dirty="0">
+                        <a:latin typeface="Cambria Math" panose="02040503050406030204" pitchFamily="18" charset="0"/>
+                      </a:rPr>
+                      <m:t>=</m:t>
+                    </m:r>
+                  </m:oMath>
+                </a14:m>
+                <a:r>
+                  <a:rPr lang="en-US" altLang="zh-CN" sz="2000" dirty="0"/>
+                  <a:t>1.7’’</a:t>
+                </a:r>
+                <a:r>
+                  <a:rPr lang="zh-CN" altLang="en-US" sz="2000" dirty="0"/>
+                  <a:t>，对于太阳系外的恒星</a:t>
+                </a:r>
+                <a:r>
+                  <a:rPr lang="zh-CN" altLang="en-US" sz="2400" dirty="0"/>
+                  <a:t>，</a:t>
+                </a:r>
+                <a14:m>
+                  <m:oMath xmlns:m="http://schemas.openxmlformats.org/officeDocument/2006/math">
+                    <m:f>
+                      <m:fPr>
+                        <m:ctrlPr>
+                          <a:rPr lang="en-US" altLang="zh-CN" sz="2000" i="1" dirty="0">
+                            <a:solidFill>
+                              <a:prstClr val="black"/>
+                            </a:solidFill>
+                            <a:latin typeface="Cambria Math" panose="02040503050406030204" pitchFamily="18" charset="0"/>
+                            <a:ea typeface="Cambria Math" panose="02040503050406030204" pitchFamily="18" charset="0"/>
+                          </a:rPr>
+                        </m:ctrlPr>
+                      </m:fPr>
+                      <m:num>
+                        <m:r>
+                          <a:rPr lang="en-US" altLang="zh-CN" sz="2000" i="1" dirty="0">
+                            <a:solidFill>
+                              <a:prstClr val="black"/>
+                            </a:solidFill>
+                            <a:latin typeface="Cambria Math" panose="02040503050406030204" pitchFamily="18" charset="0"/>
+                            <a:ea typeface="Cambria Math" panose="02040503050406030204" pitchFamily="18" charset="0"/>
+                          </a:rPr>
+                          <m:t>𝑏</m:t>
+                        </m:r>
+                      </m:num>
+                      <m:den>
+                        <m:sSub>
+                          <m:sSubPr>
+                            <m:ctrlPr>
+                              <a:rPr lang="en-US" altLang="zh-CN" sz="2000" i="1" dirty="0">
+                                <a:solidFill>
+                                  <a:prstClr val="black"/>
+                                </a:solidFill>
+                                <a:latin typeface="Cambria Math" panose="02040503050406030204" pitchFamily="18" charset="0"/>
+                                <a:ea typeface="Cambria Math" panose="02040503050406030204" pitchFamily="18" charset="0"/>
+                              </a:rPr>
+                            </m:ctrlPr>
+                          </m:sSubPr>
+                          <m:e>
+                            <m:r>
+                              <m:rPr>
+                                <m:sty m:val="p"/>
+                              </m:rPr>
+                              <a:rPr lang="en-US" altLang="zh-CN" sz="2000" i="1" dirty="0">
+                                <a:solidFill>
+                                  <a:prstClr val="black"/>
+                                </a:solidFill>
+                                <a:latin typeface="Cambria Math" panose="02040503050406030204" pitchFamily="18" charset="0"/>
+                                <a:ea typeface="Cambria Math" panose="02040503050406030204" pitchFamily="18" charset="0"/>
+                              </a:rPr>
+                              <m:t>D</m:t>
+                            </m:r>
+                          </m:e>
+                          <m:sub>
+                            <m:r>
+                              <m:rPr>
+                                <m:sty m:val="p"/>
+                              </m:rPr>
+                              <a:rPr lang="en-US" altLang="zh-CN" sz="2000" i="1" dirty="0">
+                                <a:solidFill>
+                                  <a:prstClr val="black"/>
+                                </a:solidFill>
+                                <a:latin typeface="Cambria Math" panose="02040503050406030204" pitchFamily="18" charset="0"/>
+                                <a:ea typeface="Cambria Math" panose="02040503050406030204" pitchFamily="18" charset="0"/>
+                              </a:rPr>
+                              <m:t>LE</m:t>
+                            </m:r>
+                          </m:sub>
+                        </m:sSub>
+                      </m:den>
+                    </m:f>
+                    <m:r>
+                      <a:rPr lang="en-US" altLang="zh-CN" sz="2400" b="0" i="0" dirty="0" smtClean="0">
+                        <a:latin typeface="Cambria Math" panose="02040503050406030204" pitchFamily="18" charset="0"/>
+                        <a:ea typeface="Cambria Math" panose="02040503050406030204" pitchFamily="18" charset="0"/>
+                      </a:rPr>
+                      <m:t>≪1</m:t>
+                    </m:r>
+                    <m:r>
+                      <a:rPr lang="zh-CN" altLang="en-US" sz="2400" i="1" dirty="0">
+                        <a:latin typeface="Cambria Math" panose="02040503050406030204" pitchFamily="18" charset="0"/>
+                        <a:ea typeface="Cambria Math" panose="02040503050406030204" pitchFamily="18" charset="0"/>
+                      </a:rPr>
+                      <m:t>，</m:t>
+                    </m:r>
+                  </m:oMath>
+                </a14:m>
+                <a:r>
+                  <a:rPr lang="zh-CN" altLang="en-US" sz="2000" dirty="0"/>
+                  <a:t>所以由</a:t>
+                </a:r>
+                <a:r>
+                  <a:rPr lang="en-US" altLang="zh-CN" sz="2000" dirty="0"/>
+                  <a:t>(2)</a:t>
+                </a:r>
+                <a:r>
+                  <a:rPr lang="zh-CN" altLang="en-US" sz="2000" dirty="0"/>
+                  <a:t>式给出的</a:t>
+                </a:r>
+                <a14:m>
+                  <m:oMath xmlns:m="http://schemas.openxmlformats.org/officeDocument/2006/math">
+                    <m:r>
+                      <m:rPr>
+                        <m:nor/>
+                      </m:rPr>
+                      <a:rPr lang="el-GR" altLang="zh-CN" sz="2000" dirty="0"/>
+                      <m:t>β</m:t>
+                    </m:r>
+                    <m:r>
+                      <a:rPr lang="en-US" altLang="zh-CN" sz="2000" b="0" i="1" dirty="0" smtClean="0"/>
+                      <m:t>≪1</m:t>
+                    </m:r>
+                    <m:r>
+                      <a:rPr lang="en-US" altLang="zh-CN" sz="2000" b="0" i="1" dirty="0" smtClean="0">
+                        <a:latin typeface="Cambria Math" panose="02040503050406030204" pitchFamily="18" charset="0"/>
+                      </a:rPr>
+                      <m:t>′′</m:t>
+                    </m:r>
+                    <m:r>
+                      <a:rPr lang="zh-CN" altLang="en-US" sz="2000" i="1" dirty="0">
+                        <a:latin typeface="Cambria Math" panose="02040503050406030204" pitchFamily="18" charset="0"/>
+                      </a:rPr>
+                      <m:t>，</m:t>
+                    </m:r>
+                    <m:r>
+                      <a:rPr lang="zh-CN" altLang="en-US" sz="2000" i="1" dirty="0" smtClean="0">
+                        <a:latin typeface="Cambria Math" panose="02040503050406030204" pitchFamily="18" charset="0"/>
+                      </a:rPr>
+                      <m:t>将</m:t>
+                    </m:r>
+                  </m:oMath>
+                </a14:m>
+                <a:r>
+                  <a:rPr lang="zh-CN" altLang="en-US" sz="2000" dirty="0"/>
+                  <a:t>无法被望远镜分辨，所以爱因斯坦认为引力透镜效应是无法直接观测到的。</a:t>
+                </a:r>
+              </a:p>
+            </p:txBody>
+          </p:sp>
+        </mc:Choice>
+        <mc:Fallback>
+          <p:sp>
+            <p:nvSpPr>
+              <p:cNvPr id="3" name="内容占位符 2">
+                <a:extLst>
+                  <a:ext uri="{FF2B5EF4-FFF2-40B4-BE49-F238E27FC236}">
+                    <a16:creationId xmlns:a16="http://schemas.microsoft.com/office/drawing/2014/main" id="{9785D23D-7871-4B68-B314-0CF9F64F2727}"/>
+                  </a:ext>
+                </a:extLst>
+              </p:cNvPr>
+              <p:cNvSpPr>
+                <a:spLocks noGrp="1" noRot="1" noChangeAspect="1" noMove="1" noResize="1" noEditPoints="1" noAdjustHandles="1" noChangeArrowheads="1" noChangeShapeType="1" noTextEdit="1"/>
+              </p:cNvSpPr>
+              <p:nvPr>
+                <p:ph sz="half" idx="1"/>
+              </p:nvPr>
+            </p:nvSpPr>
+            <p:spPr>
+              <a:blipFill>
+                <a:blip r:embed="rId2"/>
+                <a:stretch>
+                  <a:fillRect l="-1294" t="-1401" r="-471"/>
+                </a:stretch>
+              </a:blipFill>
+            </p:spPr>
+            <p:txBody>
+              <a:bodyPr/>
+              <a:lstStyle/>
+              <a:p>
+                <a:r>
+                  <a:rPr lang="zh-CN" altLang="en-US">
+                    <a:noFill/>
+                  </a:rPr>
+                  <a:t> </a:t>
+                </a:r>
+              </a:p>
+            </p:txBody>
+          </p:sp>
+        </mc:Fallback>
+      </mc:AlternateContent>
+      <p:pic>
+        <p:nvPicPr>
+          <p:cNvPr id="7" name="内容占位符 6">
+            <a:extLst>
+              <a:ext uri="{FF2B5EF4-FFF2-40B4-BE49-F238E27FC236}">
+                <a16:creationId xmlns:a16="http://schemas.microsoft.com/office/drawing/2014/main" id="{22893560-FCB4-4598-A568-ADC9E4DADB7A}"/>
+              </a:ext>
+            </a:extLst>
+          </p:cNvPr>
+          <p:cNvPicPr>
+            <a:picLocks noGrp="1" noChangeAspect="1"/>
+          </p:cNvPicPr>
+          <p:nvPr>
+            <p:ph sz="half" idx="2"/>
+          </p:nvPr>
+        </p:nvPicPr>
+        <p:blipFill>
+          <a:blip r:embed="rId3"/>
+          <a:stretch>
+            <a:fillRect/>
+          </a:stretch>
+        </p:blipFill>
+        <p:spPr>
+          <a:xfrm>
+            <a:off x="6135672" y="1825624"/>
+            <a:ext cx="5911784" cy="4157227"/>
+          </a:xfrm>
+          <a:prstGeom prst="rect">
+            <a:avLst/>
+          </a:prstGeom>
+        </p:spPr>
+      </p:pic>
+      <p:sp>
+        <p:nvSpPr>
+          <p:cNvPr id="8" name="文本框 7">
+            <a:extLst>
+              <a:ext uri="{FF2B5EF4-FFF2-40B4-BE49-F238E27FC236}">
+                <a16:creationId xmlns:a16="http://schemas.microsoft.com/office/drawing/2014/main" id="{A2661C37-4819-4029-8E20-89EF3BE989AC}"/>
+              </a:ext>
+            </a:extLst>
+          </p:cNvPr>
+          <p:cNvSpPr txBox="1"/>
+          <p:nvPr/>
+        </p:nvSpPr>
+        <p:spPr>
+          <a:xfrm>
+            <a:off x="7927943" y="5967663"/>
+            <a:ext cx="4534293" cy="369332"/>
+          </a:xfrm>
+          <a:prstGeom prst="rect">
+            <a:avLst/>
+          </a:prstGeom>
+          <a:noFill/>
+        </p:spPr>
+        <p:txBody>
+          <a:bodyPr wrap="square" rtlCol="0">
+            <a:spAutoFit/>
+          </a:bodyPr>
+          <a:lstStyle/>
+          <a:p>
+            <a:r>
+              <a:rPr lang="en-US" altLang="zh-CN" dirty="0"/>
+              <a:t>(“Cosmology”, Steven Weinberg) </a:t>
+            </a:r>
+            <a:endParaRPr lang="zh-CN" altLang="en-US" dirty="0"/>
+          </a:p>
+        </p:txBody>
+      </p:sp>
+    </p:spTree>
+    <p:extLst>
+      <p:ext uri="{BB962C8B-B14F-4D97-AF65-F5344CB8AC3E}">
+        <p14:creationId xmlns:p14="http://schemas.microsoft.com/office/powerpoint/2010/main" val="2602960782"/>
+      </p:ext>
+    </p:extLst>
+  </p:cSld>
+  <p:clrMapOvr>
+    <a:masterClrMapping/>
+  </p:clrMapOvr>
+</p:sld>
+</file>
+
+<file path=ppt/slides/slide5.xml><?xml version="1.0" encoding="utf-8"?>
+<p:sld xmlns:a="http://schemas.openxmlformats.org/drawingml/2006/main" xmlns:r="http://schemas.openxmlformats.org/officeDocument/2006/relationships" xmlns:p="http://schemas.openxmlformats.org/presentationml/2006/main">
+  <p:cSld>
+    <p:spTree>
+      <p:nvGrpSpPr>
+        <p:cNvPr id="1" name=""/>
+        <p:cNvGrpSpPr/>
+        <p:nvPr/>
+      </p:nvGrpSpPr>
+      <p:grpSpPr>
+        <a:xfrm>
+          <a:off x="0" y="0"/>
+          <a:ext cx="0" cy="0"/>
+          <a:chOff x="0" y="0"/>
+          <a:chExt cx="0" cy="0"/>
+        </a:xfrm>
+      </p:grpSpPr>
+      <p:sp>
+        <p:nvSpPr>
+          <p:cNvPr id="2" name="标题 1">
+            <a:extLst>
+              <a:ext uri="{FF2B5EF4-FFF2-40B4-BE49-F238E27FC236}">
+                <a16:creationId xmlns:a16="http://schemas.microsoft.com/office/drawing/2014/main" id="{E4FF6FF4-F96D-4B21-A5CF-794BEB24CC2D}"/>
+              </a:ext>
+            </a:extLst>
+          </p:cNvPr>
+          <p:cNvSpPr>
+            <a:spLocks noGrp="1"/>
+          </p:cNvSpPr>
+          <p:nvPr>
+            <p:ph type="title"/>
+          </p:nvPr>
+        </p:nvSpPr>
+        <p:spPr/>
+        <p:txBody>
+          <a:bodyPr/>
+          <a:lstStyle/>
+          <a:p>
+            <a:r>
+              <a:rPr lang="zh-CN" altLang="en-US" dirty="0"/>
+              <a:t>星系作为引力透镜</a:t>
+            </a:r>
+          </a:p>
+        </p:txBody>
+      </p:sp>
+      <mc:AlternateContent xmlns:mc="http://schemas.openxmlformats.org/markup-compatibility/2006">
+        <mc:Choice xmlns:a14="http://schemas.microsoft.com/office/drawing/2010/main" Requires="a14">
+          <p:sp>
+            <p:nvSpPr>
+              <p:cNvPr id="5" name="内容占位符 4">
+                <a:extLst>
+                  <a:ext uri="{FF2B5EF4-FFF2-40B4-BE49-F238E27FC236}">
+                    <a16:creationId xmlns:a16="http://schemas.microsoft.com/office/drawing/2014/main" id="{1B64A749-B770-4F39-B049-B14B2727E728}"/>
+                  </a:ext>
+                </a:extLst>
+              </p:cNvPr>
+              <p:cNvSpPr>
+                <a:spLocks noGrp="1"/>
+              </p:cNvSpPr>
+              <p:nvPr>
+                <p:ph sz="half" idx="1"/>
+              </p:nvPr>
+            </p:nvSpPr>
+            <p:spPr/>
+            <p:txBody>
+              <a:bodyPr>
+                <a:normAutofit/>
+              </a:bodyPr>
+              <a:lstStyle/>
+              <a:p>
+                <a:pPr marL="0" indent="0">
+                  <a:buNone/>
+                </a:pPr>
+                <a:r>
+                  <a:rPr lang="zh-CN" altLang="en-US" sz="2400" dirty="0"/>
+                  <a:t>既然爱因斯坦环的角半径大小</a:t>
+                </a:r>
+                <a:endParaRPr lang="en-US" altLang="zh-CN" sz="2400" dirty="0"/>
+              </a:p>
+              <a:p>
+                <a:pPr marL="0" indent="0">
+                  <a:buNone/>
+                </a:pPr>
+                <a14:m>
+                  <m:oMathPara xmlns:m="http://schemas.openxmlformats.org/officeDocument/2006/math">
+                    <m:oMathParaPr>
+                      <m:jc m:val="centerGroup"/>
+                    </m:oMathParaPr>
+                    <m:oMath xmlns:m="http://schemas.openxmlformats.org/officeDocument/2006/math">
+                      <m:r>
+                        <m:rPr>
+                          <m:nor/>
+                        </m:rPr>
+                        <a:rPr lang="el-GR" altLang="zh-CN" sz="2400" dirty="0"/>
+                        <m:t>β</m:t>
+                      </m:r>
+                      <m:r>
+                        <a:rPr lang="el-GR" altLang="zh-CN" sz="2400" i="1" dirty="0" smtClean="0">
+                          <a:latin typeface="Cambria Math" panose="02040503050406030204" pitchFamily="18" charset="0"/>
+                          <a:ea typeface="Cambria Math" panose="02040503050406030204" pitchFamily="18" charset="0"/>
+                        </a:rPr>
+                        <m:t>∝</m:t>
+                      </m:r>
+                      <m:sSup>
+                        <m:sSupPr>
+                          <m:ctrlPr>
+                            <a:rPr lang="el-GR" altLang="zh-CN" sz="2400" i="1" dirty="0" smtClean="0">
+                              <a:latin typeface="Cambria Math" panose="02040503050406030204" pitchFamily="18" charset="0"/>
+                              <a:ea typeface="Cambria Math" panose="02040503050406030204" pitchFamily="18" charset="0"/>
+                            </a:rPr>
+                          </m:ctrlPr>
+                        </m:sSupPr>
+                        <m:e>
+                          <m:r>
+                            <a:rPr lang="en-US" altLang="zh-CN" sz="2400" b="0" i="1" dirty="0" smtClean="0">
+                              <a:latin typeface="Cambria Math" panose="02040503050406030204" pitchFamily="18" charset="0"/>
+                              <a:ea typeface="Cambria Math" panose="02040503050406030204" pitchFamily="18" charset="0"/>
+                            </a:rPr>
+                            <m:t>𝑀</m:t>
+                          </m:r>
+                        </m:e>
+                        <m:sup>
+                          <m:r>
+                            <a:rPr lang="en-US" altLang="zh-CN" sz="2400" b="0" i="1" dirty="0" smtClean="0">
+                              <a:latin typeface="Cambria Math" panose="02040503050406030204" pitchFamily="18" charset="0"/>
+                              <a:ea typeface="Cambria Math" panose="02040503050406030204" pitchFamily="18" charset="0"/>
+                            </a:rPr>
+                            <m:t>1/2</m:t>
+                          </m:r>
+                        </m:sup>
+                      </m:sSup>
+                    </m:oMath>
+                  </m:oMathPara>
+                </a14:m>
+                <a:endParaRPr lang="en-US" altLang="zh-CN" sz="2400" dirty="0"/>
+              </a:p>
+              <a:p>
+                <a:pPr marL="0" indent="0">
+                  <a:buNone/>
+                </a:pPr>
+                <a:r>
+                  <a:rPr lang="zh-CN" altLang="en-US" sz="2400" dirty="0"/>
+                  <a:t>一个自然的想法便是寻找具有更大质量的天体来作为引力透镜，但当时（</a:t>
+                </a:r>
+                <a:r>
+                  <a:rPr lang="en-US" altLang="zh-CN" sz="2400" dirty="0"/>
+                  <a:t>1936~1937</a:t>
+                </a:r>
+                <a:r>
+                  <a:rPr lang="zh-CN" altLang="en-US" sz="2400" dirty="0"/>
+                  <a:t>），普遍认为星系的质量</a:t>
+                </a:r>
+                <a:r>
+                  <a:rPr lang="en-US" altLang="zh-CN" sz="2400" dirty="0"/>
+                  <a:t>~</a:t>
+                </a:r>
+                <a14:m>
+                  <m:oMath xmlns:m="http://schemas.openxmlformats.org/officeDocument/2006/math">
+                    <m:sSup>
+                      <m:sSupPr>
+                        <m:ctrlPr>
+                          <a:rPr lang="en-US" altLang="zh-CN" sz="2400" i="1">
+                            <a:latin typeface="Cambria Math" panose="02040503050406030204" pitchFamily="18" charset="0"/>
+                          </a:rPr>
+                        </m:ctrlPr>
+                      </m:sSupPr>
+                      <m:e>
+                        <m:r>
+                          <a:rPr lang="en-US" altLang="zh-CN" sz="2400" i="1">
+                            <a:latin typeface="Cambria Math" panose="02040503050406030204" pitchFamily="18" charset="0"/>
+                          </a:rPr>
+                          <m:t>1</m:t>
+                        </m:r>
+                        <m:r>
+                          <a:rPr lang="en-US" altLang="zh-CN" sz="2400" i="1">
+                            <a:latin typeface="Cambria Math" panose="02040503050406030204" pitchFamily="18" charset="0"/>
+                          </a:rPr>
+                          <m:t>0</m:t>
+                        </m:r>
+                      </m:e>
+                      <m:sup>
+                        <m:r>
+                          <a:rPr lang="en-US" altLang="zh-CN" sz="2400" i="1">
+                            <a:latin typeface="Cambria Math" panose="02040503050406030204" pitchFamily="18" charset="0"/>
+                          </a:rPr>
+                          <m:t>9</m:t>
+                        </m:r>
+                      </m:sup>
+                    </m:sSup>
+                    <m:sSub>
+                      <m:sSubPr>
+                        <m:ctrlPr>
+                          <a:rPr lang="en-US" altLang="zh-CN" sz="2400" i="1">
+                            <a:latin typeface="Cambria Math" panose="02040503050406030204" pitchFamily="18" charset="0"/>
+                          </a:rPr>
+                        </m:ctrlPr>
+                      </m:sSubPr>
+                      <m:e>
+                        <m:r>
+                          <m:rPr>
+                            <m:sty m:val="p"/>
+                          </m:rPr>
+                          <a:rPr lang="en-US" altLang="zh-CN" sz="2400" i="1">
+                            <a:latin typeface="Cambria Math" panose="02040503050406030204" pitchFamily="18" charset="0"/>
+                          </a:rPr>
+                          <m:t>M</m:t>
+                        </m:r>
+                      </m:e>
+                      <m:sub>
+                        <m:r>
+                          <m:rPr>
+                            <m:sty m:val="p"/>
+                          </m:rPr>
+                          <a:rPr lang="en-US" altLang="zh-CN" sz="2400" i="1">
+                            <a:latin typeface="Cambria Math" panose="02040503050406030204" pitchFamily="18" charset="0"/>
+                          </a:rPr>
+                          <m:t>S</m:t>
+                        </m:r>
+                        <m:r>
+                          <a:rPr lang="en-US" altLang="zh-CN" sz="2400" i="1">
+                            <a:latin typeface="Cambria Math" panose="02040503050406030204" pitchFamily="18" charset="0"/>
+                          </a:rPr>
+                          <m:t>𝑜𝑙𝑎𝑟</m:t>
+                        </m:r>
+                      </m:sub>
+                    </m:sSub>
+                    <m:r>
+                      <a:rPr lang="zh-CN" altLang="en-US" sz="2400" i="1">
+                        <a:latin typeface="Cambria Math" panose="02040503050406030204" pitchFamily="18" charset="0"/>
+                      </a:rPr>
+                      <m:t>，</m:t>
+                    </m:r>
+                  </m:oMath>
+                </a14:m>
+                <a:r>
+                  <a:rPr lang="zh-CN" altLang="en-US" sz="2400" dirty="0"/>
+                  <a:t>仍无法产生可观的效应。</a:t>
+                </a:r>
+                <a:endParaRPr lang="en-US" altLang="zh-CN" sz="2400" dirty="0"/>
+              </a:p>
+              <a:p>
+                <a:pPr marL="0" indent="0">
+                  <a:buNone/>
+                </a:pPr>
+                <a:r>
+                  <a:rPr lang="zh-CN" altLang="en-US" sz="2400" dirty="0"/>
+                  <a:t>但</a:t>
+                </a:r>
+                <a:r>
+                  <a:rPr lang="en-US" altLang="zh-CN" sz="2400" dirty="0"/>
+                  <a:t>Fritz Zwicky</a:t>
+                </a:r>
+                <a:r>
+                  <a:rPr lang="zh-CN" altLang="en-US" sz="2400" dirty="0"/>
+                  <a:t>对</a:t>
+                </a:r>
+                <a:r>
+                  <a:rPr lang="en-US" altLang="zh-CN" sz="2400" dirty="0"/>
+                  <a:t>Coma</a:t>
+                </a:r>
+                <a:r>
+                  <a:rPr lang="zh-CN" altLang="en-US" sz="2400" dirty="0"/>
+                  <a:t>和</a:t>
+                </a:r>
+                <a:r>
+                  <a:rPr lang="en-US" altLang="zh-CN" sz="2400" dirty="0"/>
+                  <a:t>Virgo cluster</a:t>
+                </a:r>
+                <a:r>
+                  <a:rPr lang="zh-CN" altLang="en-US" sz="2400" dirty="0"/>
+                  <a:t>利用位力定律算出来的星系质量</a:t>
+                </a:r>
+                <a:r>
+                  <a:rPr lang="en-US" altLang="zh-CN" sz="2400" dirty="0"/>
+                  <a:t>~</a:t>
+                </a:r>
+                <a14:m>
+                  <m:oMath xmlns:m="http://schemas.openxmlformats.org/officeDocument/2006/math">
+                    <m:sSup>
+                      <m:sSupPr>
+                        <m:ctrlPr>
+                          <a:rPr lang="en-US" altLang="zh-CN" sz="2400" i="1">
+                            <a:latin typeface="Cambria Math" panose="02040503050406030204" pitchFamily="18" charset="0"/>
+                          </a:rPr>
+                        </m:ctrlPr>
+                      </m:sSupPr>
+                      <m:e>
+                        <m:r>
+                          <a:rPr lang="en-US" altLang="zh-CN" sz="2400" i="1">
+                            <a:latin typeface="Cambria Math" panose="02040503050406030204" pitchFamily="18" charset="0"/>
+                          </a:rPr>
+                          <m:t>4</m:t>
+                        </m:r>
+                        <m:r>
+                          <m:rPr>
+                            <m:sty m:val="p"/>
+                          </m:rPr>
+                          <a:rPr lang="en-US" altLang="zh-CN" sz="2400" i="1">
+                            <a:latin typeface="Cambria Math" panose="02040503050406030204" pitchFamily="18" charset="0"/>
+                          </a:rPr>
+                          <m:t>x</m:t>
+                        </m:r>
+                        <m:r>
+                          <a:rPr lang="en-US" altLang="zh-CN" sz="2400" i="1">
+                            <a:latin typeface="Cambria Math" panose="02040503050406030204" pitchFamily="18" charset="0"/>
+                          </a:rPr>
+                          <m:t>10</m:t>
+                        </m:r>
+                      </m:e>
+                      <m:sup>
+                        <m:r>
+                          <a:rPr lang="en-US" altLang="zh-CN" sz="2400" i="1">
+                            <a:latin typeface="Cambria Math" panose="02040503050406030204" pitchFamily="18" charset="0"/>
+                          </a:rPr>
+                          <m:t>1</m:t>
+                        </m:r>
+                        <m:r>
+                          <a:rPr lang="en-US" altLang="zh-CN" sz="2400" i="1">
+                            <a:latin typeface="Cambria Math" panose="02040503050406030204" pitchFamily="18" charset="0"/>
+                          </a:rPr>
+                          <m:t>1</m:t>
+                        </m:r>
+                      </m:sup>
+                    </m:sSup>
+                    <m:sSub>
+                      <m:sSubPr>
+                        <m:ctrlPr>
+                          <a:rPr lang="en-US" altLang="zh-CN" sz="2400" i="1">
+                            <a:latin typeface="Cambria Math" panose="02040503050406030204" pitchFamily="18" charset="0"/>
+                          </a:rPr>
+                        </m:ctrlPr>
+                      </m:sSubPr>
+                      <m:e>
+                        <m:r>
+                          <m:rPr>
+                            <m:sty m:val="p"/>
+                          </m:rPr>
+                          <a:rPr lang="en-US" altLang="zh-CN" sz="2400" i="1">
+                            <a:latin typeface="Cambria Math" panose="02040503050406030204" pitchFamily="18" charset="0"/>
+                          </a:rPr>
+                          <m:t>M</m:t>
+                        </m:r>
+                      </m:e>
+                      <m:sub>
+                        <m:r>
+                          <m:rPr>
+                            <m:sty m:val="p"/>
+                          </m:rPr>
+                          <a:rPr lang="en-US" altLang="zh-CN" sz="2400" i="1">
+                            <a:latin typeface="Cambria Math" panose="02040503050406030204" pitchFamily="18" charset="0"/>
+                          </a:rPr>
+                          <m:t>S</m:t>
+                        </m:r>
+                        <m:r>
+                          <a:rPr lang="en-US" altLang="zh-CN" sz="2400" i="1">
+                            <a:latin typeface="Cambria Math" panose="02040503050406030204" pitchFamily="18" charset="0"/>
+                          </a:rPr>
+                          <m:t>𝑜𝑙𝑎𝑟</m:t>
+                        </m:r>
+                      </m:sub>
+                    </m:sSub>
+                  </m:oMath>
+                </a14:m>
+                <a:r>
+                  <a:rPr lang="zh-CN" altLang="en-US" sz="2400" dirty="0"/>
+                  <a:t>，因此，星系作为引力透镜时，将产生可分辨的图像。</a:t>
+                </a:r>
+              </a:p>
+            </p:txBody>
+          </p:sp>
+        </mc:Choice>
+        <mc:Fallback>
+          <p:sp>
+            <p:nvSpPr>
+              <p:cNvPr id="5" name="内容占位符 4">
+                <a:extLst>
+                  <a:ext uri="{FF2B5EF4-FFF2-40B4-BE49-F238E27FC236}">
+                    <a16:creationId xmlns:a16="http://schemas.microsoft.com/office/drawing/2014/main" id="{1B64A749-B770-4F39-B049-B14B2727E728}"/>
+                  </a:ext>
+                </a:extLst>
+              </p:cNvPr>
+              <p:cNvSpPr>
+                <a:spLocks noGrp="1" noRot="1" noChangeAspect="1" noMove="1" noResize="1" noEditPoints="1" noAdjustHandles="1" noChangeArrowheads="1" noChangeShapeType="1" noTextEdit="1"/>
+              </p:cNvSpPr>
+              <p:nvPr>
+                <p:ph sz="half" idx="1"/>
+              </p:nvPr>
+            </p:nvSpPr>
+            <p:spPr>
+              <a:blipFill>
+                <a:blip r:embed="rId2"/>
+                <a:stretch>
+                  <a:fillRect l="-1882" t="-1821"/>
+                </a:stretch>
+              </a:blipFill>
+            </p:spPr>
+            <p:txBody>
+              <a:bodyPr/>
+              <a:lstStyle/>
+              <a:p>
+                <a:r>
+                  <a:rPr lang="zh-CN" altLang="en-US">
+                    <a:noFill/>
+                  </a:rPr>
+                  <a:t> </a:t>
+                </a:r>
+              </a:p>
+            </p:txBody>
+          </p:sp>
+        </mc:Fallback>
+      </mc:AlternateContent>
+      <p:pic>
+        <p:nvPicPr>
+          <p:cNvPr id="7" name="内容占位符 6">
+            <a:extLst>
+              <a:ext uri="{FF2B5EF4-FFF2-40B4-BE49-F238E27FC236}">
+                <a16:creationId xmlns:a16="http://schemas.microsoft.com/office/drawing/2014/main" id="{AA302207-9569-47A4-ABB8-22CC66E7B8C4}"/>
+              </a:ext>
+            </a:extLst>
+          </p:cNvPr>
+          <p:cNvPicPr>
+            <a:picLocks noGrp="1" noChangeAspect="1"/>
+          </p:cNvPicPr>
+          <p:nvPr>
+            <p:ph sz="half" idx="2"/>
+          </p:nvPr>
+        </p:nvPicPr>
+        <p:blipFill>
+          <a:blip r:embed="rId3"/>
+          <a:stretch>
+            <a:fillRect/>
+          </a:stretch>
+        </p:blipFill>
+        <p:spPr>
+          <a:xfrm>
+            <a:off x="6253331" y="1690688"/>
+            <a:ext cx="5100469" cy="4486275"/>
+          </a:xfrm>
+          <a:prstGeom prst="rect">
+            <a:avLst/>
+          </a:prstGeom>
+        </p:spPr>
+      </p:pic>
+    </p:spTree>
+    <p:extLst>
+      <p:ext uri="{BB962C8B-B14F-4D97-AF65-F5344CB8AC3E}">
+        <p14:creationId xmlns:p14="http://schemas.microsoft.com/office/powerpoint/2010/main" val="3501656895"/>
+      </p:ext>
+    </p:extLst>
+  </p:cSld>
+  <p:clrMapOvr>
+    <a:masterClrMapping/>
+  </p:clrMapOvr>
+</p:sld>
+</file>
+
+<file path=ppt/slides/slide6.xml><?xml version="1.0" encoding="utf-8"?>
+<p:sld xmlns:a="http://schemas.openxmlformats.org/drawingml/2006/main" xmlns:r="http://schemas.openxmlformats.org/officeDocument/2006/relationships" xmlns:p="http://schemas.openxmlformats.org/presentationml/2006/main">
+  <p:cSld>
+    <p:spTree>
+      <p:nvGrpSpPr>
+        <p:cNvPr id="1" name=""/>
+        <p:cNvGrpSpPr/>
+        <p:nvPr/>
+      </p:nvGrpSpPr>
+      <p:grpSpPr>
+        <a:xfrm>
+          <a:off x="0" y="0"/>
+          <a:ext cx="0" cy="0"/>
+          <a:chOff x="0" y="0"/>
+          <a:chExt cx="0" cy="0"/>
+        </a:xfrm>
+      </p:grpSpPr>
+      <p:sp>
+        <p:nvSpPr>
+          <p:cNvPr id="2" name="标题 1">
+            <a:extLst>
+              <a:ext uri="{FF2B5EF4-FFF2-40B4-BE49-F238E27FC236}">
+                <a16:creationId xmlns:a16="http://schemas.microsoft.com/office/drawing/2014/main" id="{B7B24A97-81CD-4F38-9A35-251B20B138EE}"/>
+              </a:ext>
+            </a:extLst>
+          </p:cNvPr>
+          <p:cNvSpPr>
+            <a:spLocks noGrp="1"/>
+          </p:cNvSpPr>
+          <p:nvPr>
+            <p:ph type="title"/>
+          </p:nvPr>
+        </p:nvSpPr>
+        <p:spPr/>
+        <p:txBody>
+          <a:bodyPr/>
+          <a:lstStyle/>
+          <a:p>
+            <a:r>
+              <a:rPr lang="zh-CN" altLang="en-US" dirty="0"/>
+              <a:t>第一次引力透镜事件的发现</a:t>
+            </a:r>
+          </a:p>
+        </p:txBody>
+      </p:sp>
+      <p:sp>
+        <p:nvSpPr>
+          <p:cNvPr id="3" name="内容占位符 2">
+            <a:extLst>
+              <a:ext uri="{FF2B5EF4-FFF2-40B4-BE49-F238E27FC236}">
+                <a16:creationId xmlns:a16="http://schemas.microsoft.com/office/drawing/2014/main" id="{25DFA94F-47E0-491E-8FC7-83B6372B6946}"/>
+              </a:ext>
+            </a:extLst>
+          </p:cNvPr>
+          <p:cNvSpPr>
+            <a:spLocks noGrp="1"/>
+          </p:cNvSpPr>
+          <p:nvPr>
+            <p:ph sz="half" idx="1"/>
+          </p:nvPr>
+        </p:nvSpPr>
+        <p:spPr/>
+        <p:txBody>
+          <a:bodyPr/>
+          <a:lstStyle/>
+          <a:p>
+            <a:endParaRPr lang="zh-CN" altLang="en-US"/>
+          </a:p>
+        </p:txBody>
+      </p:sp>
+      <p:sp>
+        <p:nvSpPr>
+          <p:cNvPr id="4" name="内容占位符 3">
+            <a:extLst>
+              <a:ext uri="{FF2B5EF4-FFF2-40B4-BE49-F238E27FC236}">
+                <a16:creationId xmlns:a16="http://schemas.microsoft.com/office/drawing/2014/main" id="{2B0BAAB3-020E-4654-BD67-F91950C550E6}"/>
+              </a:ext>
+            </a:extLst>
+          </p:cNvPr>
+          <p:cNvSpPr>
+            <a:spLocks noGrp="1"/>
+          </p:cNvSpPr>
+          <p:nvPr>
+            <p:ph sz="half" idx="2"/>
+          </p:nvPr>
+        </p:nvSpPr>
+        <p:spPr/>
+        <p:txBody>
+          <a:bodyPr/>
+          <a:lstStyle/>
+          <a:p>
+            <a:endParaRPr lang="zh-CN" altLang="en-US"/>
+          </a:p>
+        </p:txBody>
+      </p:sp>
+    </p:spTree>
+    <p:extLst>
+      <p:ext uri="{BB962C8B-B14F-4D97-AF65-F5344CB8AC3E}">
+        <p14:creationId xmlns:p14="http://schemas.microsoft.com/office/powerpoint/2010/main" val="2224204477"/>
+      </p:ext>
+    </p:extLst>
+  </p:cSld>
+  <p:clrMapOvr>
+    <a:masterClrMapping/>
+  </p:clrMapOvr>
+</p:sld>
+</file>
+
+<file path=ppt/slides/slide7.xml><?xml version="1.0" encoding="utf-8"?>
+<p:sld xmlns:a="http://schemas.openxmlformats.org/drawingml/2006/main" xmlns:r="http://schemas.openxmlformats.org/officeDocument/2006/relationships" xmlns:p="http://schemas.openxmlformats.org/presentationml/2006/main">
+  <p:cSld>
+    <p:spTree>
+      <p:nvGrpSpPr>
+        <p:cNvPr id="1" name=""/>
+        <p:cNvGrpSpPr/>
+        <p:nvPr/>
+      </p:nvGrpSpPr>
+      <p:grpSpPr>
+        <a:xfrm>
+          <a:off x="0" y="0"/>
+          <a:ext cx="0" cy="0"/>
+          <a:chOff x="0" y="0"/>
+          <a:chExt cx="0" cy="0"/>
+        </a:xfrm>
+      </p:grpSpPr>
+      <p:sp>
+        <p:nvSpPr>
+          <p:cNvPr id="2" name="标题 1">
+            <a:extLst>
+              <a:ext uri="{FF2B5EF4-FFF2-40B4-BE49-F238E27FC236}">
+                <a16:creationId xmlns:a16="http://schemas.microsoft.com/office/drawing/2014/main" id="{35C3F63C-DD28-453B-BE52-5CDBF5EF8BC3}"/>
+              </a:ext>
+            </a:extLst>
+          </p:cNvPr>
+          <p:cNvSpPr>
+            <a:spLocks noGrp="1"/>
+          </p:cNvSpPr>
+          <p:nvPr>
+            <p:ph type="title"/>
+          </p:nvPr>
+        </p:nvSpPr>
+        <p:spPr/>
+        <p:txBody>
+          <a:bodyPr/>
+          <a:lstStyle/>
+          <a:p>
+            <a:endParaRPr lang="zh-CN" altLang="en-US"/>
+          </a:p>
+        </p:txBody>
+      </p:sp>
+      <p:sp>
+        <p:nvSpPr>
+          <p:cNvPr id="3" name="内容占位符 2">
+            <a:extLst>
+              <a:ext uri="{FF2B5EF4-FFF2-40B4-BE49-F238E27FC236}">
+                <a16:creationId xmlns:a16="http://schemas.microsoft.com/office/drawing/2014/main" id="{974D8B1D-D922-4148-877D-BF44704F43E2}"/>
+              </a:ext>
+            </a:extLst>
+          </p:cNvPr>
+          <p:cNvSpPr>
+            <a:spLocks noGrp="1"/>
+          </p:cNvSpPr>
+          <p:nvPr>
+            <p:ph sz="half" idx="1"/>
+          </p:nvPr>
+        </p:nvSpPr>
+        <p:spPr/>
+        <p:txBody>
+          <a:bodyPr/>
+          <a:lstStyle/>
+          <a:p>
+            <a:endParaRPr lang="zh-CN" altLang="en-US"/>
+          </a:p>
+        </p:txBody>
+      </p:sp>
+      <p:sp>
+        <p:nvSpPr>
+          <p:cNvPr id="4" name="内容占位符 3">
+            <a:extLst>
+              <a:ext uri="{FF2B5EF4-FFF2-40B4-BE49-F238E27FC236}">
+                <a16:creationId xmlns:a16="http://schemas.microsoft.com/office/drawing/2014/main" id="{F94ACE5A-2327-4939-82DA-D833C0D2EF7D}"/>
+              </a:ext>
+            </a:extLst>
+          </p:cNvPr>
+          <p:cNvSpPr>
+            <a:spLocks noGrp="1"/>
+          </p:cNvSpPr>
+          <p:nvPr>
+            <p:ph sz="half" idx="2"/>
+          </p:nvPr>
+        </p:nvSpPr>
+        <p:spPr/>
+        <p:txBody>
+          <a:bodyPr/>
+          <a:lstStyle/>
+          <a:p>
+            <a:endParaRPr lang="zh-CN" altLang="en-US"/>
+          </a:p>
+        </p:txBody>
+      </p:sp>
+    </p:spTree>
+    <p:extLst>
+      <p:ext uri="{BB962C8B-B14F-4D97-AF65-F5344CB8AC3E}">
+        <p14:creationId xmlns:p14="http://schemas.microsoft.com/office/powerpoint/2010/main" val="1232907998"/>
       </p:ext>
     </p:extLst>
   </p:cSld>

--- a/Gravitational lens.pptx
+++ b/Gravitational lens.pptx
@@ -12,6 +12,11 @@
     <p:sldId id="260" r:id="rId6"/>
     <p:sldId id="261" r:id="rId7"/>
     <p:sldId id="262" r:id="rId8"/>
+    <p:sldId id="263" r:id="rId9"/>
+    <p:sldId id="264" r:id="rId10"/>
+    <p:sldId id="265" r:id="rId11"/>
+    <p:sldId id="266" r:id="rId12"/>
+    <p:sldId id="267" r:id="rId13"/>
   </p:sldIdLst>
   <p:sldSz cx="12192000" cy="6858000"/>
   <p:notesSz cx="6858000" cy="9144000"/>
@@ -265,7 +270,7 @@
           <a:p>
             <a:fld id="{3B1FE29C-8D98-41F4-AE4E-C16A07A42CBF}" type="datetimeFigureOut">
               <a:rPr lang="zh-CN" altLang="en-US" smtClean="0"/>
-              <a:t>2019/6/7</a:t>
+              <a:t>2019/6/9</a:t>
             </a:fld>
             <a:endParaRPr lang="zh-CN" altLang="en-US"/>
           </a:p>
@@ -463,7 +468,7 @@
           <a:p>
             <a:fld id="{3B1FE29C-8D98-41F4-AE4E-C16A07A42CBF}" type="datetimeFigureOut">
               <a:rPr lang="zh-CN" altLang="en-US" smtClean="0"/>
-              <a:t>2019/6/7</a:t>
+              <a:t>2019/6/9</a:t>
             </a:fld>
             <a:endParaRPr lang="zh-CN" altLang="en-US"/>
           </a:p>
@@ -671,7 +676,7 @@
           <a:p>
             <a:fld id="{3B1FE29C-8D98-41F4-AE4E-C16A07A42CBF}" type="datetimeFigureOut">
               <a:rPr lang="zh-CN" altLang="en-US" smtClean="0"/>
-              <a:t>2019/6/7</a:t>
+              <a:t>2019/6/9</a:t>
             </a:fld>
             <a:endParaRPr lang="zh-CN" altLang="en-US"/>
           </a:p>
@@ -869,7 +874,7 @@
           <a:p>
             <a:fld id="{3B1FE29C-8D98-41F4-AE4E-C16A07A42CBF}" type="datetimeFigureOut">
               <a:rPr lang="zh-CN" altLang="en-US" smtClean="0"/>
-              <a:t>2019/6/7</a:t>
+              <a:t>2019/6/9</a:t>
             </a:fld>
             <a:endParaRPr lang="zh-CN" altLang="en-US"/>
           </a:p>
@@ -1144,7 +1149,7 @@
           <a:p>
             <a:fld id="{3B1FE29C-8D98-41F4-AE4E-C16A07A42CBF}" type="datetimeFigureOut">
               <a:rPr lang="zh-CN" altLang="en-US" smtClean="0"/>
-              <a:t>2019/6/7</a:t>
+              <a:t>2019/6/9</a:t>
             </a:fld>
             <a:endParaRPr lang="zh-CN" altLang="en-US"/>
           </a:p>
@@ -1409,7 +1414,7 @@
           <a:p>
             <a:fld id="{3B1FE29C-8D98-41F4-AE4E-C16A07A42CBF}" type="datetimeFigureOut">
               <a:rPr lang="zh-CN" altLang="en-US" smtClean="0"/>
-              <a:t>2019/6/7</a:t>
+              <a:t>2019/6/9</a:t>
             </a:fld>
             <a:endParaRPr lang="zh-CN" altLang="en-US"/>
           </a:p>
@@ -1821,7 +1826,7 @@
           <a:p>
             <a:fld id="{3B1FE29C-8D98-41F4-AE4E-C16A07A42CBF}" type="datetimeFigureOut">
               <a:rPr lang="zh-CN" altLang="en-US" smtClean="0"/>
-              <a:t>2019/6/7</a:t>
+              <a:t>2019/6/9</a:t>
             </a:fld>
             <a:endParaRPr lang="zh-CN" altLang="en-US"/>
           </a:p>
@@ -1962,7 +1967,7 @@
           <a:p>
             <a:fld id="{3B1FE29C-8D98-41F4-AE4E-C16A07A42CBF}" type="datetimeFigureOut">
               <a:rPr lang="zh-CN" altLang="en-US" smtClean="0"/>
-              <a:t>2019/6/7</a:t>
+              <a:t>2019/6/9</a:t>
             </a:fld>
             <a:endParaRPr lang="zh-CN" altLang="en-US"/>
           </a:p>
@@ -2075,7 +2080,7 @@
           <a:p>
             <a:fld id="{3B1FE29C-8D98-41F4-AE4E-C16A07A42CBF}" type="datetimeFigureOut">
               <a:rPr lang="zh-CN" altLang="en-US" smtClean="0"/>
-              <a:t>2019/6/7</a:t>
+              <a:t>2019/6/9</a:t>
             </a:fld>
             <a:endParaRPr lang="zh-CN" altLang="en-US"/>
           </a:p>
@@ -2386,7 +2391,7 @@
           <a:p>
             <a:fld id="{3B1FE29C-8D98-41F4-AE4E-C16A07A42CBF}" type="datetimeFigureOut">
               <a:rPr lang="zh-CN" altLang="en-US" smtClean="0"/>
-              <a:t>2019/6/7</a:t>
+              <a:t>2019/6/9</a:t>
             </a:fld>
             <a:endParaRPr lang="zh-CN" altLang="en-US"/>
           </a:p>
@@ -2674,7 +2679,7 @@
           <a:p>
             <a:fld id="{3B1FE29C-8D98-41F4-AE4E-C16A07A42CBF}" type="datetimeFigureOut">
               <a:rPr lang="zh-CN" altLang="en-US" smtClean="0"/>
-              <a:t>2019/6/7</a:t>
+              <a:t>2019/6/9</a:t>
             </a:fld>
             <a:endParaRPr lang="zh-CN" altLang="en-US"/>
           </a:p>
@@ -2915,7 +2920,7 @@
           <a:p>
             <a:fld id="{3B1FE29C-8D98-41F4-AE4E-C16A07A42CBF}" type="datetimeFigureOut">
               <a:rPr lang="zh-CN" altLang="en-US" smtClean="0"/>
-              <a:t>2019/6/7</a:t>
+              <a:t>2019/6/9</a:t>
             </a:fld>
             <a:endParaRPr lang="zh-CN" altLang="en-US"/>
           </a:p>
@@ -3465,6 +3470,1701 @@
 </p:sld>
 </file>
 
+<file path=ppt/slides/slide10.xml><?xml version="1.0" encoding="utf-8"?>
+<p:sld xmlns:a="http://schemas.openxmlformats.org/drawingml/2006/main" xmlns:r="http://schemas.openxmlformats.org/officeDocument/2006/relationships" xmlns:p="http://schemas.openxmlformats.org/presentationml/2006/main">
+  <p:cSld>
+    <p:spTree>
+      <p:nvGrpSpPr>
+        <p:cNvPr id="1" name=""/>
+        <p:cNvGrpSpPr/>
+        <p:nvPr/>
+      </p:nvGrpSpPr>
+      <p:grpSpPr>
+        <a:xfrm>
+          <a:off x="0" y="0"/>
+          <a:ext cx="0" cy="0"/>
+          <a:chOff x="0" y="0"/>
+          <a:chExt cx="0" cy="0"/>
+        </a:xfrm>
+      </p:grpSpPr>
+      <p:sp>
+        <p:nvSpPr>
+          <p:cNvPr id="2" name="标题 1">
+            <a:extLst>
+              <a:ext uri="{FF2B5EF4-FFF2-40B4-BE49-F238E27FC236}">
+                <a16:creationId xmlns:a16="http://schemas.microsoft.com/office/drawing/2014/main" id="{C7D931E7-DEB3-4662-8B59-885BFD2C8494}"/>
+              </a:ext>
+            </a:extLst>
+          </p:cNvPr>
+          <p:cNvSpPr>
+            <a:spLocks noGrp="1"/>
+          </p:cNvSpPr>
+          <p:nvPr>
+            <p:ph type="title"/>
+          </p:nvPr>
+        </p:nvSpPr>
+        <p:spPr/>
+        <p:txBody>
+          <a:bodyPr/>
+          <a:lstStyle/>
+          <a:p>
+            <a:r>
+              <a:rPr lang="zh-CN" altLang="en-US" dirty="0"/>
+              <a:t>利用椭率来估计质量密度</a:t>
+            </a:r>
+          </a:p>
+        </p:txBody>
+      </p:sp>
+      <mc:AlternateContent xmlns:mc="http://schemas.openxmlformats.org/markup-compatibility/2006">
+        <mc:Choice xmlns:a14="http://schemas.microsoft.com/office/drawing/2010/main" Requires="a14">
+          <p:sp>
+            <p:nvSpPr>
+              <p:cNvPr id="3" name="内容占位符 2">
+                <a:extLst>
+                  <a:ext uri="{FF2B5EF4-FFF2-40B4-BE49-F238E27FC236}">
+                    <a16:creationId xmlns:a16="http://schemas.microsoft.com/office/drawing/2014/main" id="{B83AD04A-60CD-4B68-A879-451EFA32C767}"/>
+                  </a:ext>
+                </a:extLst>
+              </p:cNvPr>
+              <p:cNvSpPr>
+                <a:spLocks noGrp="1"/>
+              </p:cNvSpPr>
+              <p:nvPr>
+                <p:ph sz="half" idx="1"/>
+              </p:nvPr>
+            </p:nvSpPr>
+            <p:spPr/>
+            <p:txBody>
+              <a:bodyPr>
+                <a:normAutofit fontScale="85000" lnSpcReduction="20000"/>
+              </a:bodyPr>
+              <a:lstStyle/>
+              <a:p>
+                <a:pPr marL="0" indent="0">
+                  <a:buNone/>
+                </a:pPr>
+                <a:r>
+                  <a:rPr lang="zh-CN" altLang="en-US" sz="2000" dirty="0"/>
+                  <a:t>定义图像的四极矩为</a:t>
+                </a:r>
+                <a:endParaRPr lang="en-US" altLang="zh-CN" sz="2000" dirty="0"/>
+              </a:p>
+              <a:p>
+                <a:pPr marL="0" indent="0">
+                  <a:buNone/>
+                </a:pPr>
+                <a14:m>
+                  <m:oMathPara xmlns:m="http://schemas.openxmlformats.org/officeDocument/2006/math">
+                    <m:oMathParaPr>
+                      <m:jc m:val="centerGroup"/>
+                    </m:oMathParaPr>
+                    <m:oMath xmlns:m="http://schemas.openxmlformats.org/officeDocument/2006/math">
+                      <m:sSub>
+                        <m:sSubPr>
+                          <m:ctrlPr>
+                            <a:rPr lang="en-US" altLang="zh-CN" sz="2000" i="1" smtClean="0">
+                              <a:latin typeface="Cambria Math" panose="02040503050406030204" pitchFamily="18" charset="0"/>
+                            </a:rPr>
+                          </m:ctrlPr>
+                        </m:sSubPr>
+                        <m:e>
+                          <m:r>
+                            <m:rPr>
+                              <m:sty m:val="p"/>
+                            </m:rPr>
+                            <a:rPr lang="en-US" altLang="zh-CN" sz="2000" i="1">
+                              <a:latin typeface="Cambria Math" panose="02040503050406030204" pitchFamily="18" charset="0"/>
+                            </a:rPr>
+                            <m:t>q</m:t>
+                          </m:r>
+                        </m:e>
+                        <m:sub>
+                          <m:r>
+                            <a:rPr lang="en-US" altLang="zh-CN" sz="2000" b="0" i="1" smtClean="0">
+                              <a:latin typeface="Cambria Math" panose="02040503050406030204" pitchFamily="18" charset="0"/>
+                            </a:rPr>
+                            <m:t>𝑖𝑗</m:t>
+                          </m:r>
+                        </m:sub>
+                      </m:sSub>
+                      <m:r>
+                        <a:rPr lang="en-US" altLang="zh-CN" sz="2000" i="1" smtClean="0">
+                          <a:latin typeface="Cambria Math" panose="02040503050406030204" pitchFamily="18" charset="0"/>
+                          <a:ea typeface="Cambria Math" panose="02040503050406030204" pitchFamily="18" charset="0"/>
+                        </a:rPr>
+                        <m:t>≡</m:t>
+                      </m:r>
+                      <m:nary>
+                        <m:naryPr>
+                          <m:limLoc m:val="undOvr"/>
+                          <m:subHide m:val="on"/>
+                          <m:supHide m:val="on"/>
+                          <m:ctrlPr>
+                            <a:rPr lang="en-US" altLang="zh-CN" sz="2000" i="1" smtClean="0">
+                              <a:latin typeface="Cambria Math" panose="02040503050406030204" pitchFamily="18" charset="0"/>
+                              <a:ea typeface="Cambria Math" panose="02040503050406030204" pitchFamily="18" charset="0"/>
+                            </a:rPr>
+                          </m:ctrlPr>
+                        </m:naryPr>
+                        <m:sub/>
+                        <m:sup/>
+                        <m:e>
+                          <m:sSup>
+                            <m:sSupPr>
+                              <m:ctrlPr>
+                                <a:rPr lang="en-US" altLang="zh-CN" sz="2000" i="1" smtClean="0">
+                                  <a:latin typeface="Cambria Math" panose="02040503050406030204" pitchFamily="18" charset="0"/>
+                                  <a:ea typeface="Cambria Math" panose="02040503050406030204" pitchFamily="18" charset="0"/>
+                                </a:rPr>
+                              </m:ctrlPr>
+                            </m:sSupPr>
+                            <m:e>
+                              <m:r>
+                                <a:rPr lang="en-US" altLang="zh-CN" sz="2000" b="0" i="1" smtClean="0">
+                                  <a:latin typeface="Cambria Math" panose="02040503050406030204" pitchFamily="18" charset="0"/>
+                                  <a:ea typeface="Cambria Math" panose="02040503050406030204" pitchFamily="18" charset="0"/>
+                                </a:rPr>
+                                <m:t>𝑑</m:t>
+                              </m:r>
+                            </m:e>
+                            <m:sup>
+                              <m:r>
+                                <a:rPr lang="en-US" altLang="zh-CN" sz="2000" b="0" i="1" smtClean="0">
+                                  <a:latin typeface="Cambria Math" panose="02040503050406030204" pitchFamily="18" charset="0"/>
+                                  <a:ea typeface="Cambria Math" panose="02040503050406030204" pitchFamily="18" charset="0"/>
+                                </a:rPr>
+                                <m:t>2</m:t>
+                              </m:r>
+                            </m:sup>
+                          </m:sSup>
+                          <m:r>
+                            <a:rPr lang="zh-CN" altLang="en-US" sz="2000" i="1" smtClean="0">
+                              <a:latin typeface="Cambria Math" panose="02040503050406030204" pitchFamily="18" charset="0"/>
+                              <a:ea typeface="Cambria Math" panose="02040503050406030204" pitchFamily="18" charset="0"/>
+                            </a:rPr>
+                            <m:t>𝜃</m:t>
+                          </m:r>
+                          <m:sSub>
+                            <m:sSubPr>
+                              <m:ctrlPr>
+                                <a:rPr lang="en-US" altLang="zh-CN" sz="2000" i="1" smtClean="0">
+                                  <a:latin typeface="Cambria Math" panose="02040503050406030204" pitchFamily="18" charset="0"/>
+                                  <a:ea typeface="Cambria Math" panose="02040503050406030204" pitchFamily="18" charset="0"/>
+                                </a:rPr>
+                              </m:ctrlPr>
+                            </m:sSubPr>
+                            <m:e>
+                              <m:r>
+                                <a:rPr lang="en-US" altLang="zh-CN" sz="2000" b="0" i="1" smtClean="0">
+                                  <a:latin typeface="Cambria Math" panose="02040503050406030204" pitchFamily="18" charset="0"/>
+                                  <a:ea typeface="Cambria Math" panose="02040503050406030204" pitchFamily="18" charset="0"/>
+                                </a:rPr>
+                                <m:t>𝐼</m:t>
+                              </m:r>
+                            </m:e>
+                            <m:sub>
+                              <m:r>
+                                <a:rPr lang="en-US" altLang="zh-CN" sz="2000" b="0" i="1" smtClean="0">
+                                  <a:latin typeface="Cambria Math" panose="02040503050406030204" pitchFamily="18" charset="0"/>
+                                  <a:ea typeface="Cambria Math" panose="02040503050406030204" pitchFamily="18" charset="0"/>
+                                </a:rPr>
+                                <m:t>𝑜𝑏𝑠</m:t>
+                              </m:r>
+                            </m:sub>
+                          </m:sSub>
+                          <m:d>
+                            <m:dPr>
+                              <m:ctrlPr>
+                                <a:rPr lang="en-US" altLang="zh-CN" sz="2000" i="1" smtClean="0">
+                                  <a:latin typeface="Cambria Math" panose="02040503050406030204" pitchFamily="18" charset="0"/>
+                                  <a:ea typeface="Cambria Math" panose="02040503050406030204" pitchFamily="18" charset="0"/>
+                                </a:rPr>
+                              </m:ctrlPr>
+                            </m:dPr>
+                            <m:e>
+                              <m:r>
+                                <a:rPr lang="zh-CN" altLang="en-US" sz="2000" i="1" smtClean="0">
+                                  <a:latin typeface="Cambria Math" panose="02040503050406030204" pitchFamily="18" charset="0"/>
+                                  <a:ea typeface="Cambria Math" panose="02040503050406030204" pitchFamily="18" charset="0"/>
+                                </a:rPr>
+                                <m:t>𝜃</m:t>
+                              </m:r>
+                            </m:e>
+                          </m:d>
+                          <m:sSub>
+                            <m:sSubPr>
+                              <m:ctrlPr>
+                                <a:rPr lang="en-US" altLang="zh-CN" sz="2000" i="1" smtClean="0">
+                                  <a:latin typeface="Cambria Math" panose="02040503050406030204" pitchFamily="18" charset="0"/>
+                                  <a:ea typeface="Cambria Math" panose="02040503050406030204" pitchFamily="18" charset="0"/>
+                                </a:rPr>
+                              </m:ctrlPr>
+                            </m:sSubPr>
+                            <m:e>
+                              <m:r>
+                                <a:rPr lang="zh-CN" altLang="en-US" sz="2000" i="1" smtClean="0">
+                                  <a:latin typeface="Cambria Math" panose="02040503050406030204" pitchFamily="18" charset="0"/>
+                                  <a:ea typeface="Cambria Math" panose="02040503050406030204" pitchFamily="18" charset="0"/>
+                                </a:rPr>
+                                <m:t>𝜃</m:t>
+                              </m:r>
+                            </m:e>
+                            <m:sub>
+                              <m:r>
+                                <a:rPr lang="en-US" altLang="zh-CN" sz="2000" b="0" i="1" smtClean="0">
+                                  <a:latin typeface="Cambria Math" panose="02040503050406030204" pitchFamily="18" charset="0"/>
+                                  <a:ea typeface="Cambria Math" panose="02040503050406030204" pitchFamily="18" charset="0"/>
+                                </a:rPr>
+                                <m:t>𝑖</m:t>
+                              </m:r>
+                            </m:sub>
+                          </m:sSub>
+                          <m:sSub>
+                            <m:sSubPr>
+                              <m:ctrlPr>
+                                <a:rPr lang="en-US" altLang="zh-CN" sz="2000" i="1" smtClean="0">
+                                  <a:latin typeface="Cambria Math" panose="02040503050406030204" pitchFamily="18" charset="0"/>
+                                  <a:ea typeface="Cambria Math" panose="02040503050406030204" pitchFamily="18" charset="0"/>
+                                </a:rPr>
+                              </m:ctrlPr>
+                            </m:sSubPr>
+                            <m:e>
+                              <m:r>
+                                <a:rPr lang="zh-CN" altLang="en-US" sz="2000" i="1" smtClean="0">
+                                  <a:latin typeface="Cambria Math" panose="02040503050406030204" pitchFamily="18" charset="0"/>
+                                  <a:ea typeface="Cambria Math" panose="02040503050406030204" pitchFamily="18" charset="0"/>
+                                </a:rPr>
+                                <m:t>𝜃</m:t>
+                              </m:r>
+                            </m:e>
+                            <m:sub>
+                              <m:r>
+                                <a:rPr lang="en-US" altLang="zh-CN" sz="2000" b="0" i="1" smtClean="0">
+                                  <a:latin typeface="Cambria Math" panose="02040503050406030204" pitchFamily="18" charset="0"/>
+                                  <a:ea typeface="Cambria Math" panose="02040503050406030204" pitchFamily="18" charset="0"/>
+                                </a:rPr>
+                                <m:t>𝑗</m:t>
+                              </m:r>
+                            </m:sub>
+                          </m:sSub>
+                        </m:e>
+                      </m:nary>
+                    </m:oMath>
+                  </m:oMathPara>
+                </a14:m>
+                <a:endParaRPr lang="en-US" altLang="zh-CN" sz="2000" dirty="0"/>
+              </a:p>
+              <a:p>
+                <a:pPr marL="0" indent="0">
+                  <a:buNone/>
+                </a:pPr>
+                <a14:m>
+                  <m:oMath xmlns:m="http://schemas.openxmlformats.org/officeDocument/2006/math">
+                    <m:r>
+                      <a:rPr lang="zh-CN" altLang="en-US" sz="2000" i="1" smtClean="0">
+                        <a:latin typeface="Cambria Math" panose="02040503050406030204" pitchFamily="18" charset="0"/>
+                      </a:rPr>
+                      <m:t>𝜃</m:t>
+                    </m:r>
+                    <m:r>
+                      <a:rPr lang="zh-CN" altLang="en-US" sz="2000" i="1">
+                        <a:latin typeface="Cambria Math" panose="02040503050406030204" pitchFamily="18" charset="0"/>
+                      </a:rPr>
+                      <m:t>为</m:t>
+                    </m:r>
+                  </m:oMath>
+                </a14:m>
+                <a:r>
+                  <a:rPr lang="zh-CN" altLang="en-US" sz="2000" dirty="0"/>
+                  <a:t>星系像点相对于某个中心点的横向位移，定义椭率为</a:t>
+                </a:r>
+                <a:endParaRPr lang="en-US" altLang="zh-CN" sz="2000" dirty="0"/>
+              </a:p>
+              <a:p>
+                <a:pPr marL="0" indent="0" algn="ctr">
+                  <a:buNone/>
+                </a:pPr>
+                <a14:m>
+                  <m:oMath xmlns:m="http://schemas.openxmlformats.org/officeDocument/2006/math">
+                    <m:sSub>
+                      <m:sSubPr>
+                        <m:ctrlPr>
+                          <a:rPr lang="en-US" altLang="zh-CN" sz="2000" i="1" smtClean="0">
+                            <a:latin typeface="Cambria Math" panose="02040503050406030204" pitchFamily="18" charset="0"/>
+                          </a:rPr>
+                        </m:ctrlPr>
+                      </m:sSubPr>
+                      <m:e>
+                        <m:r>
+                          <a:rPr lang="zh-CN" altLang="en-US" sz="2000" i="1" smtClean="0">
+                            <a:latin typeface="Cambria Math" panose="02040503050406030204" pitchFamily="18" charset="0"/>
+                          </a:rPr>
+                          <m:t>𝜀</m:t>
+                        </m:r>
+                      </m:e>
+                      <m:sub>
+                        <m:r>
+                          <a:rPr lang="en-US" altLang="zh-CN" sz="2000" i="1">
+                            <a:latin typeface="Cambria Math" panose="02040503050406030204" pitchFamily="18" charset="0"/>
+                          </a:rPr>
+                          <m:t>1</m:t>
+                        </m:r>
+                      </m:sub>
+                    </m:sSub>
+                    <m:r>
+                      <a:rPr lang="en-US" altLang="zh-CN" sz="2000" i="1" smtClean="0">
+                        <a:latin typeface="Cambria Math" panose="02040503050406030204" pitchFamily="18" charset="0"/>
+                        <a:ea typeface="Cambria Math" panose="02040503050406030204" pitchFamily="18" charset="0"/>
+                      </a:rPr>
+                      <m:t>≡</m:t>
+                    </m:r>
+                    <m:f>
+                      <m:fPr>
+                        <m:ctrlPr>
+                          <a:rPr lang="en-US" altLang="zh-CN" sz="2000" i="1" smtClean="0">
+                            <a:latin typeface="Cambria Math" panose="02040503050406030204" pitchFamily="18" charset="0"/>
+                            <a:ea typeface="Cambria Math" panose="02040503050406030204" pitchFamily="18" charset="0"/>
+                          </a:rPr>
+                        </m:ctrlPr>
+                      </m:fPr>
+                      <m:num>
+                        <m:sSub>
+                          <m:sSubPr>
+                            <m:ctrlPr>
+                              <a:rPr lang="en-US" altLang="zh-CN" sz="2000" i="1">
+                                <a:latin typeface="Cambria Math" panose="02040503050406030204" pitchFamily="18" charset="0"/>
+                              </a:rPr>
+                            </m:ctrlPr>
+                          </m:sSubPr>
+                          <m:e>
+                            <m:r>
+                              <m:rPr>
+                                <m:sty m:val="p"/>
+                              </m:rPr>
+                              <a:rPr lang="en-US" altLang="zh-CN" sz="2000" i="1">
+                                <a:latin typeface="Cambria Math" panose="02040503050406030204" pitchFamily="18" charset="0"/>
+                              </a:rPr>
+                              <m:t>q</m:t>
+                            </m:r>
+                          </m:e>
+                          <m:sub>
+                            <m:r>
+                              <m:rPr>
+                                <m:sty m:val="p"/>
+                              </m:rPr>
+                              <a:rPr lang="en-US" altLang="zh-CN" sz="2000" i="1">
+                                <a:latin typeface="Cambria Math" panose="02040503050406030204" pitchFamily="18" charset="0"/>
+                              </a:rPr>
+                              <m:t>xx</m:t>
+                            </m:r>
+                          </m:sub>
+                        </m:sSub>
+                        <m:r>
+                          <a:rPr lang="en-US" altLang="zh-CN" sz="2000" i="1" smtClean="0">
+                            <a:latin typeface="Cambria Math" panose="02040503050406030204" pitchFamily="18" charset="0"/>
+                          </a:rPr>
+                          <m:t>-</m:t>
+                        </m:r>
+                        <m:sSub>
+                          <m:sSubPr>
+                            <m:ctrlPr>
+                              <a:rPr lang="en-US" altLang="zh-CN" sz="2000" i="1">
+                                <a:latin typeface="Cambria Math" panose="02040503050406030204" pitchFamily="18" charset="0"/>
+                              </a:rPr>
+                            </m:ctrlPr>
+                          </m:sSubPr>
+                          <m:e>
+                            <m:r>
+                              <m:rPr>
+                                <m:sty m:val="p"/>
+                              </m:rPr>
+                              <a:rPr lang="en-US" altLang="zh-CN" sz="2000" i="1">
+                                <a:latin typeface="Cambria Math" panose="02040503050406030204" pitchFamily="18" charset="0"/>
+                              </a:rPr>
+                              <m:t>q</m:t>
+                            </m:r>
+                          </m:e>
+                          <m:sub>
+                            <m:r>
+                              <a:rPr lang="en-US" altLang="zh-CN" sz="2000" b="0" i="1" smtClean="0">
+                                <a:latin typeface="Cambria Math" panose="02040503050406030204" pitchFamily="18" charset="0"/>
+                              </a:rPr>
+                              <m:t>𝑦𝑦</m:t>
+                            </m:r>
+                          </m:sub>
+                        </m:sSub>
+                      </m:num>
+                      <m:den>
+                        <m:sSub>
+                          <m:sSubPr>
+                            <m:ctrlPr>
+                              <a:rPr lang="en-US" altLang="zh-CN" sz="2000" i="1">
+                                <a:latin typeface="Cambria Math" panose="02040503050406030204" pitchFamily="18" charset="0"/>
+                              </a:rPr>
+                            </m:ctrlPr>
+                          </m:sSubPr>
+                          <m:e>
+                            <m:r>
+                              <m:rPr>
+                                <m:sty m:val="p"/>
+                              </m:rPr>
+                              <a:rPr lang="en-US" altLang="zh-CN" sz="2000" i="1">
+                                <a:latin typeface="Cambria Math" panose="02040503050406030204" pitchFamily="18" charset="0"/>
+                              </a:rPr>
+                              <m:t>q</m:t>
+                            </m:r>
+                          </m:e>
+                          <m:sub>
+                            <m:r>
+                              <a:rPr lang="en-US" altLang="zh-CN" sz="2000" b="0" i="1" smtClean="0">
+                                <a:latin typeface="Cambria Math" panose="02040503050406030204" pitchFamily="18" charset="0"/>
+                              </a:rPr>
+                              <m:t>𝑥𝑥</m:t>
+                            </m:r>
+                          </m:sub>
+                        </m:sSub>
+                        <m:r>
+                          <a:rPr lang="en-US" altLang="zh-CN" sz="2000" i="1" smtClean="0">
+                            <a:latin typeface="Cambria Math" panose="02040503050406030204" pitchFamily="18" charset="0"/>
+                          </a:rPr>
+                          <m:t>+</m:t>
+                        </m:r>
+                        <m:sSub>
+                          <m:sSubPr>
+                            <m:ctrlPr>
+                              <a:rPr lang="en-US" altLang="zh-CN" sz="2000" i="1">
+                                <a:latin typeface="Cambria Math" panose="02040503050406030204" pitchFamily="18" charset="0"/>
+                              </a:rPr>
+                            </m:ctrlPr>
+                          </m:sSubPr>
+                          <m:e>
+                            <m:r>
+                              <m:rPr>
+                                <m:sty m:val="p"/>
+                              </m:rPr>
+                              <a:rPr lang="en-US" altLang="zh-CN" sz="2000" i="1">
+                                <a:latin typeface="Cambria Math" panose="02040503050406030204" pitchFamily="18" charset="0"/>
+                              </a:rPr>
+                              <m:t>q</m:t>
+                            </m:r>
+                          </m:e>
+                          <m:sub>
+                            <m:r>
+                              <a:rPr lang="en-US" altLang="zh-CN" sz="2000" b="0" i="1" smtClean="0">
+                                <a:latin typeface="Cambria Math" panose="02040503050406030204" pitchFamily="18" charset="0"/>
+                              </a:rPr>
+                              <m:t>𝑦𝑦</m:t>
+                            </m:r>
+                          </m:sub>
+                        </m:sSub>
+                      </m:den>
+                    </m:f>
+                  </m:oMath>
+                </a14:m>
+                <a:r>
+                  <a:rPr lang="en-US" altLang="zh-CN" sz="2000" dirty="0"/>
+                  <a:t>, </a:t>
+                </a:r>
+                <a14:m>
+                  <m:oMath xmlns:m="http://schemas.openxmlformats.org/officeDocument/2006/math">
+                    <m:sSub>
+                      <m:sSubPr>
+                        <m:ctrlPr>
+                          <a:rPr lang="en-US" altLang="zh-CN" sz="2000" i="1">
+                            <a:latin typeface="Cambria Math" panose="02040503050406030204" pitchFamily="18" charset="0"/>
+                          </a:rPr>
+                        </m:ctrlPr>
+                      </m:sSubPr>
+                      <m:e>
+                        <m:r>
+                          <a:rPr lang="zh-CN" altLang="en-US" sz="2000" i="1">
+                            <a:latin typeface="Cambria Math" panose="02040503050406030204" pitchFamily="18" charset="0"/>
+                          </a:rPr>
+                          <m:t>𝜀</m:t>
+                        </m:r>
+                      </m:e>
+                      <m:sub>
+                        <m:r>
+                          <a:rPr lang="en-US" altLang="zh-CN" sz="2000" i="1" smtClean="0">
+                            <a:latin typeface="Cambria Math" panose="02040503050406030204" pitchFamily="18" charset="0"/>
+                          </a:rPr>
+                          <m:t>2</m:t>
+                        </m:r>
+                      </m:sub>
+                    </m:sSub>
+                    <m:r>
+                      <a:rPr lang="en-US" altLang="zh-CN" sz="2000" i="1">
+                        <a:latin typeface="Cambria Math" panose="02040503050406030204" pitchFamily="18" charset="0"/>
+                        <a:ea typeface="Cambria Math" panose="02040503050406030204" pitchFamily="18" charset="0"/>
+                      </a:rPr>
+                      <m:t>≡</m:t>
+                    </m:r>
+                    <m:f>
+                      <m:fPr>
+                        <m:ctrlPr>
+                          <a:rPr lang="en-US" altLang="zh-CN" sz="2000" i="1">
+                            <a:latin typeface="Cambria Math" panose="02040503050406030204" pitchFamily="18" charset="0"/>
+                            <a:ea typeface="Cambria Math" panose="02040503050406030204" pitchFamily="18" charset="0"/>
+                          </a:rPr>
+                        </m:ctrlPr>
+                      </m:fPr>
+                      <m:num>
+                        <m:sSub>
+                          <m:sSubPr>
+                            <m:ctrlPr>
+                              <a:rPr lang="en-US" altLang="zh-CN" sz="2000" i="1">
+                                <a:latin typeface="Cambria Math" panose="02040503050406030204" pitchFamily="18" charset="0"/>
+                              </a:rPr>
+                            </m:ctrlPr>
+                          </m:sSubPr>
+                          <m:e>
+                            <m:r>
+                              <a:rPr lang="en-US" altLang="zh-CN" sz="2000" b="0" i="1" smtClean="0">
+                                <a:latin typeface="Cambria Math" panose="02040503050406030204" pitchFamily="18" charset="0"/>
+                              </a:rPr>
+                              <m:t>2</m:t>
+                            </m:r>
+                            <m:r>
+                              <m:rPr>
+                                <m:sty m:val="p"/>
+                              </m:rPr>
+                              <a:rPr lang="en-US" altLang="zh-CN" sz="2000" i="1">
+                                <a:latin typeface="Cambria Math" panose="02040503050406030204" pitchFamily="18" charset="0"/>
+                              </a:rPr>
+                              <m:t>q</m:t>
+                            </m:r>
+                          </m:e>
+                          <m:sub>
+                            <m:r>
+                              <m:rPr>
+                                <m:sty m:val="p"/>
+                              </m:rPr>
+                              <a:rPr lang="en-US" altLang="zh-CN" sz="2000" i="1">
+                                <a:latin typeface="Cambria Math" panose="02040503050406030204" pitchFamily="18" charset="0"/>
+                              </a:rPr>
+                              <m:t>x</m:t>
+                            </m:r>
+                            <m:r>
+                              <a:rPr lang="en-US" altLang="zh-CN" sz="2000" b="0" i="1" smtClean="0">
+                                <a:latin typeface="Cambria Math" panose="02040503050406030204" pitchFamily="18" charset="0"/>
+                              </a:rPr>
+                              <m:t>𝑦</m:t>
+                            </m:r>
+                          </m:sub>
+                        </m:sSub>
+                      </m:num>
+                      <m:den>
+                        <m:sSub>
+                          <m:sSubPr>
+                            <m:ctrlPr>
+                              <a:rPr lang="en-US" altLang="zh-CN" sz="2000" i="1">
+                                <a:latin typeface="Cambria Math" panose="02040503050406030204" pitchFamily="18" charset="0"/>
+                              </a:rPr>
+                            </m:ctrlPr>
+                          </m:sSubPr>
+                          <m:e>
+                            <m:r>
+                              <m:rPr>
+                                <m:sty m:val="p"/>
+                              </m:rPr>
+                              <a:rPr lang="en-US" altLang="zh-CN" sz="2000" i="1">
+                                <a:latin typeface="Cambria Math" panose="02040503050406030204" pitchFamily="18" charset="0"/>
+                              </a:rPr>
+                              <m:t>q</m:t>
+                            </m:r>
+                          </m:e>
+                          <m:sub>
+                            <m:r>
+                              <a:rPr lang="en-US" altLang="zh-CN" sz="2000" i="1">
+                                <a:latin typeface="Cambria Math" panose="02040503050406030204" pitchFamily="18" charset="0"/>
+                              </a:rPr>
+                              <m:t>𝑥𝑥</m:t>
+                            </m:r>
+                          </m:sub>
+                        </m:sSub>
+                        <m:r>
+                          <a:rPr lang="en-US" altLang="zh-CN" sz="2000" i="1">
+                            <a:latin typeface="Cambria Math" panose="02040503050406030204" pitchFamily="18" charset="0"/>
+                          </a:rPr>
+                          <m:t>+</m:t>
+                        </m:r>
+                        <m:sSub>
+                          <m:sSubPr>
+                            <m:ctrlPr>
+                              <a:rPr lang="en-US" altLang="zh-CN" sz="2000" i="1">
+                                <a:latin typeface="Cambria Math" panose="02040503050406030204" pitchFamily="18" charset="0"/>
+                              </a:rPr>
+                            </m:ctrlPr>
+                          </m:sSubPr>
+                          <m:e>
+                            <m:r>
+                              <m:rPr>
+                                <m:sty m:val="p"/>
+                              </m:rPr>
+                              <a:rPr lang="en-US" altLang="zh-CN" sz="2000" i="1">
+                                <a:latin typeface="Cambria Math" panose="02040503050406030204" pitchFamily="18" charset="0"/>
+                              </a:rPr>
+                              <m:t>q</m:t>
+                            </m:r>
+                          </m:e>
+                          <m:sub>
+                            <m:r>
+                              <a:rPr lang="en-US" altLang="zh-CN" sz="2000" i="1">
+                                <a:latin typeface="Cambria Math" panose="02040503050406030204" pitchFamily="18" charset="0"/>
+                              </a:rPr>
+                              <m:t>𝑦𝑦</m:t>
+                            </m:r>
+                          </m:sub>
+                        </m:sSub>
+                      </m:den>
+                    </m:f>
+                  </m:oMath>
+                </a14:m>
+                <a:endParaRPr lang="en-US" altLang="zh-CN" sz="2000" dirty="0"/>
+              </a:p>
+              <a:p>
+                <a:pPr marL="0" indent="0">
+                  <a:buNone/>
+                </a:pPr>
+                <a:r>
+                  <a:rPr lang="zh-CN" altLang="en-US" sz="2000" dirty="0"/>
+                  <a:t>为了描述透镜对光线角度的改变，可定义</a:t>
+                </a:r>
+                <a:endParaRPr lang="en-US" altLang="zh-CN" sz="2000" dirty="0"/>
+              </a:p>
+              <a:p>
+                <a:pPr marL="0" indent="0">
+                  <a:buNone/>
+                </a:pPr>
+                <a14:m>
+                  <m:oMathPara xmlns:m="http://schemas.openxmlformats.org/officeDocument/2006/math">
+                    <m:oMathParaPr>
+                      <m:jc m:val="centerGroup"/>
+                    </m:oMathParaPr>
+                    <m:oMath xmlns:m="http://schemas.openxmlformats.org/officeDocument/2006/math">
+                      <m:sSub>
+                        <m:sSubPr>
+                          <m:ctrlPr>
+                            <a:rPr lang="en-US" altLang="zh-CN" sz="2000" i="1" smtClean="0">
+                              <a:latin typeface="Cambria Math" panose="02040503050406030204" pitchFamily="18" charset="0"/>
+                            </a:rPr>
+                          </m:ctrlPr>
+                        </m:sSubPr>
+                        <m:e>
+                          <m:r>
+                            <m:rPr>
+                              <m:sty m:val="p"/>
+                            </m:rPr>
+                            <a:rPr lang="en-US" altLang="zh-CN" sz="2000" i="1">
+                              <a:latin typeface="Cambria Math" panose="02040503050406030204" pitchFamily="18" charset="0"/>
+                            </a:rPr>
+                            <m:t>A</m:t>
+                          </m:r>
+                        </m:e>
+                        <m:sub>
+                          <m:r>
+                            <a:rPr lang="en-US" altLang="zh-CN" sz="2000" b="0" i="1" smtClean="0">
+                              <a:latin typeface="Cambria Math" panose="02040503050406030204" pitchFamily="18" charset="0"/>
+                            </a:rPr>
+                            <m:t>𝑖𝑗</m:t>
+                          </m:r>
+                        </m:sub>
+                      </m:sSub>
+                      <m:r>
+                        <a:rPr lang="en-US" altLang="zh-CN" sz="2000" i="1" smtClean="0">
+                          <a:latin typeface="Cambria Math" panose="02040503050406030204" pitchFamily="18" charset="0"/>
+                          <a:ea typeface="Cambria Math" panose="02040503050406030204" pitchFamily="18" charset="0"/>
+                        </a:rPr>
+                        <m:t>≡</m:t>
+                      </m:r>
+                      <m:f>
+                        <m:fPr>
+                          <m:ctrlPr>
+                            <a:rPr lang="en-US" altLang="zh-CN" sz="2000" i="1" smtClean="0">
+                              <a:latin typeface="Cambria Math" panose="02040503050406030204" pitchFamily="18" charset="0"/>
+                              <a:ea typeface="Cambria Math" panose="02040503050406030204" pitchFamily="18" charset="0"/>
+                            </a:rPr>
+                          </m:ctrlPr>
+                        </m:fPr>
+                        <m:num>
+                          <m:r>
+                            <a:rPr lang="zh-CN" altLang="en-US" sz="2000" i="1" smtClean="0">
+                              <a:latin typeface="Cambria Math" panose="02040503050406030204" pitchFamily="18" charset="0"/>
+                              <a:ea typeface="Cambria Math" panose="02040503050406030204" pitchFamily="18" charset="0"/>
+                            </a:rPr>
+                            <m:t>𝜕</m:t>
+                          </m:r>
+                          <m:sSup>
+                            <m:sSupPr>
+                              <m:ctrlPr>
+                                <a:rPr lang="en-US" altLang="zh-CN" sz="2000" i="1" smtClean="0">
+                                  <a:latin typeface="Cambria Math" panose="02040503050406030204" pitchFamily="18" charset="0"/>
+                                  <a:ea typeface="Cambria Math" panose="02040503050406030204" pitchFamily="18" charset="0"/>
+                                </a:rPr>
+                              </m:ctrlPr>
+                            </m:sSupPr>
+                            <m:e>
+                              <m:sSub>
+                                <m:sSubPr>
+                                  <m:ctrlPr>
+                                    <a:rPr lang="en-US" altLang="zh-CN" sz="2000" i="1" smtClean="0">
+                                      <a:latin typeface="Cambria Math" panose="02040503050406030204" pitchFamily="18" charset="0"/>
+                                      <a:ea typeface="Cambria Math" panose="02040503050406030204" pitchFamily="18" charset="0"/>
+                                    </a:rPr>
+                                  </m:ctrlPr>
+                                </m:sSubPr>
+                                <m:e>
+                                  <m:r>
+                                    <a:rPr lang="zh-CN" altLang="en-US" sz="2000" i="1" smtClean="0">
+                                      <a:latin typeface="Cambria Math" panose="02040503050406030204" pitchFamily="18" charset="0"/>
+                                      <a:ea typeface="Cambria Math" panose="02040503050406030204" pitchFamily="18" charset="0"/>
+                                    </a:rPr>
+                                    <m:t>𝜃</m:t>
+                                  </m:r>
+                                </m:e>
+                                <m:sub>
+                                  <m:r>
+                                    <a:rPr lang="en-US" altLang="zh-CN" sz="2000" b="0" i="1" smtClean="0">
+                                      <a:latin typeface="Cambria Math" panose="02040503050406030204" pitchFamily="18" charset="0"/>
+                                      <a:ea typeface="Cambria Math" panose="02040503050406030204" pitchFamily="18" charset="0"/>
+                                    </a:rPr>
+                                    <m:t>𝑠</m:t>
+                                  </m:r>
+                                </m:sub>
+                              </m:sSub>
+                            </m:e>
+                            <m:sup>
+                              <m:r>
+                                <a:rPr lang="en-US" altLang="zh-CN" sz="2000" b="0" i="1" smtClean="0">
+                                  <a:latin typeface="Cambria Math" panose="02040503050406030204" pitchFamily="18" charset="0"/>
+                                  <a:ea typeface="Cambria Math" panose="02040503050406030204" pitchFamily="18" charset="0"/>
+                                </a:rPr>
+                                <m:t>𝑖</m:t>
+                              </m:r>
+                            </m:sup>
+                          </m:sSup>
+                        </m:num>
+                        <m:den>
+                          <m:r>
+                            <a:rPr lang="zh-CN" altLang="en-US" sz="2000" i="1" smtClean="0">
+                              <a:latin typeface="Cambria Math" panose="02040503050406030204" pitchFamily="18" charset="0"/>
+                              <a:ea typeface="Cambria Math" panose="02040503050406030204" pitchFamily="18" charset="0"/>
+                            </a:rPr>
+                            <m:t>𝜕</m:t>
+                          </m:r>
+                          <m:sSup>
+                            <m:sSupPr>
+                              <m:ctrlPr>
+                                <a:rPr lang="en-US" altLang="zh-CN" sz="2000" i="1" smtClean="0">
+                                  <a:latin typeface="Cambria Math" panose="02040503050406030204" pitchFamily="18" charset="0"/>
+                                  <a:ea typeface="Cambria Math" panose="02040503050406030204" pitchFamily="18" charset="0"/>
+                                </a:rPr>
+                              </m:ctrlPr>
+                            </m:sSupPr>
+                            <m:e>
+                              <m:r>
+                                <a:rPr lang="zh-CN" altLang="en-US" sz="2000" i="1" smtClean="0">
+                                  <a:latin typeface="Cambria Math" panose="02040503050406030204" pitchFamily="18" charset="0"/>
+                                  <a:ea typeface="Cambria Math" panose="02040503050406030204" pitchFamily="18" charset="0"/>
+                                </a:rPr>
+                                <m:t>𝜃</m:t>
+                              </m:r>
+                            </m:e>
+                            <m:sup>
+                              <m:r>
+                                <a:rPr lang="en-US" altLang="zh-CN" sz="2000" b="0" i="1" smtClean="0">
+                                  <a:latin typeface="Cambria Math" panose="02040503050406030204" pitchFamily="18" charset="0"/>
+                                  <a:ea typeface="Cambria Math" panose="02040503050406030204" pitchFamily="18" charset="0"/>
+                                </a:rPr>
+                                <m:t>𝑗</m:t>
+                              </m:r>
+                            </m:sup>
+                          </m:sSup>
+                        </m:den>
+                      </m:f>
+                      <m:r>
+                        <a:rPr lang="en-US" altLang="zh-CN" sz="2000" i="1" smtClean="0">
+                          <a:latin typeface="Cambria Math" panose="02040503050406030204" pitchFamily="18" charset="0"/>
+                          <a:ea typeface="Cambria Math" panose="02040503050406030204" pitchFamily="18" charset="0"/>
+                        </a:rPr>
+                        <m:t>≡</m:t>
+                      </m:r>
+                      <m:d>
+                        <m:dPr>
+                          <m:ctrlPr>
+                            <a:rPr lang="en-US" altLang="zh-CN" sz="2000" i="1" smtClean="0">
+                              <a:latin typeface="Cambria Math" panose="02040503050406030204" pitchFamily="18" charset="0"/>
+                              <a:ea typeface="Cambria Math" panose="02040503050406030204" pitchFamily="18" charset="0"/>
+                            </a:rPr>
+                          </m:ctrlPr>
+                        </m:dPr>
+                        <m:e>
+                          <m:m>
+                            <m:mPr>
+                              <m:mcs>
+                                <m:mc>
+                                  <m:mcPr>
+                                    <m:count m:val="2"/>
+                                    <m:mcJc m:val="center"/>
+                                  </m:mcPr>
+                                </m:mc>
+                              </m:mcs>
+                              <m:ctrlPr>
+                                <a:rPr lang="en-US" altLang="zh-CN" sz="2000" i="1" smtClean="0">
+                                  <a:latin typeface="Cambria Math" panose="02040503050406030204" pitchFamily="18" charset="0"/>
+                                  <a:ea typeface="Cambria Math" panose="02040503050406030204" pitchFamily="18" charset="0"/>
+                                </a:rPr>
+                              </m:ctrlPr>
+                            </m:mPr>
+                            <m:mr>
+                              <m:e>
+                                <m:r>
+                                  <m:rPr>
+                                    <m:brk m:alnAt="7"/>
+                                  </m:rPr>
+                                  <a:rPr lang="en-US" altLang="zh-CN" sz="2000" i="1">
+                                    <a:latin typeface="Cambria Math" panose="02040503050406030204" pitchFamily="18" charset="0"/>
+                                    <a:ea typeface="Cambria Math" panose="02040503050406030204" pitchFamily="18" charset="0"/>
+                                  </a:rPr>
+                                  <m:t>1</m:t>
+                                </m:r>
+                                <m:r>
+                                  <a:rPr lang="en-US" altLang="zh-CN" sz="2000" i="1">
+                                    <a:latin typeface="Cambria Math" panose="02040503050406030204" pitchFamily="18" charset="0"/>
+                                    <a:ea typeface="Cambria Math" panose="02040503050406030204" pitchFamily="18" charset="0"/>
+                                  </a:rPr>
+                                  <m:t>−</m:t>
+                                </m:r>
+                                <m:r>
+                                  <a:rPr lang="en-US" altLang="zh-CN" sz="2000" i="1" smtClean="0">
+                                    <a:latin typeface="Cambria Math" panose="02040503050406030204" pitchFamily="18" charset="0"/>
+                                    <a:ea typeface="Cambria Math" panose="02040503050406030204" pitchFamily="18" charset="0"/>
+                                  </a:rPr>
+                                  <m:t>𝜅</m:t>
+                                </m:r>
+                                <m:r>
+                                  <a:rPr lang="en-US" altLang="zh-CN" sz="2000" i="1" smtClean="0">
+                                    <a:latin typeface="Cambria Math" panose="02040503050406030204" pitchFamily="18" charset="0"/>
+                                    <a:ea typeface="Cambria Math" panose="02040503050406030204" pitchFamily="18" charset="0"/>
+                                  </a:rPr>
+                                  <m:t>−</m:t>
+                                </m:r>
+                                <m:sSub>
+                                  <m:sSubPr>
+                                    <m:ctrlPr>
+                                      <a:rPr lang="en-US" altLang="zh-CN" sz="2000" i="1" smtClean="0">
+                                        <a:latin typeface="Cambria Math" panose="02040503050406030204" pitchFamily="18" charset="0"/>
+                                        <a:ea typeface="Cambria Math" panose="02040503050406030204" pitchFamily="18" charset="0"/>
+                                      </a:rPr>
+                                    </m:ctrlPr>
+                                  </m:sSubPr>
+                                  <m:e>
+                                    <m:r>
+                                      <a:rPr lang="zh-CN" altLang="en-US" sz="2000" i="1" smtClean="0">
+                                        <a:latin typeface="Cambria Math" panose="02040503050406030204" pitchFamily="18" charset="0"/>
+                                        <a:ea typeface="Cambria Math" panose="02040503050406030204" pitchFamily="18" charset="0"/>
+                                      </a:rPr>
+                                      <m:t>𝛾</m:t>
+                                    </m:r>
+                                  </m:e>
+                                  <m:sub>
+                                    <m:r>
+                                      <a:rPr lang="en-US" altLang="zh-CN" sz="2000" i="1">
+                                        <a:latin typeface="Cambria Math" panose="02040503050406030204" pitchFamily="18" charset="0"/>
+                                        <a:ea typeface="Cambria Math" panose="02040503050406030204" pitchFamily="18" charset="0"/>
+                                      </a:rPr>
+                                      <m:t>1</m:t>
+                                    </m:r>
+                                  </m:sub>
+                                </m:sSub>
+                              </m:e>
+                              <m:e>
+                                <m:r>
+                                  <a:rPr lang="en-US" altLang="zh-CN" sz="2000" i="1">
+                                    <a:latin typeface="Cambria Math" panose="02040503050406030204" pitchFamily="18" charset="0"/>
+                                    <a:ea typeface="Cambria Math" panose="02040503050406030204" pitchFamily="18" charset="0"/>
+                                  </a:rPr>
+                                  <m:t>−</m:t>
+                                </m:r>
+                                <m:sSub>
+                                  <m:sSubPr>
+                                    <m:ctrlPr>
+                                      <a:rPr lang="en-US" altLang="zh-CN" sz="2000" i="1">
+                                        <a:latin typeface="Cambria Math" panose="02040503050406030204" pitchFamily="18" charset="0"/>
+                                        <a:ea typeface="Cambria Math" panose="02040503050406030204" pitchFamily="18" charset="0"/>
+                                      </a:rPr>
+                                    </m:ctrlPr>
+                                  </m:sSubPr>
+                                  <m:e>
+                                    <m:r>
+                                      <a:rPr lang="zh-CN" altLang="en-US" sz="2000" i="1">
+                                        <a:latin typeface="Cambria Math" panose="02040503050406030204" pitchFamily="18" charset="0"/>
+                                        <a:ea typeface="Cambria Math" panose="02040503050406030204" pitchFamily="18" charset="0"/>
+                                      </a:rPr>
+                                      <m:t>𝛾</m:t>
+                                    </m:r>
+                                  </m:e>
+                                  <m:sub>
+                                    <m:r>
+                                      <a:rPr lang="en-US" altLang="zh-CN" sz="2000" i="1" smtClean="0">
+                                        <a:latin typeface="Cambria Math" panose="02040503050406030204" pitchFamily="18" charset="0"/>
+                                        <a:ea typeface="Cambria Math" panose="02040503050406030204" pitchFamily="18" charset="0"/>
+                                      </a:rPr>
+                                      <m:t>2</m:t>
+                                    </m:r>
+                                  </m:sub>
+                                </m:sSub>
+                              </m:e>
+                            </m:mr>
+                            <m:mr>
+                              <m:e>
+                                <m:r>
+                                  <a:rPr lang="en-US" altLang="zh-CN" sz="2000" i="1">
+                                    <a:latin typeface="Cambria Math" panose="02040503050406030204" pitchFamily="18" charset="0"/>
+                                    <a:ea typeface="Cambria Math" panose="02040503050406030204" pitchFamily="18" charset="0"/>
+                                  </a:rPr>
+                                  <m:t>−</m:t>
+                                </m:r>
+                                <m:sSub>
+                                  <m:sSubPr>
+                                    <m:ctrlPr>
+                                      <a:rPr lang="en-US" altLang="zh-CN" sz="2000" i="1">
+                                        <a:latin typeface="Cambria Math" panose="02040503050406030204" pitchFamily="18" charset="0"/>
+                                        <a:ea typeface="Cambria Math" panose="02040503050406030204" pitchFamily="18" charset="0"/>
+                                      </a:rPr>
+                                    </m:ctrlPr>
+                                  </m:sSubPr>
+                                  <m:e>
+                                    <m:r>
+                                      <a:rPr lang="zh-CN" altLang="en-US" sz="2000" i="1">
+                                        <a:latin typeface="Cambria Math" panose="02040503050406030204" pitchFamily="18" charset="0"/>
+                                        <a:ea typeface="Cambria Math" panose="02040503050406030204" pitchFamily="18" charset="0"/>
+                                      </a:rPr>
+                                      <m:t>𝛾</m:t>
+                                    </m:r>
+                                  </m:e>
+                                  <m:sub>
+                                    <m:r>
+                                      <a:rPr lang="en-US" altLang="zh-CN" sz="2000" i="1" smtClean="0">
+                                        <a:latin typeface="Cambria Math" panose="02040503050406030204" pitchFamily="18" charset="0"/>
+                                        <a:ea typeface="Cambria Math" panose="02040503050406030204" pitchFamily="18" charset="0"/>
+                                      </a:rPr>
+                                      <m:t>2</m:t>
+                                    </m:r>
+                                  </m:sub>
+                                </m:sSub>
+                              </m:e>
+                              <m:e>
+                                <m:r>
+                                  <m:rPr>
+                                    <m:brk m:alnAt="7"/>
+                                  </m:rPr>
+                                  <a:rPr lang="en-US" altLang="zh-CN" sz="2000" i="1">
+                                    <a:latin typeface="Cambria Math" panose="02040503050406030204" pitchFamily="18" charset="0"/>
+                                    <a:ea typeface="Cambria Math" panose="02040503050406030204" pitchFamily="18" charset="0"/>
+                                  </a:rPr>
+                                  <m:t>1</m:t>
+                                </m:r>
+                                <m:r>
+                                  <a:rPr lang="en-US" altLang="zh-CN" sz="2000" i="1">
+                                    <a:latin typeface="Cambria Math" panose="02040503050406030204" pitchFamily="18" charset="0"/>
+                                    <a:ea typeface="Cambria Math" panose="02040503050406030204" pitchFamily="18" charset="0"/>
+                                  </a:rPr>
+                                  <m:t>−</m:t>
+                                </m:r>
+                                <m:r>
+                                  <a:rPr lang="en-US" altLang="zh-CN" sz="2000" i="1">
+                                    <a:latin typeface="Cambria Math" panose="02040503050406030204" pitchFamily="18" charset="0"/>
+                                    <a:ea typeface="Cambria Math" panose="02040503050406030204" pitchFamily="18" charset="0"/>
+                                  </a:rPr>
+                                  <m:t>𝜅</m:t>
+                                </m:r>
+                                <m:r>
+                                  <a:rPr lang="en-US" altLang="zh-CN" sz="2000" i="1">
+                                    <a:latin typeface="Cambria Math" panose="02040503050406030204" pitchFamily="18" charset="0"/>
+                                    <a:ea typeface="Cambria Math" panose="02040503050406030204" pitchFamily="18" charset="0"/>
+                                  </a:rPr>
+                                  <m:t>+</m:t>
+                                </m:r>
+                                <m:sSub>
+                                  <m:sSubPr>
+                                    <m:ctrlPr>
+                                      <a:rPr lang="en-US" altLang="zh-CN" sz="2000" i="1">
+                                        <a:latin typeface="Cambria Math" panose="02040503050406030204" pitchFamily="18" charset="0"/>
+                                        <a:ea typeface="Cambria Math" panose="02040503050406030204" pitchFamily="18" charset="0"/>
+                                      </a:rPr>
+                                    </m:ctrlPr>
+                                  </m:sSubPr>
+                                  <m:e>
+                                    <m:r>
+                                      <a:rPr lang="zh-CN" altLang="en-US" sz="2000" i="1">
+                                        <a:latin typeface="Cambria Math" panose="02040503050406030204" pitchFamily="18" charset="0"/>
+                                        <a:ea typeface="Cambria Math" panose="02040503050406030204" pitchFamily="18" charset="0"/>
+                                      </a:rPr>
+                                      <m:t>𝛾</m:t>
+                                    </m:r>
+                                  </m:e>
+                                  <m:sub>
+                                    <m:r>
+                                      <a:rPr lang="en-US" altLang="zh-CN" sz="2000" i="1">
+                                        <a:latin typeface="Cambria Math" panose="02040503050406030204" pitchFamily="18" charset="0"/>
+                                        <a:ea typeface="Cambria Math" panose="02040503050406030204" pitchFamily="18" charset="0"/>
+                                      </a:rPr>
+                                      <m:t>1</m:t>
+                                    </m:r>
+                                  </m:sub>
+                                </m:sSub>
+                              </m:e>
+                            </m:mr>
+                          </m:m>
+                        </m:e>
+                      </m:d>
+                    </m:oMath>
+                  </m:oMathPara>
+                </a14:m>
+                <a:endParaRPr lang="en-US" altLang="zh-CN" sz="2000" dirty="0"/>
+              </a:p>
+              <a:p>
+                <a:pPr marL="0" indent="0">
+                  <a:buNone/>
+                </a:pPr>
+                <a14:m>
+                  <m:oMath xmlns:m="http://schemas.openxmlformats.org/officeDocument/2006/math">
+                    <m:sSub>
+                      <m:sSubPr>
+                        <m:ctrlPr>
+                          <a:rPr lang="en-US" altLang="zh-CN" sz="2000" i="1">
+                            <a:latin typeface="Cambria Math" panose="02040503050406030204" pitchFamily="18" charset="0"/>
+                            <a:ea typeface="Cambria Math" panose="02040503050406030204" pitchFamily="18" charset="0"/>
+                          </a:rPr>
+                        </m:ctrlPr>
+                      </m:sSubPr>
+                      <m:e>
+                        <m:r>
+                          <a:rPr lang="zh-CN" altLang="en-US" sz="2000" i="1">
+                            <a:latin typeface="Cambria Math" panose="02040503050406030204" pitchFamily="18" charset="0"/>
+                            <a:ea typeface="Cambria Math" panose="02040503050406030204" pitchFamily="18" charset="0"/>
+                          </a:rPr>
+                          <m:t>𝜃</m:t>
+                        </m:r>
+                      </m:e>
+                      <m:sub>
+                        <m:r>
+                          <a:rPr lang="en-US" altLang="zh-CN" sz="2000" i="1">
+                            <a:latin typeface="Cambria Math" panose="02040503050406030204" pitchFamily="18" charset="0"/>
+                            <a:ea typeface="Cambria Math" panose="02040503050406030204" pitchFamily="18" charset="0"/>
+                          </a:rPr>
+                          <m:t>𝑠</m:t>
+                        </m:r>
+                      </m:sub>
+                    </m:sSub>
+                    <m:r>
+                      <a:rPr lang="zh-CN" altLang="en-US" sz="2000" i="1">
+                        <a:latin typeface="Cambria Math" panose="02040503050406030204" pitchFamily="18" charset="0"/>
+                      </a:rPr>
+                      <m:t>为</m:t>
+                    </m:r>
+                  </m:oMath>
+                </a14:m>
+                <a:r>
+                  <a:rPr lang="zh-CN" altLang="en-US" sz="2000" dirty="0"/>
+                  <a:t>源点相对于某个中心点的横向位移，当</a:t>
+                </a:r>
+                <a14:m>
+                  <m:oMath xmlns:m="http://schemas.openxmlformats.org/officeDocument/2006/math">
+                    <m:sSub>
+                      <m:sSubPr>
+                        <m:ctrlPr>
+                          <a:rPr lang="en-US" altLang="zh-CN" sz="2000" i="1">
+                            <a:latin typeface="Cambria Math" panose="02040503050406030204" pitchFamily="18" charset="0"/>
+                            <a:ea typeface="Cambria Math" panose="02040503050406030204" pitchFamily="18" charset="0"/>
+                          </a:rPr>
+                        </m:ctrlPr>
+                      </m:sSubPr>
+                      <m:e>
+                        <m:r>
+                          <a:rPr lang="zh-CN" altLang="en-US" sz="2000" i="1">
+                            <a:latin typeface="Cambria Math" panose="02040503050406030204" pitchFamily="18" charset="0"/>
+                            <a:ea typeface="Cambria Math" panose="02040503050406030204" pitchFamily="18" charset="0"/>
+                          </a:rPr>
+                          <m:t>𝜃</m:t>
+                        </m:r>
+                      </m:e>
+                      <m:sub>
+                        <m:r>
+                          <a:rPr lang="en-US" altLang="zh-CN" sz="2000" i="1">
+                            <a:latin typeface="Cambria Math" panose="02040503050406030204" pitchFamily="18" charset="0"/>
+                            <a:ea typeface="Cambria Math" panose="02040503050406030204" pitchFamily="18" charset="0"/>
+                          </a:rPr>
+                          <m:t>𝑠</m:t>
+                        </m:r>
+                      </m:sub>
+                    </m:sSub>
+                  </m:oMath>
+                </a14:m>
+                <a:r>
+                  <a:rPr lang="zh-CN" altLang="en-US" sz="2000" dirty="0"/>
+                  <a:t>很小且所有畸变都很小时</a:t>
+                </a:r>
+                <a:endParaRPr lang="en-US" altLang="zh-CN" sz="2000" dirty="0"/>
+              </a:p>
+              <a:p>
+                <a:pPr marL="0" indent="0" algn="ctr">
+                  <a:buNone/>
+                </a:pPr>
+                <a14:m>
+                  <m:oMath xmlns:m="http://schemas.openxmlformats.org/officeDocument/2006/math">
+                    <m:sSub>
+                      <m:sSubPr>
+                        <m:ctrlPr>
+                          <a:rPr lang="en-US" altLang="zh-CN" sz="2000" i="1">
+                            <a:latin typeface="Cambria Math" panose="02040503050406030204" pitchFamily="18" charset="0"/>
+                          </a:rPr>
+                        </m:ctrlPr>
+                      </m:sSubPr>
+                      <m:e>
+                        <m:r>
+                          <a:rPr lang="zh-CN" altLang="en-US" sz="2000" i="1">
+                            <a:latin typeface="Cambria Math" panose="02040503050406030204" pitchFamily="18" charset="0"/>
+                          </a:rPr>
+                          <m:t>𝜀</m:t>
+                        </m:r>
+                      </m:e>
+                      <m:sub>
+                        <m:r>
+                          <a:rPr lang="en-US" altLang="zh-CN" sz="2000" i="1">
+                            <a:latin typeface="Cambria Math" panose="02040503050406030204" pitchFamily="18" charset="0"/>
+                          </a:rPr>
+                          <m:t>1</m:t>
+                        </m:r>
+                      </m:sub>
+                    </m:sSub>
+                    <m:r>
+                      <a:rPr lang="en-US" altLang="zh-CN" sz="2000" i="1">
+                        <a:latin typeface="Cambria Math" panose="02040503050406030204" pitchFamily="18" charset="0"/>
+                        <a:ea typeface="Cambria Math" panose="02040503050406030204" pitchFamily="18" charset="0"/>
+                      </a:rPr>
+                      <m:t>≈</m:t>
+                    </m:r>
+                  </m:oMath>
+                </a14:m>
+                <a:r>
+                  <a:rPr lang="en-US" altLang="zh-CN" sz="2000" dirty="0">
+                    <a:ea typeface="Cambria Math" panose="02040503050406030204" pitchFamily="18" charset="0"/>
+                  </a:rPr>
+                  <a:t> 2</a:t>
+                </a:r>
+                <a14:m>
+                  <m:oMath xmlns:m="http://schemas.openxmlformats.org/officeDocument/2006/math">
+                    <m:sSub>
+                      <m:sSubPr>
+                        <m:ctrlPr>
+                          <a:rPr lang="en-US" altLang="zh-CN" sz="2000" i="1">
+                            <a:latin typeface="Cambria Math" panose="02040503050406030204" pitchFamily="18" charset="0"/>
+                            <a:ea typeface="Cambria Math" panose="02040503050406030204" pitchFamily="18" charset="0"/>
+                          </a:rPr>
+                        </m:ctrlPr>
+                      </m:sSubPr>
+                      <m:e>
+                        <m:r>
+                          <a:rPr lang="zh-CN" altLang="en-US" sz="2000" i="1">
+                            <a:latin typeface="Cambria Math" panose="02040503050406030204" pitchFamily="18" charset="0"/>
+                            <a:ea typeface="Cambria Math" panose="02040503050406030204" pitchFamily="18" charset="0"/>
+                          </a:rPr>
+                          <m:t>𝛾</m:t>
+                        </m:r>
+                      </m:e>
+                      <m:sub>
+                        <m:r>
+                          <a:rPr lang="en-US" altLang="zh-CN" sz="2000" i="1">
+                            <a:latin typeface="Cambria Math" panose="02040503050406030204" pitchFamily="18" charset="0"/>
+                            <a:ea typeface="Cambria Math" panose="02040503050406030204" pitchFamily="18" charset="0"/>
+                          </a:rPr>
+                          <m:t>1</m:t>
+                        </m:r>
+                      </m:sub>
+                    </m:sSub>
+                  </m:oMath>
+                </a14:m>
+                <a:endParaRPr lang="en-US" altLang="zh-CN" sz="2000" dirty="0"/>
+              </a:p>
+              <a:p>
+                <a:pPr marL="0" indent="0">
+                  <a:buNone/>
+                </a:pPr>
+                <a:r>
+                  <a:rPr lang="zh-CN" altLang="en-US" sz="2000" dirty="0"/>
+                  <a:t>因为椭率是一个可观测量，而剪切</a:t>
+                </a:r>
+                <a:r>
+                  <a:rPr lang="en-US" altLang="zh-CN" sz="2000" dirty="0"/>
+                  <a:t>(Shear)</a:t>
+                </a:r>
+                <a:r>
+                  <a:rPr lang="zh-CN" altLang="en-US" sz="2000" dirty="0"/>
+                  <a:t>由引力势确定，由引力势得到质量密度，因此可利用椭率来估计质量密度。</a:t>
+                </a:r>
+                <a:endParaRPr lang="en-US" altLang="zh-CN" sz="2000" dirty="0"/>
+              </a:p>
+            </p:txBody>
+          </p:sp>
+        </mc:Choice>
+        <mc:Fallback>
+          <p:sp>
+            <p:nvSpPr>
+              <p:cNvPr id="3" name="内容占位符 2">
+                <a:extLst>
+                  <a:ext uri="{FF2B5EF4-FFF2-40B4-BE49-F238E27FC236}">
+                    <a16:creationId xmlns:a16="http://schemas.microsoft.com/office/drawing/2014/main" id="{B83AD04A-60CD-4B68-A879-451EFA32C767}"/>
+                  </a:ext>
+                </a:extLst>
+              </p:cNvPr>
+              <p:cNvSpPr>
+                <a:spLocks noGrp="1" noRot="1" noChangeAspect="1" noMove="1" noResize="1" noEditPoints="1" noAdjustHandles="1" noChangeArrowheads="1" noChangeShapeType="1" noTextEdit="1"/>
+              </p:cNvSpPr>
+              <p:nvPr>
+                <p:ph sz="half" idx="1"/>
+              </p:nvPr>
+            </p:nvSpPr>
+            <p:spPr>
+              <a:blipFill>
+                <a:blip r:embed="rId2"/>
+                <a:stretch>
+                  <a:fillRect l="-824" t="-1961"/>
+                </a:stretch>
+              </a:blipFill>
+            </p:spPr>
+            <p:txBody>
+              <a:bodyPr/>
+              <a:lstStyle/>
+              <a:p>
+                <a:r>
+                  <a:rPr lang="zh-CN" altLang="en-US">
+                    <a:noFill/>
+                  </a:rPr>
+                  <a:t> </a:t>
+                </a:r>
+              </a:p>
+            </p:txBody>
+          </p:sp>
+        </mc:Fallback>
+      </mc:AlternateContent>
+      <p:pic>
+        <p:nvPicPr>
+          <p:cNvPr id="5" name="内容占位符 4">
+            <a:extLst>
+              <a:ext uri="{FF2B5EF4-FFF2-40B4-BE49-F238E27FC236}">
+                <a16:creationId xmlns:a16="http://schemas.microsoft.com/office/drawing/2014/main" id="{C2B6A4DA-CBE2-4616-9712-5BBDECB029E0}"/>
+              </a:ext>
+            </a:extLst>
+          </p:cNvPr>
+          <p:cNvPicPr>
+            <a:picLocks noGrp="1" noChangeAspect="1"/>
+          </p:cNvPicPr>
+          <p:nvPr>
+            <p:ph sz="half" idx="2"/>
+          </p:nvPr>
+        </p:nvPicPr>
+        <p:blipFill>
+          <a:blip r:embed="rId3"/>
+          <a:stretch>
+            <a:fillRect/>
+          </a:stretch>
+        </p:blipFill>
+        <p:spPr>
+          <a:xfrm>
+            <a:off x="7409140" y="3717481"/>
+            <a:ext cx="3016285" cy="2008762"/>
+          </a:xfrm>
+          <a:prstGeom prst="rect">
+            <a:avLst/>
+          </a:prstGeom>
+        </p:spPr>
+      </p:pic>
+      <p:sp>
+        <p:nvSpPr>
+          <p:cNvPr id="6" name="文本框 5">
+            <a:extLst>
+              <a:ext uri="{FF2B5EF4-FFF2-40B4-BE49-F238E27FC236}">
+                <a16:creationId xmlns:a16="http://schemas.microsoft.com/office/drawing/2014/main" id="{2B647BC3-3002-4AED-A4C1-48D3A663BAC0}"/>
+              </a:ext>
+            </a:extLst>
+          </p:cNvPr>
+          <p:cNvSpPr txBox="1"/>
+          <p:nvPr/>
+        </p:nvSpPr>
+        <p:spPr>
+          <a:xfrm>
+            <a:off x="6720363" y="5752077"/>
+            <a:ext cx="4383618" cy="369332"/>
+          </a:xfrm>
+          <a:prstGeom prst="rect">
+            <a:avLst/>
+          </a:prstGeom>
+          <a:noFill/>
+        </p:spPr>
+        <p:txBody>
+          <a:bodyPr wrap="square" rtlCol="0">
+            <a:spAutoFit/>
+          </a:bodyPr>
+          <a:lstStyle/>
+          <a:p>
+            <a:r>
+              <a:rPr lang="en-US" altLang="zh-CN" dirty="0"/>
+              <a:t>(“Gravitational Lensing’, Jonathan Pritchard)</a:t>
+            </a:r>
+            <a:endParaRPr lang="zh-CN" altLang="en-US" dirty="0"/>
+          </a:p>
+        </p:txBody>
+      </p:sp>
+      <p:pic>
+        <p:nvPicPr>
+          <p:cNvPr id="7" name="图片 6">
+            <a:extLst>
+              <a:ext uri="{FF2B5EF4-FFF2-40B4-BE49-F238E27FC236}">
+                <a16:creationId xmlns:a16="http://schemas.microsoft.com/office/drawing/2014/main" id="{B5C45171-1B36-4C24-B58C-BA1E54787D20}"/>
+              </a:ext>
+            </a:extLst>
+          </p:cNvPr>
+          <p:cNvPicPr>
+            <a:picLocks noChangeAspect="1"/>
+          </p:cNvPicPr>
+          <p:nvPr/>
+        </p:nvPicPr>
+        <p:blipFill>
+          <a:blip r:embed="rId4"/>
+          <a:stretch>
+            <a:fillRect/>
+          </a:stretch>
+        </p:blipFill>
+        <p:spPr>
+          <a:xfrm>
+            <a:off x="7398919" y="1404149"/>
+            <a:ext cx="3026506" cy="1944000"/>
+          </a:xfrm>
+          <a:prstGeom prst="rect">
+            <a:avLst/>
+          </a:prstGeom>
+        </p:spPr>
+      </p:pic>
+      <p:sp>
+        <p:nvSpPr>
+          <p:cNvPr id="8" name="矩形 7">
+            <a:extLst>
+              <a:ext uri="{FF2B5EF4-FFF2-40B4-BE49-F238E27FC236}">
+                <a16:creationId xmlns:a16="http://schemas.microsoft.com/office/drawing/2014/main" id="{2B08909E-D361-4785-AF65-6C1BB16130F9}"/>
+              </a:ext>
+            </a:extLst>
+          </p:cNvPr>
+          <p:cNvSpPr/>
+          <p:nvPr/>
+        </p:nvSpPr>
+        <p:spPr>
+          <a:xfrm>
+            <a:off x="6876197" y="3363743"/>
+            <a:ext cx="4071949" cy="369332"/>
+          </a:xfrm>
+          <a:prstGeom prst="rect">
+            <a:avLst/>
+          </a:prstGeom>
+        </p:spPr>
+        <p:txBody>
+          <a:bodyPr wrap="none">
+            <a:spAutoFit/>
+          </a:bodyPr>
+          <a:lstStyle/>
+          <a:p>
+            <a:r>
+              <a:rPr lang="en-US" altLang="zh-CN" dirty="0"/>
+              <a:t>(“Modern Cosmology”, Scott </a:t>
+            </a:r>
+            <a:r>
+              <a:rPr lang="en-US" altLang="zh-CN" dirty="0" err="1"/>
+              <a:t>Dodelson</a:t>
+            </a:r>
+            <a:r>
+              <a:rPr lang="en-US" altLang="zh-CN" dirty="0"/>
+              <a:t>)</a:t>
+            </a:r>
+            <a:endParaRPr lang="zh-CN" altLang="en-US" dirty="0"/>
+          </a:p>
+        </p:txBody>
+      </p:sp>
+    </p:spTree>
+    <p:extLst>
+      <p:ext uri="{BB962C8B-B14F-4D97-AF65-F5344CB8AC3E}">
+        <p14:creationId xmlns:p14="http://schemas.microsoft.com/office/powerpoint/2010/main" val="1398409937"/>
+      </p:ext>
+    </p:extLst>
+  </p:cSld>
+  <p:clrMapOvr>
+    <a:masterClrMapping/>
+  </p:clrMapOvr>
+</p:sld>
+</file>
+
+<file path=ppt/slides/slide11.xml><?xml version="1.0" encoding="utf-8"?>
+<p:sld xmlns:a="http://schemas.openxmlformats.org/drawingml/2006/main" xmlns:r="http://schemas.openxmlformats.org/officeDocument/2006/relationships" xmlns:p="http://schemas.openxmlformats.org/presentationml/2006/main">
+  <p:cSld>
+    <p:spTree>
+      <p:nvGrpSpPr>
+        <p:cNvPr id="1" name=""/>
+        <p:cNvGrpSpPr/>
+        <p:nvPr/>
+      </p:nvGrpSpPr>
+      <p:grpSpPr>
+        <a:xfrm>
+          <a:off x="0" y="0"/>
+          <a:ext cx="0" cy="0"/>
+          <a:chOff x="0" y="0"/>
+          <a:chExt cx="0" cy="0"/>
+        </a:xfrm>
+      </p:grpSpPr>
+      <p:sp>
+        <p:nvSpPr>
+          <p:cNvPr id="2" name="标题 1">
+            <a:extLst>
+              <a:ext uri="{FF2B5EF4-FFF2-40B4-BE49-F238E27FC236}">
+                <a16:creationId xmlns:a16="http://schemas.microsoft.com/office/drawing/2014/main" id="{092F55C2-0A36-4B9A-99A6-25BC8ED175BA}"/>
+              </a:ext>
+            </a:extLst>
+          </p:cNvPr>
+          <p:cNvSpPr>
+            <a:spLocks noGrp="1"/>
+          </p:cNvSpPr>
+          <p:nvPr>
+            <p:ph type="title"/>
+          </p:nvPr>
+        </p:nvSpPr>
+        <p:spPr>
+          <a:xfrm>
+            <a:off x="838200" y="365126"/>
+            <a:ext cx="10515600" cy="966370"/>
+          </a:xfrm>
+        </p:spPr>
+        <p:txBody>
+          <a:bodyPr/>
+          <a:lstStyle/>
+          <a:p>
+            <a:pPr algn="ctr"/>
+            <a:r>
+              <a:rPr lang="en-US" altLang="zh-CN" dirty="0"/>
+              <a:t>Shear maps </a:t>
+            </a:r>
+            <a:endParaRPr lang="zh-CN" altLang="en-US" dirty="0"/>
+          </a:p>
+        </p:txBody>
+      </p:sp>
+      <p:pic>
+        <p:nvPicPr>
+          <p:cNvPr id="7" name="内容占位符 6">
+            <a:extLst>
+              <a:ext uri="{FF2B5EF4-FFF2-40B4-BE49-F238E27FC236}">
+                <a16:creationId xmlns:a16="http://schemas.microsoft.com/office/drawing/2014/main" id="{CAC017FE-ECCA-4046-AE3A-3640ABBEBFBF}"/>
+              </a:ext>
+            </a:extLst>
+          </p:cNvPr>
+          <p:cNvPicPr>
+            <a:picLocks noGrp="1" noChangeAspect="1"/>
+          </p:cNvPicPr>
+          <p:nvPr>
+            <p:ph idx="1"/>
+          </p:nvPr>
+        </p:nvPicPr>
+        <p:blipFill>
+          <a:blip r:embed="rId2"/>
+          <a:stretch>
+            <a:fillRect/>
+          </a:stretch>
+        </p:blipFill>
+        <p:spPr>
+          <a:xfrm>
+            <a:off x="3393771" y="1331496"/>
+            <a:ext cx="7960029" cy="4874400"/>
+          </a:xfrm>
+          <a:prstGeom prst="rect">
+            <a:avLst/>
+          </a:prstGeom>
+        </p:spPr>
+      </p:pic>
+      <p:sp>
+        <p:nvSpPr>
+          <p:cNvPr id="8" name="文本框 7">
+            <a:extLst>
+              <a:ext uri="{FF2B5EF4-FFF2-40B4-BE49-F238E27FC236}">
+                <a16:creationId xmlns:a16="http://schemas.microsoft.com/office/drawing/2014/main" id="{9A2BA4C9-DA89-4FF3-B985-9E5B21BD4213}"/>
+              </a:ext>
+            </a:extLst>
+          </p:cNvPr>
+          <p:cNvSpPr txBox="1"/>
+          <p:nvPr/>
+        </p:nvSpPr>
+        <p:spPr>
+          <a:xfrm>
+            <a:off x="499621" y="1887677"/>
+            <a:ext cx="2762053" cy="1384995"/>
+          </a:xfrm>
+          <a:prstGeom prst="rect">
+            <a:avLst/>
+          </a:prstGeom>
+          <a:noFill/>
+        </p:spPr>
+        <p:txBody>
+          <a:bodyPr wrap="square" rtlCol="0">
+            <a:spAutoFit/>
+          </a:bodyPr>
+          <a:lstStyle/>
+          <a:p>
+            <a:r>
+              <a:rPr lang="zh-CN" altLang="en-US" sz="2800" dirty="0"/>
+              <a:t>一般而言亮度分布和质量分布大致相同</a:t>
+            </a:r>
+          </a:p>
+        </p:txBody>
+      </p:sp>
+    </p:spTree>
+    <p:extLst>
+      <p:ext uri="{BB962C8B-B14F-4D97-AF65-F5344CB8AC3E}">
+        <p14:creationId xmlns:p14="http://schemas.microsoft.com/office/powerpoint/2010/main" val="3213769381"/>
+      </p:ext>
+    </p:extLst>
+  </p:cSld>
+  <p:clrMapOvr>
+    <a:masterClrMapping/>
+  </p:clrMapOvr>
+</p:sld>
+</file>
+
+<file path=ppt/slides/slide12.xml><?xml version="1.0" encoding="utf-8"?>
+<p:sld xmlns:a="http://schemas.openxmlformats.org/drawingml/2006/main" xmlns:r="http://schemas.openxmlformats.org/officeDocument/2006/relationships" xmlns:p="http://schemas.openxmlformats.org/presentationml/2006/main">
+  <p:cSld>
+    <p:spTree>
+      <p:nvGrpSpPr>
+        <p:cNvPr id="1" name=""/>
+        <p:cNvGrpSpPr/>
+        <p:nvPr/>
+      </p:nvGrpSpPr>
+      <p:grpSpPr>
+        <a:xfrm>
+          <a:off x="0" y="0"/>
+          <a:ext cx="0" cy="0"/>
+          <a:chOff x="0" y="0"/>
+          <a:chExt cx="0" cy="0"/>
+        </a:xfrm>
+      </p:grpSpPr>
+      <p:sp>
+        <p:nvSpPr>
+          <p:cNvPr id="2" name="标题 1">
+            <a:extLst>
+              <a:ext uri="{FF2B5EF4-FFF2-40B4-BE49-F238E27FC236}">
+                <a16:creationId xmlns:a16="http://schemas.microsoft.com/office/drawing/2014/main" id="{1A73F122-9218-4AF0-9C2D-2EB12E23B811}"/>
+              </a:ext>
+            </a:extLst>
+          </p:cNvPr>
+          <p:cNvSpPr>
+            <a:spLocks noGrp="1"/>
+          </p:cNvSpPr>
+          <p:nvPr>
+            <p:ph type="title"/>
+          </p:nvPr>
+        </p:nvSpPr>
+        <p:spPr/>
+        <p:txBody>
+          <a:bodyPr/>
+          <a:lstStyle/>
+          <a:p>
+            <a:r>
+              <a:rPr lang="en-US" altLang="zh-CN" dirty="0"/>
+              <a:t>Bullet Cluster</a:t>
+            </a:r>
+            <a:endParaRPr lang="zh-CN" altLang="en-US" dirty="0"/>
+          </a:p>
+        </p:txBody>
+      </p:sp>
+      <p:pic>
+        <p:nvPicPr>
+          <p:cNvPr id="4" name="内容占位符 3">
+            <a:extLst>
+              <a:ext uri="{FF2B5EF4-FFF2-40B4-BE49-F238E27FC236}">
+                <a16:creationId xmlns:a16="http://schemas.microsoft.com/office/drawing/2014/main" id="{B9E1D14C-8B30-409B-9096-D7CBF1210DB1}"/>
+              </a:ext>
+            </a:extLst>
+          </p:cNvPr>
+          <p:cNvPicPr>
+            <a:picLocks noGrp="1" noChangeAspect="1"/>
+          </p:cNvPicPr>
+          <p:nvPr>
+            <p:ph idx="1"/>
+          </p:nvPr>
+        </p:nvPicPr>
+        <p:blipFill>
+          <a:blip r:embed="rId2"/>
+          <a:stretch>
+            <a:fillRect/>
+          </a:stretch>
+        </p:blipFill>
+        <p:spPr>
+          <a:xfrm>
+            <a:off x="838200" y="1293111"/>
+            <a:ext cx="9678236" cy="4615200"/>
+          </a:xfrm>
+          <a:prstGeom prst="rect">
+            <a:avLst/>
+          </a:prstGeom>
+        </p:spPr>
+      </p:pic>
+      <p:sp>
+        <p:nvSpPr>
+          <p:cNvPr id="5" name="文本框 4">
+            <a:extLst>
+              <a:ext uri="{FF2B5EF4-FFF2-40B4-BE49-F238E27FC236}">
+                <a16:creationId xmlns:a16="http://schemas.microsoft.com/office/drawing/2014/main" id="{C374A55A-A17E-4FAB-ADAD-060AF3163C48}"/>
+              </a:ext>
+            </a:extLst>
+          </p:cNvPr>
+          <p:cNvSpPr txBox="1"/>
+          <p:nvPr/>
+        </p:nvSpPr>
+        <p:spPr>
+          <a:xfrm>
+            <a:off x="953311" y="5972783"/>
+            <a:ext cx="7461115" cy="369332"/>
+          </a:xfrm>
+          <a:prstGeom prst="rect">
+            <a:avLst/>
+          </a:prstGeom>
+          <a:noFill/>
+        </p:spPr>
+        <p:txBody>
+          <a:bodyPr wrap="square" rtlCol="0">
+            <a:spAutoFit/>
+          </a:bodyPr>
+          <a:lstStyle/>
+          <a:p>
+            <a:r>
+              <a:rPr lang="en-US" altLang="zh-CN" dirty="0"/>
+              <a:t>Bullet Cluster</a:t>
+            </a:r>
+            <a:r>
+              <a:rPr lang="zh-CN" altLang="en-US" dirty="0"/>
+              <a:t>的亮度分布和质量分布不一致</a:t>
+            </a:r>
+          </a:p>
+        </p:txBody>
+      </p:sp>
+    </p:spTree>
+    <p:extLst>
+      <p:ext uri="{BB962C8B-B14F-4D97-AF65-F5344CB8AC3E}">
+        <p14:creationId xmlns:p14="http://schemas.microsoft.com/office/powerpoint/2010/main" val="2874827668"/>
+      </p:ext>
+    </p:extLst>
+  </p:cSld>
+  <p:clrMapOvr>
+    <a:masterClrMapping/>
+  </p:clrMapOvr>
+</p:sld>
+</file>
+
 <file path=ppt/slides/slide2.xml><?xml version="1.0" encoding="utf-8"?>
 <p:sld xmlns:a="http://schemas.openxmlformats.org/drawingml/2006/main" xmlns:r="http://schemas.openxmlformats.org/officeDocument/2006/relationships" xmlns:p="http://schemas.openxmlformats.org/presentationml/2006/main">
   <p:cSld>
@@ -3510,8 +5210,8 @@
           </a:p>
         </p:txBody>
       </p:sp>
-      <mc:AlternateContent xmlns:mc="http://schemas.openxmlformats.org/markup-compatibility/2006">
-        <mc:Choice xmlns:a14="http://schemas.microsoft.com/office/drawing/2010/main" Requires="a14">
+      <mc:AlternateContent xmlns:mc="http://schemas.openxmlformats.org/markup-compatibility/2006" xmlns:a14="http://schemas.microsoft.com/office/drawing/2010/main">
+        <mc:Choice Requires="a14">
           <p:sp>
             <p:nvSpPr>
               <p:cNvPr id="6" name="内容占位符 5">
@@ -3563,7 +5263,7 @@
                     <m:f>
                       <m:fPr>
                         <m:ctrlPr>
-                          <a:rPr lang="en-US" altLang="zh-CN" dirty="0" smtClean="0">
+                          <a:rPr lang="en-US" altLang="zh-CN" i="1" dirty="0" smtClean="0">
                             <a:latin typeface="Cambria Math" panose="02040503050406030204" pitchFamily="18" charset="0"/>
                           </a:rPr>
                         </m:ctrlPr>
@@ -3771,7 +5471,7 @@
             </p:txBody>
           </p:sp>
         </mc:Choice>
-        <mc:Fallback>
+        <mc:Fallback xmlns="">
           <p:sp>
             <p:nvSpPr>
               <p:cNvPr id="6" name="内容占位符 5">
@@ -4001,8 +5701,8 @@
           </a:p>
         </p:txBody>
       </p:sp>
-      <mc:AlternateContent xmlns:mc="http://schemas.openxmlformats.org/markup-compatibility/2006">
-        <mc:Choice xmlns:a14="http://schemas.microsoft.com/office/drawing/2010/main" Requires="a14">
+      <mc:AlternateContent xmlns:mc="http://schemas.openxmlformats.org/markup-compatibility/2006" xmlns:a14="http://schemas.microsoft.com/office/drawing/2010/main">
+        <mc:Choice Requires="a14">
           <p:sp>
             <p:nvSpPr>
               <p:cNvPr id="11" name="内容占位符 10">
@@ -4056,7 +5756,7 @@
                       <m:sSup>
                         <m:sSupPr>
                           <m:ctrlPr>
-                            <a:rPr lang="zh-CN" altLang="en-US" smtClean="0">
+                            <a:rPr lang="zh-CN" altLang="en-US" i="1" smtClean="0">
                               <a:latin typeface="Cambria Math" panose="02040503050406030204" pitchFamily="18" charset="0"/>
                             </a:rPr>
                           </m:ctrlPr>
@@ -4314,13 +6014,7 @@
                       <a:rPr lang="en-US" altLang="zh-CN" i="1">
                         <a:latin typeface="Cambria Math" panose="02040503050406030204" pitchFamily="18" charset="0"/>
                       </a:rPr>
-                      <m:t>.</m:t>
-                    </m:r>
-                    <m:r>
-                      <a:rPr lang="en-US" altLang="zh-CN" i="1">
-                        <a:latin typeface="Cambria Math" panose="02040503050406030204" pitchFamily="18" charset="0"/>
-                      </a:rPr>
-                      <m:t>7</m:t>
+                      <m:t>.7</m:t>
                     </m:r>
                   </m:oMath>
                 </a14:m>
@@ -4341,7 +6035,7 @@
             </p:txBody>
           </p:sp>
         </mc:Choice>
-        <mc:Fallback>
+        <mc:Fallback xmlns="">
           <p:sp>
             <p:nvSpPr>
               <p:cNvPr id="11" name="内容占位符 10">
@@ -4439,8 +6133,8 @@
           </a:p>
         </p:txBody>
       </p:sp>
-      <mc:AlternateContent xmlns:mc="http://schemas.openxmlformats.org/markup-compatibility/2006">
-        <mc:Choice xmlns:a14="http://schemas.microsoft.com/office/drawing/2010/main" Requires="a14">
+      <mc:AlternateContent xmlns:mc="http://schemas.openxmlformats.org/markup-compatibility/2006" xmlns:a14="http://schemas.microsoft.com/office/drawing/2010/main">
+        <mc:Choice Requires="a14">
           <p:sp>
             <p:nvSpPr>
               <p:cNvPr id="3" name="内容占位符 2">
@@ -4513,7 +6207,7 @@
                     <m:f>
                       <m:fPr>
                         <m:ctrlPr>
-                          <a:rPr lang="zh-CN" altLang="en-US" sz="2000" dirty="0" smtClean="0">
+                          <a:rPr lang="zh-CN" altLang="en-US" sz="2000" i="1" dirty="0" smtClean="0">
                             <a:latin typeface="Cambria Math" panose="02040503050406030204" pitchFamily="18" charset="0"/>
                           </a:rPr>
                         </m:ctrlPr>
@@ -4545,7 +6239,7 @@
                       <m:radPr>
                         <m:degHide m:val="on"/>
                         <m:ctrlPr>
-                          <a:rPr lang="zh-CN" altLang="en-US" sz="2000" dirty="0" smtClean="0">
+                          <a:rPr lang="zh-CN" altLang="en-US" sz="2000" i="1" dirty="0" smtClean="0">
                             <a:latin typeface="Cambria Math" panose="02040503050406030204" pitchFamily="18" charset="0"/>
                           </a:rPr>
                         </m:ctrlPr>
@@ -5235,14 +6929,10 @@
                       <m:t>β</m:t>
                     </m:r>
                     <m:r>
-                      <a:rPr lang="en-US" altLang="zh-CN" sz="2000" b="0" i="1" dirty="0" smtClean="0"/>
-                      <m:t>≪1</m:t>
-                    </m:r>
-                    <m:r>
                       <a:rPr lang="en-US" altLang="zh-CN" sz="2000" b="0" i="1" dirty="0" smtClean="0">
                         <a:latin typeface="Cambria Math" panose="02040503050406030204" pitchFamily="18" charset="0"/>
                       </a:rPr>
-                      <m:t>′′</m:t>
+                      <m:t>≪1′′</m:t>
                     </m:r>
                     <m:r>
                       <a:rPr lang="zh-CN" altLang="en-US" sz="2000" i="1" dirty="0">
@@ -5266,7 +6956,7 @@
             </p:txBody>
           </p:sp>
         </mc:Choice>
-        <mc:Fallback>
+        <mc:Fallback xmlns="">
           <p:sp>
             <p:nvSpPr>
               <p:cNvPr id="3" name="内容占位符 2">
@@ -5453,7 +7143,7 @@
             <p:spPr/>
             <p:txBody>
               <a:bodyPr>
-                <a:normAutofit/>
+                <a:normAutofit fontScale="92500" lnSpcReduction="10000"/>
               </a:bodyPr>
               <a:lstStyle/>
               <a:p>
@@ -5558,13 +7248,7 @@
                           <a:rPr lang="en-US" altLang="zh-CN" sz="2400" i="1">
                             <a:latin typeface="Cambria Math" panose="02040503050406030204" pitchFamily="18" charset="0"/>
                           </a:rPr>
-                          <m:t>1</m:t>
-                        </m:r>
-                        <m:r>
-                          <a:rPr lang="en-US" altLang="zh-CN" sz="2400" i="1">
-                            <a:latin typeface="Cambria Math" panose="02040503050406030204" pitchFamily="18" charset="0"/>
-                          </a:rPr>
-                          <m:t>0</m:t>
+                          <m:t>10</m:t>
                         </m:r>
                       </m:e>
                       <m:sup>
@@ -5619,8 +7303,252 @@
                       </a:rPr>
                       <m:t>，</m:t>
                     </m:r>
+                    <m:r>
+                      <a:rPr lang="zh-CN" altLang="en-US" sz="2400" i="1">
+                        <a:latin typeface="Cambria Math" panose="02040503050406030204" pitchFamily="18" charset="0"/>
+                      </a:rPr>
+                      <m:t>由</m:t>
+                    </m:r>
                   </m:oMath>
                 </a14:m>
+                <a:endParaRPr lang="en-US" altLang="zh-CN" sz="2400" i="1" dirty="0">
+                  <a:latin typeface="Cambria Math" panose="02040503050406030204" pitchFamily="18" charset="0"/>
+                </a:endParaRPr>
+              </a:p>
+              <a:p>
+                <a:pPr marL="0" indent="0">
+                  <a:buNone/>
+                </a:pPr>
+                <a14:m>
+                  <m:oMath xmlns:m="http://schemas.openxmlformats.org/officeDocument/2006/math">
+                    <m:r>
+                      <a:rPr lang="zh-CN" altLang="en-US" sz="2400" i="1" smtClean="0">
+                        <a:latin typeface="Cambria Math" panose="02040503050406030204" pitchFamily="18" charset="0"/>
+                      </a:rPr>
+                      <m:t>𝛽</m:t>
+                    </m:r>
+                    <m:r>
+                      <a:rPr lang="zh-CN" altLang="en-US" sz="2400" i="1" smtClean="0">
+                        <a:latin typeface="Cambria Math" panose="02040503050406030204" pitchFamily="18" charset="0"/>
+                      </a:rPr>
+                      <m:t>≈</m:t>
+                    </m:r>
+                    <m:sSup>
+                      <m:sSupPr>
+                        <m:ctrlPr>
+                          <a:rPr lang="en-US" altLang="zh-CN" sz="2400" dirty="0" smtClean="0">
+                            <a:latin typeface="Cambria Math" panose="02040503050406030204" pitchFamily="18" charset="0"/>
+                          </a:rPr>
+                        </m:ctrlPr>
+                      </m:sSupPr>
+                      <m:e>
+                        <m:r>
+                          <a:rPr lang="en-US" altLang="zh-CN" sz="2400" dirty="0" smtClean="0">
+                            <a:latin typeface="Cambria Math" panose="02040503050406030204" pitchFamily="18" charset="0"/>
+                          </a:rPr>
+                          <m:t>1</m:t>
+                        </m:r>
+                      </m:e>
+                      <m:sup>
+                        <m:r>
+                          <a:rPr lang="en-US" altLang="zh-CN" sz="2400" i="0" dirty="0" smtClean="0">
+                            <a:latin typeface="Cambria Math" panose="02040503050406030204" pitchFamily="18" charset="0"/>
+                          </a:rPr>
+                          <m:t>′′</m:t>
+                        </m:r>
+                      </m:sup>
+                    </m:sSup>
+                    <m:sSup>
+                      <m:sSupPr>
+                        <m:ctrlPr>
+                          <a:rPr lang="en-US" altLang="zh-CN" sz="2400" i="1" dirty="0" smtClean="0">
+                            <a:latin typeface="Cambria Math" panose="02040503050406030204" pitchFamily="18" charset="0"/>
+                          </a:rPr>
+                        </m:ctrlPr>
+                      </m:sSupPr>
+                      <m:e>
+                        <m:d>
+                          <m:dPr>
+                            <m:ctrlPr>
+                              <a:rPr lang="en-US" altLang="zh-CN" sz="2400" i="1" dirty="0">
+                                <a:latin typeface="Cambria Math" panose="02040503050406030204" pitchFamily="18" charset="0"/>
+                              </a:rPr>
+                            </m:ctrlPr>
+                          </m:dPr>
+                          <m:e>
+                            <m:f>
+                              <m:fPr>
+                                <m:ctrlPr>
+                                  <a:rPr lang="en-US" altLang="zh-CN" sz="2400" i="1" dirty="0">
+                                    <a:latin typeface="Cambria Math" panose="02040503050406030204" pitchFamily="18" charset="0"/>
+                                  </a:rPr>
+                                </m:ctrlPr>
+                              </m:fPr>
+                              <m:num>
+                                <m:r>
+                                  <m:rPr>
+                                    <m:sty m:val="p"/>
+                                  </m:rPr>
+                                  <a:rPr lang="en-US" altLang="zh-CN" sz="2400" i="1" dirty="0">
+                                    <a:latin typeface="Cambria Math" panose="02040503050406030204" pitchFamily="18" charset="0"/>
+                                  </a:rPr>
+                                  <m:t>M</m:t>
+                                </m:r>
+                              </m:num>
+                              <m:den>
+                                <m:sSup>
+                                  <m:sSupPr>
+                                    <m:ctrlPr>
+                                      <a:rPr lang="en-US" altLang="zh-CN" sz="2400" i="1" dirty="0" smtClean="0">
+                                        <a:latin typeface="Cambria Math" panose="02040503050406030204" pitchFamily="18" charset="0"/>
+                                      </a:rPr>
+                                    </m:ctrlPr>
+                                  </m:sSupPr>
+                                  <m:e>
+                                    <m:r>
+                                      <a:rPr lang="en-US" altLang="zh-CN" sz="2400" b="0" i="1" dirty="0" smtClean="0">
+                                        <a:latin typeface="Cambria Math" panose="02040503050406030204" pitchFamily="18" charset="0"/>
+                                      </a:rPr>
+                                      <m:t>10</m:t>
+                                    </m:r>
+                                  </m:e>
+                                  <m:sup>
+                                    <m:r>
+                                      <a:rPr lang="en-US" altLang="zh-CN" sz="2400" b="0" i="1" dirty="0" smtClean="0">
+                                        <a:latin typeface="Cambria Math" panose="02040503050406030204" pitchFamily="18" charset="0"/>
+                                      </a:rPr>
+                                      <m:t>12</m:t>
+                                    </m:r>
+                                  </m:sup>
+                                </m:sSup>
+                                <m:sSub>
+                                  <m:sSubPr>
+                                    <m:ctrlPr>
+                                      <a:rPr lang="en-US" altLang="zh-CN" sz="2400" i="1" dirty="0">
+                                        <a:latin typeface="Cambria Math" panose="02040503050406030204" pitchFamily="18" charset="0"/>
+                                      </a:rPr>
+                                    </m:ctrlPr>
+                                  </m:sSubPr>
+                                  <m:e>
+                                    <m:r>
+                                      <m:rPr>
+                                        <m:sty m:val="p"/>
+                                      </m:rPr>
+                                      <a:rPr lang="en-US" altLang="zh-CN" sz="2400" i="1" dirty="0">
+                                        <a:latin typeface="Cambria Math" panose="02040503050406030204" pitchFamily="18" charset="0"/>
+                                      </a:rPr>
+                                      <m:t>M</m:t>
+                                    </m:r>
+                                  </m:e>
+                                  <m:sub>
+                                    <m:r>
+                                      <m:rPr>
+                                        <m:sty m:val="p"/>
+                                      </m:rPr>
+                                      <a:rPr lang="en-US" altLang="zh-CN" sz="2400" i="1" dirty="0">
+                                        <a:latin typeface="Cambria Math" panose="02040503050406030204" pitchFamily="18" charset="0"/>
+                                      </a:rPr>
+                                      <m:t>So</m:t>
+                                    </m:r>
+                                    <m:r>
+                                      <a:rPr lang="en-US" altLang="zh-CN" sz="2400" i="1" dirty="0">
+                                        <a:latin typeface="Cambria Math" panose="02040503050406030204" pitchFamily="18" charset="0"/>
+                                      </a:rPr>
+                                      <m:t>𝑙𝑎𝑟</m:t>
+                                    </m:r>
+                                  </m:sub>
+                                </m:sSub>
+                              </m:den>
+                            </m:f>
+                          </m:e>
+                        </m:d>
+                      </m:e>
+                      <m:sup>
+                        <m:r>
+                          <a:rPr lang="en-US" altLang="zh-CN" sz="2400" b="0" i="1" dirty="0" smtClean="0">
+                            <a:latin typeface="Cambria Math" panose="02040503050406030204" pitchFamily="18" charset="0"/>
+                          </a:rPr>
+                          <m:t>1/2</m:t>
+                        </m:r>
+                      </m:sup>
+                    </m:sSup>
+                  </m:oMath>
+                </a14:m>
+                <a:r>
+                  <a:rPr lang="en-US" altLang="zh-CN" sz="2400" dirty="0"/>
+                  <a:t> </a:t>
+                </a:r>
+                <a14:m>
+                  <m:oMath xmlns:m="http://schemas.openxmlformats.org/officeDocument/2006/math">
+                    <m:sSup>
+                      <m:sSupPr>
+                        <m:ctrlPr>
+                          <a:rPr lang="en-US" altLang="zh-CN" sz="2400" i="1" dirty="0">
+                            <a:latin typeface="Cambria Math" panose="02040503050406030204" pitchFamily="18" charset="0"/>
+                          </a:rPr>
+                        </m:ctrlPr>
+                      </m:sSupPr>
+                      <m:e>
+                        <m:d>
+                          <m:dPr>
+                            <m:ctrlPr>
+                              <a:rPr lang="en-US" altLang="zh-CN" sz="2400" i="1" dirty="0">
+                                <a:latin typeface="Cambria Math" panose="02040503050406030204" pitchFamily="18" charset="0"/>
+                              </a:rPr>
+                            </m:ctrlPr>
+                          </m:dPr>
+                          <m:e>
+                            <m:f>
+                              <m:fPr>
+                                <m:ctrlPr>
+                                  <a:rPr lang="en-US" altLang="zh-CN" sz="2400" i="1" dirty="0">
+                                    <a:latin typeface="Cambria Math" panose="02040503050406030204" pitchFamily="18" charset="0"/>
+                                  </a:rPr>
+                                </m:ctrlPr>
+                              </m:fPr>
+                              <m:num>
+                                <m:r>
+                                  <a:rPr lang="en-US" altLang="zh-CN" sz="2400" b="0" i="1" dirty="0" smtClean="0">
+                                    <a:latin typeface="Cambria Math" panose="02040503050406030204" pitchFamily="18" charset="0"/>
+                                  </a:rPr>
+                                  <m:t>𝐷</m:t>
+                                </m:r>
+                              </m:num>
+                              <m:den>
+                                <m:r>
+                                  <a:rPr lang="en-US" altLang="zh-CN" sz="2400" b="0" i="1" dirty="0" smtClean="0">
+                                    <a:latin typeface="Cambria Math" panose="02040503050406030204" pitchFamily="18" charset="0"/>
+                                  </a:rPr>
+                                  <m:t>𝐺𝑝𝑐</m:t>
+                                </m:r>
+                              </m:den>
+                            </m:f>
+                          </m:e>
+                        </m:d>
+                      </m:e>
+                      <m:sup>
+                        <m:r>
+                          <a:rPr lang="en-US" altLang="zh-CN" sz="2400" i="1" dirty="0">
+                            <a:latin typeface="Cambria Math" panose="02040503050406030204" pitchFamily="18" charset="0"/>
+                          </a:rPr>
+                          <m:t>-</m:t>
+                        </m:r>
+                        <m:r>
+                          <a:rPr lang="en-US" altLang="zh-CN" sz="2400" i="1" dirty="0">
+                            <a:latin typeface="Cambria Math" panose="02040503050406030204" pitchFamily="18" charset="0"/>
+                          </a:rPr>
+                          <m:t>1/2</m:t>
+                        </m:r>
+                      </m:sup>
+                    </m:sSup>
+                  </m:oMath>
+                </a14:m>
+                <a:endParaRPr lang="en-US" altLang="zh-CN" sz="2400" dirty="0"/>
+              </a:p>
+              <a:p>
+                <a:pPr marL="0" indent="0">
+                  <a:buNone/>
+                </a:pPr>
                 <a:r>
                   <a:rPr lang="zh-CN" altLang="en-US" sz="2400" dirty="0"/>
                   <a:t>仍无法产生可观的效应。</a:t>
@@ -5701,13 +7629,7 @@
                           <a:rPr lang="en-US" altLang="zh-CN" sz="2400" i="1">
                             <a:latin typeface="Cambria Math" panose="02040503050406030204" pitchFamily="18" charset="0"/>
                           </a:rPr>
-                          <m:t>1</m:t>
-                        </m:r>
-                        <m:r>
-                          <a:rPr lang="en-US" altLang="zh-CN" sz="2400" i="1">
-                            <a:latin typeface="Cambria Math" panose="02040503050406030204" pitchFamily="18" charset="0"/>
-                          </a:rPr>
-                          <m:t>1</m:t>
+                          <m:t>11</m:t>
                         </m:r>
                       </m:sup>
                     </m:sSup>
@@ -5779,7 +7701,7 @@
               <a:blipFill>
                 <a:blip r:embed="rId2"/>
                 <a:stretch>
-                  <a:fillRect l="-1882" t="-1821"/>
+                  <a:fillRect l="-1529" t="-2101"/>
                 </a:stretch>
               </a:blipFill>
             </p:spPr>
@@ -5830,6 +7752,42 @@
           </a:prstGeom>
         </p:spPr>
       </p:pic>
+      <p:sp>
+        <p:nvSpPr>
+          <p:cNvPr id="3" name="文本框 2">
+            <a:extLst>
+              <a:ext uri="{FF2B5EF4-FFF2-40B4-BE49-F238E27FC236}">
+                <a16:creationId xmlns:a16="http://schemas.microsoft.com/office/drawing/2014/main" id="{690844A5-E0F5-4FE4-A1FD-2BA4E7B1BB0D}"/>
+              </a:ext>
+            </a:extLst>
+          </p:cNvPr>
+          <p:cNvSpPr txBox="1"/>
+          <p:nvPr/>
+        </p:nvSpPr>
+        <p:spPr>
+          <a:xfrm>
+            <a:off x="8070954" y="6176963"/>
+            <a:ext cx="3282846" cy="369332"/>
+          </a:xfrm>
+          <a:prstGeom prst="rect">
+            <a:avLst/>
+          </a:prstGeom>
+          <a:noFill/>
+        </p:spPr>
+        <p:txBody>
+          <a:bodyPr wrap="square" rtlCol="0">
+            <a:spAutoFit/>
+          </a:bodyPr>
+          <a:lstStyle/>
+          <a:p>
+            <a:r>
+              <a:rPr lang="en-US" altLang="zh-CN" dirty="0"/>
+              <a:t>Fritz Zwicky</a:t>
+            </a:r>
+            <a:endParaRPr lang="zh-CN" altLang="en-US" dirty="0"/>
+          </a:p>
+        </p:txBody>
+      </p:sp>
     </p:spTree>
     <p:extLst>
       <p:ext uri="{BB962C8B-B14F-4D97-AF65-F5344CB8AC3E}">
@@ -5989,7 +7947,1227 @@
           <a:bodyPr/>
           <a:lstStyle/>
           <a:p>
+            <a:r>
+              <a:rPr lang="zh-CN" altLang="en-US" dirty="0"/>
+              <a:t>微引力透镜</a:t>
+            </a:r>
+          </a:p>
+        </p:txBody>
+      </p:sp>
+      <mc:AlternateContent xmlns:mc="http://schemas.openxmlformats.org/markup-compatibility/2006">
+        <mc:Choice xmlns:a14="http://schemas.microsoft.com/office/drawing/2010/main" Requires="a14">
+          <p:sp>
+            <p:nvSpPr>
+              <p:cNvPr id="8" name="内容占位符 7">
+                <a:extLst>
+                  <a:ext uri="{FF2B5EF4-FFF2-40B4-BE49-F238E27FC236}">
+                    <a16:creationId xmlns:a16="http://schemas.microsoft.com/office/drawing/2014/main" id="{D71B3D70-9008-4A97-BCA2-A45E367BBCD9}"/>
+                  </a:ext>
+                </a:extLst>
+              </p:cNvPr>
+              <p:cNvSpPr>
+                <a:spLocks noGrp="1"/>
+              </p:cNvSpPr>
+              <p:nvPr>
+                <p:ph sz="half" idx="1"/>
+              </p:nvPr>
+            </p:nvSpPr>
+            <p:spPr/>
+            <p:txBody>
+              <a:bodyPr>
+                <a:normAutofit/>
+              </a:bodyPr>
+              <a:lstStyle/>
+              <a:p>
+                <a:pPr marL="0" indent="0">
+                  <a:buNone/>
+                </a:pPr>
+                <a:r>
+                  <a:rPr lang="zh-CN" altLang="en-US" sz="2000" dirty="0"/>
+                  <a:t>观测到的光度变化由下式给出：</a:t>
+                </a:r>
+                <a:endParaRPr lang="en-US" altLang="zh-CN" sz="2000" dirty="0"/>
+              </a:p>
+              <a:p>
+                <a:pPr marL="0" indent="0">
+                  <a:buNone/>
+                </a:pPr>
+                <a14:m>
+                  <m:oMathPara xmlns:m="http://schemas.openxmlformats.org/officeDocument/2006/math">
+                    <m:oMathParaPr>
+                      <m:jc m:val="centerGroup"/>
+                    </m:oMathParaPr>
+                    <m:oMath xmlns:m="http://schemas.openxmlformats.org/officeDocument/2006/math">
+                      <m:r>
+                        <a:rPr lang="en-US" altLang="zh-CN" sz="2000" b="0" i="1" smtClean="0">
+                          <a:latin typeface="Cambria Math" panose="02040503050406030204" pitchFamily="18" charset="0"/>
+                        </a:rPr>
+                        <m:t>𝑙</m:t>
+                      </m:r>
+                      <m:r>
+                        <a:rPr lang="en-US" altLang="zh-CN" sz="2000" b="0" i="1" smtClean="0">
+                          <a:latin typeface="Cambria Math" panose="02040503050406030204" pitchFamily="18" charset="0"/>
+                        </a:rPr>
+                        <m:t>=</m:t>
+                      </m:r>
+                      <m:f>
+                        <m:fPr>
+                          <m:ctrlPr>
+                            <a:rPr lang="en-US" altLang="zh-CN" sz="2000" b="0" i="1" smtClean="0">
+                              <a:latin typeface="Cambria Math" panose="02040503050406030204" pitchFamily="18" charset="0"/>
+                            </a:rPr>
+                          </m:ctrlPr>
+                        </m:fPr>
+                        <m:num>
+                          <m:sSub>
+                            <m:sSubPr>
+                              <m:ctrlPr>
+                                <a:rPr lang="en-US" altLang="zh-CN" sz="2000" b="0" i="1" smtClean="0">
+                                  <a:latin typeface="Cambria Math" panose="02040503050406030204" pitchFamily="18" charset="0"/>
+                                </a:rPr>
+                              </m:ctrlPr>
+                            </m:sSubPr>
+                            <m:e>
+                              <m:r>
+                                <a:rPr lang="en-US" altLang="zh-CN" sz="2000" b="0" i="1" smtClean="0">
+                                  <a:latin typeface="Cambria Math" panose="02040503050406030204" pitchFamily="18" charset="0"/>
+                                </a:rPr>
+                                <m:t>𝑙</m:t>
+                              </m:r>
+                            </m:e>
+                            <m:sub>
+                              <m:r>
+                                <a:rPr lang="en-US" altLang="zh-CN" sz="2000" b="0" i="1" smtClean="0">
+                                  <a:latin typeface="Cambria Math" panose="02040503050406030204" pitchFamily="18" charset="0"/>
+                                </a:rPr>
+                                <m:t>0</m:t>
+                              </m:r>
+                            </m:sub>
+                          </m:sSub>
+                        </m:num>
+                        <m:den>
+                          <m:d>
+                            <m:dPr>
+                              <m:begChr m:val="|"/>
+                              <m:endChr m:val="|"/>
+                              <m:ctrlPr>
+                                <a:rPr lang="en-US" altLang="zh-CN" sz="2000" b="0" i="1" smtClean="0">
+                                  <a:latin typeface="Cambria Math" panose="02040503050406030204" pitchFamily="18" charset="0"/>
+                                </a:rPr>
+                              </m:ctrlPr>
+                            </m:dPr>
+                            <m:e>
+                              <m:r>
+                                <a:rPr lang="en-US" altLang="zh-CN" sz="2000" b="0" i="1" smtClean="0">
+                                  <a:latin typeface="Cambria Math" panose="02040503050406030204" pitchFamily="18" charset="0"/>
+                                </a:rPr>
+                                <m:t>1−</m:t>
+                              </m:r>
+                              <m:sSup>
+                                <m:sSupPr>
+                                  <m:ctrlPr>
+                                    <a:rPr lang="en-US" altLang="zh-CN" sz="2000" b="0" i="1" smtClean="0">
+                                      <a:latin typeface="Cambria Math" panose="02040503050406030204" pitchFamily="18" charset="0"/>
+                                    </a:rPr>
+                                  </m:ctrlPr>
+                                </m:sSupPr>
+                                <m:e>
+                                  <m:sSub>
+                                    <m:sSubPr>
+                                      <m:ctrlPr>
+                                        <a:rPr lang="en-US" altLang="zh-CN" sz="2000" b="0" i="1" smtClean="0">
+                                          <a:latin typeface="Cambria Math" panose="02040503050406030204" pitchFamily="18" charset="0"/>
+                                        </a:rPr>
+                                      </m:ctrlPr>
+                                    </m:sSubPr>
+                                    <m:e>
+                                      <m:r>
+                                        <a:rPr lang="en-US" altLang="zh-CN" sz="2000" b="0" i="1" smtClean="0">
+                                          <a:latin typeface="Cambria Math" panose="02040503050406030204" pitchFamily="18" charset="0"/>
+                                        </a:rPr>
+                                        <m:t>𝛽</m:t>
+                                      </m:r>
+                                    </m:e>
+                                    <m:sub>
+                                      <m:r>
+                                        <a:rPr lang="en-US" altLang="zh-CN" sz="2000" b="0" i="1" smtClean="0">
+                                          <a:latin typeface="Cambria Math" panose="02040503050406030204" pitchFamily="18" charset="0"/>
+                                        </a:rPr>
+                                        <m:t>𝐸</m:t>
+                                      </m:r>
+                                    </m:sub>
+                                  </m:sSub>
+                                </m:e>
+                                <m:sup>
+                                  <m:r>
+                                    <a:rPr lang="en-US" altLang="zh-CN" sz="2000" b="0" i="1" smtClean="0">
+                                      <a:latin typeface="Cambria Math" panose="02040503050406030204" pitchFamily="18" charset="0"/>
+                                    </a:rPr>
+                                    <m:t>4</m:t>
+                                  </m:r>
+                                </m:sup>
+                              </m:sSup>
+                              <m:r>
+                                <a:rPr lang="en-US" altLang="zh-CN" sz="2000" b="0" i="1" smtClean="0">
+                                  <a:latin typeface="Cambria Math" panose="02040503050406030204" pitchFamily="18" charset="0"/>
+                                </a:rPr>
+                                <m:t>/</m:t>
+                              </m:r>
+                              <m:sSup>
+                                <m:sSupPr>
+                                  <m:ctrlPr>
+                                    <a:rPr lang="en-US" altLang="zh-CN" sz="2000" b="0" i="1" smtClean="0">
+                                      <a:latin typeface="Cambria Math" panose="02040503050406030204" pitchFamily="18" charset="0"/>
+                                    </a:rPr>
+                                  </m:ctrlPr>
+                                </m:sSupPr>
+                                <m:e>
+                                  <m:r>
+                                    <a:rPr lang="zh-CN" altLang="en-US" sz="2000" b="0" i="1" smtClean="0">
+                                      <a:latin typeface="Cambria Math" panose="02040503050406030204" pitchFamily="18" charset="0"/>
+                                    </a:rPr>
+                                    <m:t>𝛽</m:t>
+                                  </m:r>
+                                </m:e>
+                                <m:sup>
+                                  <m:r>
+                                    <a:rPr lang="en-US" altLang="zh-CN" sz="2000" b="0" i="1" smtClean="0">
+                                      <a:latin typeface="Cambria Math" panose="02040503050406030204" pitchFamily="18" charset="0"/>
+                                    </a:rPr>
+                                    <m:t>4</m:t>
+                                  </m:r>
+                                </m:sup>
+                              </m:sSup>
+                            </m:e>
+                          </m:d>
+                        </m:den>
+                      </m:f>
+                    </m:oMath>
+                  </m:oMathPara>
+                </a14:m>
+                <a:endParaRPr lang="en-US" altLang="zh-CN" sz="2000" dirty="0"/>
+              </a:p>
+              <a:p>
+                <a:pPr marL="0" indent="0">
+                  <a:buNone/>
+                </a:pPr>
+                <a:r>
+                  <a:rPr lang="zh-CN" altLang="en-US" sz="2000" dirty="0"/>
+                  <a:t>其中</a:t>
+                </a:r>
+                <a:endParaRPr lang="en-US" altLang="zh-CN" sz="2000" dirty="0"/>
+              </a:p>
+              <a:p>
+                <a:pPr marL="0" indent="0">
+                  <a:buNone/>
+                </a:pPr>
+                <a14:m>
+                  <m:oMathPara xmlns:m="http://schemas.openxmlformats.org/officeDocument/2006/math">
+                    <m:oMathParaPr>
+                      <m:jc m:val="centerGroup"/>
+                    </m:oMathParaPr>
+                    <m:oMath xmlns:m="http://schemas.openxmlformats.org/officeDocument/2006/math">
+                      <m:sSub>
+                        <m:sSubPr>
+                          <m:ctrlPr>
+                            <a:rPr lang="zh-CN" altLang="en-US" sz="2000" i="1">
+                              <a:latin typeface="Cambria Math" panose="02040503050406030204" pitchFamily="18" charset="0"/>
+                            </a:rPr>
+                          </m:ctrlPr>
+                        </m:sSubPr>
+                        <m:e>
+                          <m:r>
+                            <a:rPr lang="zh-CN" altLang="en-US" sz="2000" i="1">
+                              <a:latin typeface="Cambria Math" panose="02040503050406030204" pitchFamily="18" charset="0"/>
+                            </a:rPr>
+                            <m:t>𝛽</m:t>
+                          </m:r>
+                        </m:e>
+                        <m:sub>
+                          <m:r>
+                            <a:rPr lang="zh-CN" altLang="en-US" sz="2000" i="1">
+                              <a:latin typeface="Cambria Math" panose="02040503050406030204" pitchFamily="18" charset="0"/>
+                            </a:rPr>
+                            <m:t>±</m:t>
+                          </m:r>
+                        </m:sub>
+                      </m:sSub>
+                      <m:r>
+                        <a:rPr lang="en-US" altLang="zh-CN" sz="2000" i="1">
+                          <a:latin typeface="Cambria Math" panose="02040503050406030204" pitchFamily="18" charset="0"/>
+                        </a:rPr>
+                        <m:t>=</m:t>
+                      </m:r>
+                      <m:f>
+                        <m:fPr>
+                          <m:ctrlPr>
+                            <a:rPr lang="zh-CN" altLang="en-US" sz="2000" i="1" dirty="0">
+                              <a:latin typeface="Cambria Math" panose="02040503050406030204" pitchFamily="18" charset="0"/>
+                            </a:rPr>
+                          </m:ctrlPr>
+                        </m:fPr>
+                        <m:num>
+                          <m:r>
+                            <a:rPr lang="zh-CN" altLang="en-US" sz="2000" i="1" dirty="0">
+                              <a:latin typeface="Cambria Math" panose="02040503050406030204" pitchFamily="18" charset="0"/>
+                            </a:rPr>
+                            <m:t>𝛼</m:t>
+                          </m:r>
+                        </m:num>
+                        <m:den>
+                          <m:r>
+                            <a:rPr lang="zh-CN" altLang="en-US" sz="2000" dirty="0">
+                              <a:latin typeface="Cambria Math" panose="02040503050406030204" pitchFamily="18" charset="0"/>
+                            </a:rPr>
+                            <m:t>2</m:t>
+                          </m:r>
+                        </m:den>
+                      </m:f>
+                      <m:r>
+                        <a:rPr lang="zh-CN" altLang="en-US" sz="2000" dirty="0">
+                          <a:latin typeface="Cambria Math" panose="02040503050406030204" pitchFamily="18" charset="0"/>
+                        </a:rPr>
+                        <m:t>±</m:t>
+                      </m:r>
+                      <m:rad>
+                        <m:radPr>
+                          <m:degHide m:val="on"/>
+                          <m:ctrlPr>
+                            <a:rPr lang="zh-CN" altLang="en-US" sz="2000" i="1" dirty="0">
+                              <a:latin typeface="Cambria Math" panose="02040503050406030204" pitchFamily="18" charset="0"/>
+                            </a:rPr>
+                          </m:ctrlPr>
+                        </m:radPr>
+                        <m:deg/>
+                        <m:e>
+                          <m:f>
+                            <m:fPr>
+                              <m:ctrlPr>
+                                <a:rPr lang="zh-CN" altLang="en-US" sz="2000" i="1" dirty="0">
+                                  <a:latin typeface="Cambria Math" panose="02040503050406030204" pitchFamily="18" charset="0"/>
+                                </a:rPr>
+                              </m:ctrlPr>
+                            </m:fPr>
+                            <m:num>
+                              <m:sSup>
+                                <m:sSupPr>
+                                  <m:ctrlPr>
+                                    <a:rPr lang="zh-CN" altLang="en-US" sz="2000" i="1" dirty="0">
+                                      <a:latin typeface="Cambria Math" panose="02040503050406030204" pitchFamily="18" charset="0"/>
+                                    </a:rPr>
+                                  </m:ctrlPr>
+                                </m:sSupPr>
+                                <m:e>
+                                  <m:r>
+                                    <a:rPr lang="zh-CN" altLang="en-US" sz="2000" i="1" dirty="0">
+                                      <a:latin typeface="Cambria Math" panose="02040503050406030204" pitchFamily="18" charset="0"/>
+                                    </a:rPr>
+                                    <m:t>𝛼</m:t>
+                                  </m:r>
+                                </m:e>
+                                <m:sup>
+                                  <m:r>
+                                    <a:rPr lang="zh-CN" altLang="en-US" sz="2000" i="1" dirty="0">
+                                      <a:latin typeface="Cambria Math" panose="02040503050406030204" pitchFamily="18" charset="0"/>
+                                    </a:rPr>
+                                    <m:t>2</m:t>
+                                  </m:r>
+                                </m:sup>
+                              </m:sSup>
+                            </m:num>
+                            <m:den>
+                              <m:r>
+                                <a:rPr lang="zh-CN" altLang="en-US" sz="2000" i="1" dirty="0">
+                                  <a:latin typeface="Cambria Math" panose="02040503050406030204" pitchFamily="18" charset="0"/>
+                                </a:rPr>
+                                <m:t>4</m:t>
+                              </m:r>
+                            </m:den>
+                          </m:f>
+                          <m:r>
+                            <a:rPr lang="en-US" altLang="zh-CN" sz="2000" i="1" dirty="0">
+                              <a:latin typeface="Cambria Math" panose="02040503050406030204" pitchFamily="18" charset="0"/>
+                            </a:rPr>
+                            <m:t>+</m:t>
+                          </m:r>
+                          <m:sSubSup>
+                            <m:sSubSupPr>
+                              <m:ctrlPr>
+                                <a:rPr lang="zh-CN" altLang="en-US" sz="2000" i="1" dirty="0">
+                                  <a:latin typeface="Cambria Math" panose="02040503050406030204" pitchFamily="18" charset="0"/>
+                                </a:rPr>
+                              </m:ctrlPr>
+                            </m:sSubSupPr>
+                            <m:e>
+                              <m:r>
+                                <a:rPr lang="zh-CN" altLang="en-US" sz="2000" i="1" dirty="0">
+                                  <a:latin typeface="Cambria Math" panose="02040503050406030204" pitchFamily="18" charset="0"/>
+                                </a:rPr>
+                                <m:t>𝛽</m:t>
+                              </m:r>
+                            </m:e>
+                            <m:sub>
+                              <m:r>
+                                <a:rPr lang="zh-CN" altLang="en-US" sz="2000" i="1" dirty="0">
+                                  <a:latin typeface="Cambria Math" panose="02040503050406030204" pitchFamily="18" charset="0"/>
+                                </a:rPr>
+                                <m:t>𝐸</m:t>
+                              </m:r>
+                            </m:sub>
+                            <m:sup>
+                              <m:r>
+                                <a:rPr lang="zh-CN" altLang="en-US" sz="2000" i="1" dirty="0">
+                                  <a:latin typeface="Cambria Math" panose="02040503050406030204" pitchFamily="18" charset="0"/>
+                                </a:rPr>
+                                <m:t>2</m:t>
+                              </m:r>
+                            </m:sup>
+                          </m:sSubSup>
+                        </m:e>
+                      </m:rad>
+                    </m:oMath>
+                  </m:oMathPara>
+                </a14:m>
+                <a:endParaRPr lang="en-US" altLang="zh-CN" sz="2000" dirty="0"/>
+              </a:p>
+              <a:p>
+                <a:pPr marL="0" indent="0">
+                  <a:buNone/>
+                </a:pPr>
+                <a:r>
+                  <a:rPr lang="zh-CN" altLang="en-US" sz="2000" dirty="0"/>
+                  <a:t>故当</a:t>
+                </a:r>
+                <a:r>
+                  <a:rPr lang="el-GR" altLang="zh-CN" sz="2000" dirty="0"/>
+                  <a:t>α</a:t>
+                </a:r>
+                <a:r>
+                  <a:rPr lang="zh-CN" altLang="en-US" sz="2000" dirty="0"/>
+                  <a:t>变化时，</a:t>
+                </a:r>
+                <a:r>
+                  <a:rPr lang="en-US" altLang="zh-CN" sz="2000" dirty="0"/>
+                  <a:t> </a:t>
+                </a:r>
+                <a14:m>
+                  <m:oMath xmlns:m="http://schemas.openxmlformats.org/officeDocument/2006/math">
+                    <m:r>
+                      <a:rPr lang="en-US" altLang="zh-CN" sz="2000" i="1">
+                        <a:latin typeface="Cambria Math" panose="02040503050406030204" pitchFamily="18" charset="0"/>
+                      </a:rPr>
+                      <m:t>𝑙</m:t>
+                    </m:r>
+                    <m:r>
+                      <a:rPr lang="zh-CN" altLang="en-US" sz="2000" i="1" smtClean="0">
+                        <a:latin typeface="Cambria Math" panose="02040503050406030204" pitchFamily="18" charset="0"/>
+                      </a:rPr>
+                      <m:t>也会</m:t>
+                    </m:r>
+                  </m:oMath>
+                </a14:m>
+                <a:r>
+                  <a:rPr lang="zh-CN" altLang="en-US" sz="2000" dirty="0"/>
+                  <a:t>随着变化。</a:t>
+                </a:r>
+                <a:endParaRPr lang="en-US" altLang="zh-CN" sz="2000" dirty="0"/>
+              </a:p>
+              <a:p>
+                <a:pPr marL="0" indent="0">
+                  <a:buNone/>
+                </a:pPr>
+                <a:endParaRPr lang="zh-CN" altLang="en-US" dirty="0"/>
+              </a:p>
+            </p:txBody>
+          </p:sp>
+        </mc:Choice>
+        <mc:Fallback>
+          <p:sp>
+            <p:nvSpPr>
+              <p:cNvPr id="8" name="内容占位符 7">
+                <a:extLst>
+                  <a:ext uri="{FF2B5EF4-FFF2-40B4-BE49-F238E27FC236}">
+                    <a16:creationId xmlns:a16="http://schemas.microsoft.com/office/drawing/2014/main" id="{D71B3D70-9008-4A97-BCA2-A45E367BBCD9}"/>
+                  </a:ext>
+                </a:extLst>
+              </p:cNvPr>
+              <p:cNvSpPr>
+                <a:spLocks noGrp="1" noRot="1" noChangeAspect="1" noMove="1" noResize="1" noEditPoints="1" noAdjustHandles="1" noChangeArrowheads="1" noChangeShapeType="1" noTextEdit="1"/>
+              </p:cNvSpPr>
+              <p:nvPr>
+                <p:ph sz="half" idx="1"/>
+              </p:nvPr>
+            </p:nvSpPr>
+            <p:spPr>
+              <a:blipFill>
+                <a:blip r:embed="rId2"/>
+                <a:stretch>
+                  <a:fillRect l="-1294" t="-1401"/>
+                </a:stretch>
+              </a:blipFill>
+            </p:spPr>
+            <p:txBody>
+              <a:bodyPr/>
+              <a:lstStyle/>
+              <a:p>
+                <a:r>
+                  <a:rPr lang="zh-CN" altLang="en-US">
+                    <a:noFill/>
+                  </a:rPr>
+                  <a:t> </a:t>
+                </a:r>
+              </a:p>
+            </p:txBody>
+          </p:sp>
+        </mc:Fallback>
+      </mc:AlternateContent>
+      <p:sp>
+        <p:nvSpPr>
+          <p:cNvPr id="9" name="内容占位符 8">
+            <a:extLst>
+              <a:ext uri="{FF2B5EF4-FFF2-40B4-BE49-F238E27FC236}">
+                <a16:creationId xmlns:a16="http://schemas.microsoft.com/office/drawing/2014/main" id="{5DD98F60-68CF-42DB-87FF-890DECEDAFC1}"/>
+              </a:ext>
+            </a:extLst>
+          </p:cNvPr>
+          <p:cNvSpPr>
+            <a:spLocks noGrp="1"/>
+          </p:cNvSpPr>
+          <p:nvPr>
+            <p:ph sz="half" idx="2"/>
+          </p:nvPr>
+        </p:nvSpPr>
+        <p:spPr/>
+        <p:txBody>
+          <a:bodyPr>
+            <a:normAutofit/>
+          </a:bodyPr>
+          <a:lstStyle/>
+          <a:p>
             <a:endParaRPr lang="zh-CN" altLang="en-US"/>
+          </a:p>
+        </p:txBody>
+      </p:sp>
+      <p:pic>
+        <p:nvPicPr>
+          <p:cNvPr id="7" name="图片 6">
+            <a:extLst>
+              <a:ext uri="{FF2B5EF4-FFF2-40B4-BE49-F238E27FC236}">
+                <a16:creationId xmlns:a16="http://schemas.microsoft.com/office/drawing/2014/main" id="{99008359-C56A-4E68-81FE-2FE3C8F77553}"/>
+              </a:ext>
+            </a:extLst>
+          </p:cNvPr>
+          <p:cNvPicPr>
+            <a:picLocks noChangeAspect="1"/>
+          </p:cNvPicPr>
+          <p:nvPr/>
+        </p:nvPicPr>
+        <p:blipFill>
+          <a:blip r:embed="rId3"/>
+          <a:stretch>
+            <a:fillRect/>
+          </a:stretch>
+        </p:blipFill>
+        <p:spPr>
+          <a:xfrm>
+            <a:off x="6565692" y="1690688"/>
+            <a:ext cx="4377128" cy="4478337"/>
+          </a:xfrm>
+          <a:prstGeom prst="rect">
+            <a:avLst/>
+          </a:prstGeom>
+        </p:spPr>
+      </p:pic>
+      <p:pic>
+        <p:nvPicPr>
+          <p:cNvPr id="10" name="内容占位符 6">
+            <a:extLst>
+              <a:ext uri="{FF2B5EF4-FFF2-40B4-BE49-F238E27FC236}">
+                <a16:creationId xmlns:a16="http://schemas.microsoft.com/office/drawing/2014/main" id="{F670D922-420F-4D39-B0E7-3DB0CF39B115}"/>
+              </a:ext>
+            </a:extLst>
+          </p:cNvPr>
+          <p:cNvPicPr>
+            <a:picLocks noChangeAspect="1"/>
+          </p:cNvPicPr>
+          <p:nvPr/>
+        </p:nvPicPr>
+        <p:blipFill>
+          <a:blip r:embed="rId4"/>
+          <a:stretch>
+            <a:fillRect/>
+          </a:stretch>
+        </p:blipFill>
+        <p:spPr>
+          <a:xfrm>
+            <a:off x="609600" y="4355515"/>
+            <a:ext cx="5956092" cy="1948447"/>
+          </a:xfrm>
+          <a:prstGeom prst="rect">
+            <a:avLst/>
+          </a:prstGeom>
+        </p:spPr>
+      </p:pic>
+    </p:spTree>
+    <p:extLst>
+      <p:ext uri="{BB962C8B-B14F-4D97-AF65-F5344CB8AC3E}">
+        <p14:creationId xmlns:p14="http://schemas.microsoft.com/office/powerpoint/2010/main" val="1232907998"/>
+      </p:ext>
+    </p:extLst>
+  </p:cSld>
+  <p:clrMapOvr>
+    <a:masterClrMapping/>
+  </p:clrMapOvr>
+</p:sld>
+</file>
+
+<file path=ppt/slides/slide8.xml><?xml version="1.0" encoding="utf-8"?>
+<p:sld xmlns:a="http://schemas.openxmlformats.org/drawingml/2006/main" xmlns:r="http://schemas.openxmlformats.org/officeDocument/2006/relationships" xmlns:p="http://schemas.openxmlformats.org/presentationml/2006/main">
+  <p:cSld>
+    <p:spTree>
+      <p:nvGrpSpPr>
+        <p:cNvPr id="1" name=""/>
+        <p:cNvGrpSpPr/>
+        <p:nvPr/>
+      </p:nvGrpSpPr>
+      <p:grpSpPr>
+        <a:xfrm>
+          <a:off x="0" y="0"/>
+          <a:ext cx="0" cy="0"/>
+          <a:chOff x="0" y="0"/>
+          <a:chExt cx="0" cy="0"/>
+        </a:xfrm>
+      </p:grpSpPr>
+      <p:sp>
+        <p:nvSpPr>
+          <p:cNvPr id="2" name="标题 1">
+            <a:extLst>
+              <a:ext uri="{FF2B5EF4-FFF2-40B4-BE49-F238E27FC236}">
+                <a16:creationId xmlns:a16="http://schemas.microsoft.com/office/drawing/2014/main" id="{844C89A7-99B1-40EA-B0F5-57C4911774FA}"/>
+              </a:ext>
+            </a:extLst>
+          </p:cNvPr>
+          <p:cNvSpPr>
+            <a:spLocks noGrp="1"/>
+          </p:cNvSpPr>
+          <p:nvPr>
+            <p:ph type="title"/>
+          </p:nvPr>
+        </p:nvSpPr>
+        <p:spPr/>
+        <p:txBody>
+          <a:bodyPr/>
+          <a:lstStyle/>
+          <a:p>
+            <a:r>
+              <a:rPr lang="zh-CN" altLang="en-US" dirty="0"/>
+              <a:t>弱引力透镜</a:t>
+            </a:r>
+          </a:p>
+        </p:txBody>
+      </p:sp>
+      <mc:AlternateContent xmlns:mc="http://schemas.openxmlformats.org/markup-compatibility/2006">
+        <mc:Choice xmlns:a14="http://schemas.microsoft.com/office/drawing/2010/main" Requires="a14">
+          <p:sp>
+            <p:nvSpPr>
+              <p:cNvPr id="3" name="内容占位符 2">
+                <a:extLst>
+                  <a:ext uri="{FF2B5EF4-FFF2-40B4-BE49-F238E27FC236}">
+                    <a16:creationId xmlns:a16="http://schemas.microsoft.com/office/drawing/2014/main" id="{D75D166D-5B57-4B2A-8743-3F3536895461}"/>
+                  </a:ext>
+                </a:extLst>
+              </p:cNvPr>
+              <p:cNvSpPr>
+                <a:spLocks noGrp="1"/>
+              </p:cNvSpPr>
+              <p:nvPr>
+                <p:ph sz="half" idx="1"/>
+              </p:nvPr>
+            </p:nvSpPr>
+            <p:spPr/>
+            <p:txBody>
+              <a:bodyPr>
+                <a:normAutofit fontScale="92500" lnSpcReduction="20000"/>
+              </a:bodyPr>
+              <a:lstStyle/>
+              <a:p>
+                <a:pPr marL="0" indent="0">
+                  <a:buNone/>
+                </a:pPr>
+                <a:r>
+                  <a:rPr lang="zh-CN" altLang="en-US" dirty="0"/>
+                  <a:t>定性分析：</a:t>
+                </a:r>
+                <a:endParaRPr lang="en-US" altLang="zh-CN" dirty="0"/>
+              </a:p>
+              <a:p>
+                <a:pPr marL="0" indent="0">
+                  <a:buNone/>
+                </a:pPr>
+                <a:r>
+                  <a:rPr lang="en-US" altLang="zh-CN" dirty="0"/>
+                  <a:t>1</a:t>
+                </a:r>
+                <a:r>
+                  <a:rPr lang="zh-CN" altLang="en-US" dirty="0"/>
+                  <a:t>，</a:t>
+                </a:r>
+                <a:r>
+                  <a:rPr lang="en-US" altLang="zh-CN" dirty="0"/>
+                  <a:t>Thin Screen Approximation</a:t>
+                </a:r>
+              </a:p>
+              <a:p>
+                <a:pPr marL="0" indent="0">
+                  <a:buNone/>
+                </a:pPr>
+                <a:r>
+                  <a:rPr lang="zh-CN" altLang="en-US" dirty="0"/>
+                  <a:t>总的效果为透镜平面上的引力源的累加。</a:t>
+                </a:r>
+                <a:endParaRPr lang="en-US" altLang="zh-CN" dirty="0"/>
+              </a:p>
+              <a:p>
+                <a:pPr marL="0" indent="0">
+                  <a:buNone/>
+                </a:pPr>
+                <a:r>
+                  <a:rPr lang="en-US" altLang="zh-CN" dirty="0"/>
+                  <a:t>2</a:t>
+                </a:r>
+                <a:r>
+                  <a:rPr lang="zh-CN" altLang="en-US" dirty="0"/>
+                  <a:t>，</a:t>
+                </a:r>
+                <a14:m>
+                  <m:oMath xmlns:m="http://schemas.openxmlformats.org/officeDocument/2006/math">
+                    <m:r>
+                      <a:rPr lang="zh-CN" altLang="en-US" i="1" smtClean="0">
+                        <a:latin typeface="Cambria Math" panose="02040503050406030204" pitchFamily="18" charset="0"/>
+                      </a:rPr>
+                      <m:t>𝛼</m:t>
+                    </m:r>
+                    <m:r>
+                      <a:rPr lang="en-US" altLang="zh-CN" i="1" smtClean="0">
+                        <a:latin typeface="Cambria Math" panose="02040503050406030204" pitchFamily="18" charset="0"/>
+                        <a:ea typeface="Cambria Math" panose="02040503050406030204" pitchFamily="18" charset="0"/>
+                      </a:rPr>
+                      <m:t>≫</m:t>
+                    </m:r>
+                    <m:sSub>
+                      <m:sSubPr>
+                        <m:ctrlPr>
+                          <a:rPr lang="en-US" altLang="zh-CN" i="1" smtClean="0">
+                            <a:latin typeface="Cambria Math" panose="02040503050406030204" pitchFamily="18" charset="0"/>
+                            <a:ea typeface="Cambria Math" panose="02040503050406030204" pitchFamily="18" charset="0"/>
+                          </a:rPr>
+                        </m:ctrlPr>
+                      </m:sSubPr>
+                      <m:e>
+                        <m:r>
+                          <a:rPr lang="zh-CN" altLang="en-US" i="1">
+                            <a:latin typeface="Cambria Math" panose="02040503050406030204" pitchFamily="18" charset="0"/>
+                            <a:ea typeface="Cambria Math" panose="02040503050406030204" pitchFamily="18" charset="0"/>
+                          </a:rPr>
+                          <m:t>𝛽</m:t>
+                        </m:r>
+                      </m:e>
+                      <m:sub>
+                        <m:r>
+                          <m:rPr>
+                            <m:sty m:val="p"/>
+                          </m:rPr>
+                          <a:rPr lang="en-US" altLang="zh-CN" i="1" smtClean="0">
+                            <a:latin typeface="Cambria Math" panose="02040503050406030204" pitchFamily="18" charset="0"/>
+                            <a:ea typeface="Cambria Math" panose="02040503050406030204" pitchFamily="18" charset="0"/>
+                          </a:rPr>
+                          <m:t>E</m:t>
+                        </m:r>
+                      </m:sub>
+                    </m:sSub>
+                  </m:oMath>
+                </a14:m>
+                <a:endParaRPr lang="en-US" altLang="zh-CN" dirty="0"/>
+              </a:p>
+              <a:p>
+                <a:pPr marL="0" indent="0">
+                  <a:buNone/>
+                </a:pPr>
+                <a:r>
+                  <a:rPr lang="zh-CN" altLang="en-US" dirty="0"/>
+                  <a:t>由</a:t>
+                </a:r>
+                <a:endParaRPr lang="en-US" altLang="zh-CN" dirty="0"/>
+              </a:p>
+              <a:p>
+                <a:pPr marL="0" indent="0">
+                  <a:buNone/>
+                </a:pPr>
+                <a14:m>
+                  <m:oMathPara xmlns:m="http://schemas.openxmlformats.org/officeDocument/2006/math">
+                    <m:oMathParaPr>
+                      <m:jc m:val="centerGroup"/>
+                    </m:oMathParaPr>
+                    <m:oMath xmlns:m="http://schemas.openxmlformats.org/officeDocument/2006/math">
+                      <m:r>
+                        <a:rPr lang="en-US" altLang="zh-CN" i="1">
+                          <a:latin typeface="Cambria Math" panose="02040503050406030204" pitchFamily="18" charset="0"/>
+                        </a:rPr>
+                        <m:t>𝑙</m:t>
+                      </m:r>
+                      <m:r>
+                        <a:rPr lang="en-US" altLang="zh-CN" i="1">
+                          <a:latin typeface="Cambria Math" panose="02040503050406030204" pitchFamily="18" charset="0"/>
+                        </a:rPr>
+                        <m:t>=</m:t>
+                      </m:r>
+                      <m:f>
+                        <m:fPr>
+                          <m:ctrlPr>
+                            <a:rPr lang="en-US" altLang="zh-CN" i="1">
+                              <a:latin typeface="Cambria Math" panose="02040503050406030204" pitchFamily="18" charset="0"/>
+                            </a:rPr>
+                          </m:ctrlPr>
+                        </m:fPr>
+                        <m:num>
+                          <m:sSub>
+                            <m:sSubPr>
+                              <m:ctrlPr>
+                                <a:rPr lang="en-US" altLang="zh-CN" i="1">
+                                  <a:latin typeface="Cambria Math" panose="02040503050406030204" pitchFamily="18" charset="0"/>
+                                </a:rPr>
+                              </m:ctrlPr>
+                            </m:sSubPr>
+                            <m:e>
+                              <m:r>
+                                <a:rPr lang="en-US" altLang="zh-CN" i="1">
+                                  <a:latin typeface="Cambria Math" panose="02040503050406030204" pitchFamily="18" charset="0"/>
+                                </a:rPr>
+                                <m:t>𝑙</m:t>
+                              </m:r>
+                            </m:e>
+                            <m:sub>
+                              <m:r>
+                                <a:rPr lang="en-US" altLang="zh-CN" i="1">
+                                  <a:latin typeface="Cambria Math" panose="02040503050406030204" pitchFamily="18" charset="0"/>
+                                </a:rPr>
+                                <m:t>0</m:t>
+                              </m:r>
+                            </m:sub>
+                          </m:sSub>
+                        </m:num>
+                        <m:den>
+                          <m:d>
+                            <m:dPr>
+                              <m:begChr m:val="|"/>
+                              <m:endChr m:val="|"/>
+                              <m:ctrlPr>
+                                <a:rPr lang="en-US" altLang="zh-CN" i="1">
+                                  <a:latin typeface="Cambria Math" panose="02040503050406030204" pitchFamily="18" charset="0"/>
+                                </a:rPr>
+                              </m:ctrlPr>
+                            </m:dPr>
+                            <m:e>
+                              <m:r>
+                                <a:rPr lang="en-US" altLang="zh-CN" i="1">
+                                  <a:latin typeface="Cambria Math" panose="02040503050406030204" pitchFamily="18" charset="0"/>
+                                </a:rPr>
+                                <m:t>1−</m:t>
+                              </m:r>
+                              <m:sSup>
+                                <m:sSupPr>
+                                  <m:ctrlPr>
+                                    <a:rPr lang="en-US" altLang="zh-CN" i="1">
+                                      <a:latin typeface="Cambria Math" panose="02040503050406030204" pitchFamily="18" charset="0"/>
+                                    </a:rPr>
+                                  </m:ctrlPr>
+                                </m:sSupPr>
+                                <m:e>
+                                  <m:sSub>
+                                    <m:sSubPr>
+                                      <m:ctrlPr>
+                                        <a:rPr lang="en-US" altLang="zh-CN" i="1">
+                                          <a:latin typeface="Cambria Math" panose="02040503050406030204" pitchFamily="18" charset="0"/>
+                                        </a:rPr>
+                                      </m:ctrlPr>
+                                    </m:sSubPr>
+                                    <m:e>
+                                      <m:r>
+                                        <a:rPr lang="en-US" altLang="zh-CN" i="1">
+                                          <a:latin typeface="Cambria Math" panose="02040503050406030204" pitchFamily="18" charset="0"/>
+                                        </a:rPr>
+                                        <m:t>𝛽</m:t>
+                                      </m:r>
+                                    </m:e>
+                                    <m:sub>
+                                      <m:r>
+                                        <a:rPr lang="en-US" altLang="zh-CN" i="1">
+                                          <a:latin typeface="Cambria Math" panose="02040503050406030204" pitchFamily="18" charset="0"/>
+                                        </a:rPr>
+                                        <m:t>𝐸</m:t>
+                                      </m:r>
+                                    </m:sub>
+                                  </m:sSub>
+                                </m:e>
+                                <m:sup>
+                                  <m:r>
+                                    <a:rPr lang="en-US" altLang="zh-CN" i="1">
+                                      <a:latin typeface="Cambria Math" panose="02040503050406030204" pitchFamily="18" charset="0"/>
+                                    </a:rPr>
+                                    <m:t>4</m:t>
+                                  </m:r>
+                                </m:sup>
+                              </m:sSup>
+                              <m:r>
+                                <a:rPr lang="en-US" altLang="zh-CN" i="1">
+                                  <a:latin typeface="Cambria Math" panose="02040503050406030204" pitchFamily="18" charset="0"/>
+                                </a:rPr>
+                                <m:t>/</m:t>
+                              </m:r>
+                              <m:sSup>
+                                <m:sSupPr>
+                                  <m:ctrlPr>
+                                    <a:rPr lang="en-US" altLang="zh-CN" i="1">
+                                      <a:latin typeface="Cambria Math" panose="02040503050406030204" pitchFamily="18" charset="0"/>
+                                    </a:rPr>
+                                  </m:ctrlPr>
+                                </m:sSupPr>
+                                <m:e>
+                                  <m:r>
+                                    <a:rPr lang="zh-CN" altLang="en-US" i="1">
+                                      <a:latin typeface="Cambria Math" panose="02040503050406030204" pitchFamily="18" charset="0"/>
+                                    </a:rPr>
+                                    <m:t>𝛽</m:t>
+                                  </m:r>
+                                </m:e>
+                                <m:sup>
+                                  <m:r>
+                                    <a:rPr lang="en-US" altLang="zh-CN" i="1">
+                                      <a:latin typeface="Cambria Math" panose="02040503050406030204" pitchFamily="18" charset="0"/>
+                                    </a:rPr>
+                                    <m:t>4</m:t>
+                                  </m:r>
+                                </m:sup>
+                              </m:sSup>
+                            </m:e>
+                          </m:d>
+                        </m:den>
+                      </m:f>
+                    </m:oMath>
+                  </m:oMathPara>
+                </a14:m>
+                <a:endParaRPr lang="en-US" altLang="zh-CN" dirty="0"/>
+              </a:p>
+              <a:p>
+                <a:pPr marL="0" indent="0">
+                  <a:buNone/>
+                </a:pPr>
+                <a:r>
+                  <a:rPr lang="zh-CN" altLang="en-US" dirty="0"/>
+                  <a:t>可以看到</a:t>
+                </a:r>
+                <a:endParaRPr lang="en-US" altLang="zh-CN" dirty="0"/>
+              </a:p>
+              <a:p>
+                <a:pPr marL="0" indent="0">
+                  <a:buNone/>
+                </a:pPr>
+                <a14:m>
+                  <m:oMathPara xmlns:m="http://schemas.openxmlformats.org/officeDocument/2006/math">
+                    <m:oMathParaPr>
+                      <m:jc m:val="centerGroup"/>
+                    </m:oMathParaPr>
+                    <m:oMath xmlns:m="http://schemas.openxmlformats.org/officeDocument/2006/math">
+                      <m:sSub>
+                        <m:sSubPr>
+                          <m:ctrlPr>
+                            <a:rPr lang="en-US" altLang="zh-CN" b="0" i="1" smtClean="0">
+                              <a:latin typeface="Cambria Math" panose="02040503050406030204" pitchFamily="18" charset="0"/>
+                            </a:rPr>
+                          </m:ctrlPr>
+                        </m:sSubPr>
+                        <m:e>
+                          <m:r>
+                            <a:rPr lang="en-US" altLang="zh-CN" b="0" i="1" smtClean="0">
+                              <a:latin typeface="Cambria Math" panose="02040503050406030204" pitchFamily="18" charset="0"/>
+                            </a:rPr>
+                            <m:t>𝑙</m:t>
+                          </m:r>
+                        </m:e>
+                        <m:sub>
+                          <m:r>
+                            <a:rPr lang="en-US" altLang="zh-CN" b="0" i="1" smtClean="0">
+                              <a:latin typeface="Cambria Math" panose="02040503050406030204" pitchFamily="18" charset="0"/>
+                            </a:rPr>
+                            <m:t>+</m:t>
+                          </m:r>
+                        </m:sub>
+                      </m:sSub>
+                      <m:r>
+                        <a:rPr lang="en-US" altLang="zh-CN" b="0" i="1" smtClean="0">
+                          <a:latin typeface="Cambria Math" panose="02040503050406030204" pitchFamily="18" charset="0"/>
+                          <a:ea typeface="Cambria Math" panose="02040503050406030204" pitchFamily="18" charset="0"/>
+                        </a:rPr>
+                        <m:t>→</m:t>
+                      </m:r>
+                      <m:sSub>
+                        <m:sSubPr>
+                          <m:ctrlPr>
+                            <a:rPr lang="en-US" altLang="zh-CN" b="0" i="1" smtClean="0">
+                              <a:latin typeface="Cambria Math" panose="02040503050406030204" pitchFamily="18" charset="0"/>
+                            </a:rPr>
+                          </m:ctrlPr>
+                        </m:sSubPr>
+                        <m:e>
+                          <m:r>
+                            <a:rPr lang="en-US" altLang="zh-CN" b="0" i="1" smtClean="0">
+                              <a:latin typeface="Cambria Math" panose="02040503050406030204" pitchFamily="18" charset="0"/>
+                            </a:rPr>
+                            <m:t>𝑙</m:t>
+                          </m:r>
+                        </m:e>
+                        <m:sub>
+                          <m:r>
+                            <a:rPr lang="en-US" altLang="zh-CN" b="0" i="1" smtClean="0">
+                              <a:latin typeface="Cambria Math" panose="02040503050406030204" pitchFamily="18" charset="0"/>
+                            </a:rPr>
+                            <m:t>0</m:t>
+                          </m:r>
+                        </m:sub>
+                      </m:sSub>
+                      <m:r>
+                        <a:rPr lang="en-US" altLang="zh-CN" b="0" i="1" smtClean="0">
+                          <a:latin typeface="Cambria Math" panose="02040503050406030204" pitchFamily="18" charset="0"/>
+                        </a:rPr>
+                        <m:t>,</m:t>
+                      </m:r>
+                      <m:sSub>
+                        <m:sSubPr>
+                          <m:ctrlPr>
+                            <a:rPr lang="en-US" altLang="zh-CN" i="1">
+                              <a:latin typeface="Cambria Math" panose="02040503050406030204" pitchFamily="18" charset="0"/>
+                            </a:rPr>
+                          </m:ctrlPr>
+                        </m:sSubPr>
+                        <m:e>
+                          <m:r>
+                            <a:rPr lang="en-US" altLang="zh-CN" i="1">
+                              <a:latin typeface="Cambria Math" panose="02040503050406030204" pitchFamily="18" charset="0"/>
+                            </a:rPr>
+                            <m:t>𝑙</m:t>
+                          </m:r>
+                        </m:e>
+                        <m:sub>
+                          <m:r>
+                            <a:rPr lang="en-US" altLang="zh-CN" b="0" i="1" smtClean="0">
+                              <a:latin typeface="Cambria Math" panose="02040503050406030204" pitchFamily="18" charset="0"/>
+                            </a:rPr>
+                            <m:t>−</m:t>
+                          </m:r>
+                        </m:sub>
+                      </m:sSub>
+                      <m:r>
+                        <a:rPr lang="en-US" altLang="zh-CN" i="1">
+                          <a:latin typeface="Cambria Math" panose="02040503050406030204" pitchFamily="18" charset="0"/>
+                          <a:ea typeface="Cambria Math" panose="02040503050406030204" pitchFamily="18" charset="0"/>
+                        </a:rPr>
+                        <m:t>→</m:t>
+                      </m:r>
+                      <m:r>
+                        <a:rPr lang="en-US" altLang="zh-CN" b="0" i="1" smtClean="0">
+                          <a:latin typeface="Cambria Math" panose="02040503050406030204" pitchFamily="18" charset="0"/>
+                          <a:ea typeface="Cambria Math" panose="02040503050406030204" pitchFamily="18" charset="0"/>
+                        </a:rPr>
+                        <m:t>0</m:t>
+                      </m:r>
+                    </m:oMath>
+                  </m:oMathPara>
+                </a14:m>
+                <a:endParaRPr lang="en-US" altLang="zh-CN" dirty="0"/>
+              </a:p>
+              <a:p>
+                <a:pPr marL="0" indent="0">
+                  <a:buNone/>
+                </a:pPr>
+                <a:r>
+                  <a:rPr lang="zh-CN" altLang="en-US" dirty="0"/>
+                  <a:t>所以只能看到一个像。</a:t>
+                </a:r>
+              </a:p>
+            </p:txBody>
+          </p:sp>
+        </mc:Choice>
+        <mc:Fallback>
+          <p:sp>
+            <p:nvSpPr>
+              <p:cNvPr id="3" name="内容占位符 2">
+                <a:extLst>
+                  <a:ext uri="{FF2B5EF4-FFF2-40B4-BE49-F238E27FC236}">
+                    <a16:creationId xmlns:a16="http://schemas.microsoft.com/office/drawing/2014/main" id="{D75D166D-5B57-4B2A-8743-3F3536895461}"/>
+                  </a:ext>
+                </a:extLst>
+              </p:cNvPr>
+              <p:cNvSpPr>
+                <a:spLocks noGrp="1" noRot="1" noChangeAspect="1" noMove="1" noResize="1" noEditPoints="1" noAdjustHandles="1" noChangeArrowheads="1" noChangeShapeType="1" noTextEdit="1"/>
+              </p:cNvSpPr>
+              <p:nvPr>
+                <p:ph sz="half" idx="1"/>
+              </p:nvPr>
+            </p:nvSpPr>
+            <p:spPr>
+              <a:blipFill>
+                <a:blip r:embed="rId2"/>
+                <a:stretch>
+                  <a:fillRect l="-2118" t="-3501" r="-824" b="-1541"/>
+                </a:stretch>
+              </a:blipFill>
+            </p:spPr>
+            <p:txBody>
+              <a:bodyPr/>
+              <a:lstStyle/>
+              <a:p>
+                <a:r>
+                  <a:rPr lang="zh-CN" altLang="en-US">
+                    <a:noFill/>
+                  </a:rPr>
+                  <a:t> </a:t>
+                </a:r>
+              </a:p>
+            </p:txBody>
+          </p:sp>
+        </mc:Fallback>
+      </mc:AlternateContent>
+      <p:pic>
+        <p:nvPicPr>
+          <p:cNvPr id="5" name="内容占位符 4">
+            <a:extLst>
+              <a:ext uri="{FF2B5EF4-FFF2-40B4-BE49-F238E27FC236}">
+                <a16:creationId xmlns:a16="http://schemas.microsoft.com/office/drawing/2014/main" id="{E1B3EE01-7C80-4716-86AD-8A7AFE9DCAA8}"/>
+              </a:ext>
+            </a:extLst>
+          </p:cNvPr>
+          <p:cNvPicPr>
+            <a:picLocks noGrp="1" noChangeAspect="1"/>
+          </p:cNvPicPr>
+          <p:nvPr>
+            <p:ph sz="half" idx="2"/>
+          </p:nvPr>
+        </p:nvPicPr>
+        <p:blipFill>
+          <a:blip r:embed="rId3"/>
+          <a:stretch>
+            <a:fillRect/>
+          </a:stretch>
+        </p:blipFill>
+        <p:spPr>
+          <a:xfrm>
+            <a:off x="6721642" y="1825625"/>
+            <a:ext cx="4632158" cy="4351338"/>
+          </a:xfrm>
+          <a:prstGeom prst="rect">
+            <a:avLst/>
+          </a:prstGeom>
+        </p:spPr>
+      </p:pic>
+      <p:sp>
+        <p:nvSpPr>
+          <p:cNvPr id="6" name="文本框 5">
+            <a:extLst>
+              <a:ext uri="{FF2B5EF4-FFF2-40B4-BE49-F238E27FC236}">
+                <a16:creationId xmlns:a16="http://schemas.microsoft.com/office/drawing/2014/main" id="{4F7CC9C1-213B-4FB8-B88E-A9127DFD22E8}"/>
+              </a:ext>
+            </a:extLst>
+          </p:cNvPr>
+          <p:cNvSpPr txBox="1"/>
+          <p:nvPr/>
+        </p:nvSpPr>
+        <p:spPr>
+          <a:xfrm>
+            <a:off x="6853287" y="6176963"/>
+            <a:ext cx="4176074" cy="369332"/>
+          </a:xfrm>
+          <a:prstGeom prst="rect">
+            <a:avLst/>
+          </a:prstGeom>
+          <a:noFill/>
+        </p:spPr>
+        <p:txBody>
+          <a:bodyPr wrap="square" rtlCol="0">
+            <a:spAutoFit/>
+          </a:bodyPr>
+          <a:lstStyle/>
+          <a:p>
+            <a:r>
+              <a:rPr lang="en-US" altLang="zh-CN" dirty="0"/>
+              <a:t>(LSST Science </a:t>
+            </a:r>
+            <a:r>
+              <a:rPr lang="en-US" altLang="zh-CN" dirty="0" err="1"/>
+              <a:t>Collaboratio</a:t>
+            </a:r>
+            <a:r>
+              <a:rPr lang="en-US" altLang="zh-CN" dirty="0"/>
+              <a:t> et al. 2009)</a:t>
+            </a:r>
+            <a:endParaRPr lang="zh-CN" altLang="en-US" dirty="0"/>
+          </a:p>
+        </p:txBody>
+      </p:sp>
+    </p:spTree>
+    <p:extLst>
+      <p:ext uri="{BB962C8B-B14F-4D97-AF65-F5344CB8AC3E}">
+        <p14:creationId xmlns:p14="http://schemas.microsoft.com/office/powerpoint/2010/main" val="2675200802"/>
+      </p:ext>
+    </p:extLst>
+  </p:cSld>
+  <p:clrMapOvr>
+    <a:masterClrMapping/>
+  </p:clrMapOvr>
+</p:sld>
+</file>
+
+<file path=ppt/slides/slide9.xml><?xml version="1.0" encoding="utf-8"?>
+<p:sld xmlns:a="http://schemas.openxmlformats.org/drawingml/2006/main" xmlns:r="http://schemas.openxmlformats.org/officeDocument/2006/relationships" xmlns:p="http://schemas.openxmlformats.org/presentationml/2006/main">
+  <p:cSld>
+    <p:spTree>
+      <p:nvGrpSpPr>
+        <p:cNvPr id="1" name=""/>
+        <p:cNvGrpSpPr/>
+        <p:nvPr/>
+      </p:nvGrpSpPr>
+      <p:grpSpPr>
+        <a:xfrm>
+          <a:off x="0" y="0"/>
+          <a:ext cx="0" cy="0"/>
+          <a:chOff x="0" y="0"/>
+          <a:chExt cx="0" cy="0"/>
+        </a:xfrm>
+      </p:grpSpPr>
+      <p:sp>
+        <p:nvSpPr>
+          <p:cNvPr id="2" name="标题 1">
+            <a:extLst>
+              <a:ext uri="{FF2B5EF4-FFF2-40B4-BE49-F238E27FC236}">
+                <a16:creationId xmlns:a16="http://schemas.microsoft.com/office/drawing/2014/main" id="{7B6546B0-3C9E-41E3-A0A3-9E69E8E71E48}"/>
+              </a:ext>
+            </a:extLst>
+          </p:cNvPr>
+          <p:cNvSpPr>
+            <a:spLocks noGrp="1"/>
+          </p:cNvSpPr>
+          <p:nvPr>
+            <p:ph type="title"/>
+          </p:nvPr>
+        </p:nvSpPr>
+        <p:spPr/>
+        <p:txBody>
+          <a:bodyPr/>
+          <a:lstStyle/>
+          <a:p>
+            <a:r>
+              <a:rPr lang="zh-CN" altLang="en-US" dirty="0"/>
+              <a:t>利用弱引力透镜研究暗能量的性质</a:t>
+            </a:r>
           </a:p>
         </p:txBody>
       </p:sp>
@@ -5998,7 +9176,7 @@
           <p:cNvPr id="3" name="内容占位符 2">
             <a:extLst>
               <a:ext uri="{FF2B5EF4-FFF2-40B4-BE49-F238E27FC236}">
-                <a16:creationId xmlns:a16="http://schemas.microsoft.com/office/drawing/2014/main" id="{974D8B1D-D922-4148-877D-BF44704F43E2}"/>
+                <a16:creationId xmlns:a16="http://schemas.microsoft.com/office/drawing/2014/main" id="{2C7426C7-E264-4905-9511-28454831423B}"/>
               </a:ext>
             </a:extLst>
           </p:cNvPr>
@@ -6011,42 +9189,138 @@
         </p:nvSpPr>
         <p:spPr/>
         <p:txBody>
-          <a:bodyPr/>
+          <a:bodyPr>
+            <a:normAutofit fontScale="92500"/>
+          </a:bodyPr>
           <a:lstStyle/>
           <a:p>
-            <a:endParaRPr lang="zh-CN" altLang="en-US"/>
+            <a:pPr marL="0" indent="0">
+              <a:buNone/>
+            </a:pPr>
+            <a:r>
+              <a:rPr lang="zh-CN" altLang="en-US" dirty="0"/>
+              <a:t>因为相邻图像（右图上的蓝色斑纹）的光必定经过相邻的结构（质量分布），所以图像的形状是相关的。</a:t>
+            </a:r>
+            <a:endParaRPr lang="en-US" altLang="zh-CN" dirty="0"/>
+          </a:p>
+          <a:p>
+            <a:pPr marL="0" indent="0">
+              <a:buNone/>
+            </a:pPr>
+            <a:r>
+              <a:rPr lang="zh-CN" altLang="en-US" dirty="0"/>
+              <a:t>当图像间距增大时，形状的相关性减小，由此可以推断出质量的统计分布（相关函数或功率谱），分析不同时期的引力透镜图像可重建大尺度结构的生长历史。</a:t>
+            </a:r>
+            <a:endParaRPr lang="en-US" altLang="zh-CN" dirty="0"/>
+          </a:p>
+          <a:p>
+            <a:pPr marL="0" indent="0">
+              <a:buNone/>
+            </a:pPr>
+            <a:r>
+              <a:rPr lang="zh-CN" altLang="en-US" dirty="0"/>
+              <a:t>而大尺度结构的生长历史又可用来研究暗能量的性质。</a:t>
+            </a:r>
+            <a:r>
+              <a:rPr lang="en-US" altLang="zh-CN" dirty="0"/>
+              <a:t>(Hu 2002; </a:t>
+            </a:r>
+            <a:r>
+              <a:rPr lang="en-US" altLang="zh-CN" dirty="0" err="1"/>
+              <a:t>Huterer</a:t>
+            </a:r>
+            <a:r>
+              <a:rPr lang="en-US" altLang="zh-CN" dirty="0"/>
+              <a:t> 2002)</a:t>
+            </a:r>
+          </a:p>
+          <a:p>
+            <a:pPr marL="0" indent="0">
+              <a:buNone/>
+            </a:pPr>
+            <a:endParaRPr lang="zh-CN" altLang="en-US" dirty="0"/>
           </a:p>
         </p:txBody>
       </p:sp>
-      <p:sp>
-        <p:nvSpPr>
-          <p:cNvPr id="4" name="内容占位符 3">
-            <a:extLst>
-              <a:ext uri="{FF2B5EF4-FFF2-40B4-BE49-F238E27FC236}">
-                <a16:creationId xmlns:a16="http://schemas.microsoft.com/office/drawing/2014/main" id="{F94ACE5A-2327-4939-82DA-D833C0D2EF7D}"/>
-              </a:ext>
-            </a:extLst>
-          </p:cNvPr>
-          <p:cNvSpPr>
-            <a:spLocks noGrp="1"/>
-          </p:cNvSpPr>
+      <p:pic>
+        <p:nvPicPr>
+          <p:cNvPr id="5" name="内容占位符 4">
+            <a:extLst>
+              <a:ext uri="{FF2B5EF4-FFF2-40B4-BE49-F238E27FC236}">
+                <a16:creationId xmlns:a16="http://schemas.microsoft.com/office/drawing/2014/main" id="{27699916-3C20-4432-80C9-7E46DB649061}"/>
+              </a:ext>
+            </a:extLst>
+          </p:cNvPr>
+          <p:cNvPicPr>
+            <a:picLocks noGrp="1" noChangeAspect="1"/>
+          </p:cNvPicPr>
           <p:nvPr>
             <p:ph sz="half" idx="2"/>
           </p:nvPr>
+        </p:nvPicPr>
+        <p:blipFill>
+          <a:blip r:embed="rId2"/>
+          <a:stretch>
+            <a:fillRect/>
+          </a:stretch>
+        </p:blipFill>
+        <p:spPr>
+          <a:xfrm>
+            <a:off x="6778468" y="1777708"/>
+            <a:ext cx="4330674" cy="4356000"/>
+          </a:xfrm>
+          <a:prstGeom prst="rect">
+            <a:avLst/>
+          </a:prstGeom>
+        </p:spPr>
+      </p:pic>
+      <p:sp>
+        <p:nvSpPr>
+          <p:cNvPr id="6" name="文本框 5">
+            <a:extLst>
+              <a:ext uri="{FF2B5EF4-FFF2-40B4-BE49-F238E27FC236}">
+                <a16:creationId xmlns:a16="http://schemas.microsoft.com/office/drawing/2014/main" id="{77D8322D-A2E9-46E3-BE35-038758C31482}"/>
+              </a:ext>
+            </a:extLst>
+          </p:cNvPr>
+          <p:cNvSpPr txBox="1"/>
+          <p:nvPr/>
         </p:nvSpPr>
-        <p:spPr/>
+        <p:spPr>
+          <a:xfrm>
+            <a:off x="6664750" y="6176963"/>
+            <a:ext cx="4264843" cy="369332"/>
+          </a:xfrm>
+          <a:prstGeom prst="rect">
+            <a:avLst/>
+          </a:prstGeom>
+          <a:noFill/>
+        </p:spPr>
         <p:txBody>
-          <a:bodyPr/>
+          <a:bodyPr wrap="square" rtlCol="0">
+            <a:spAutoFit/>
+          </a:bodyPr>
           <a:lstStyle/>
           <a:p>
-            <a:endParaRPr lang="zh-CN" altLang="en-US"/>
+            <a:r>
+              <a:rPr lang="zh-CN" altLang="en-US" dirty="0"/>
+              <a:t>（</a:t>
+            </a:r>
+            <a:r>
+              <a:rPr lang="en-US" altLang="zh-CN" dirty="0"/>
+              <a:t> Canada-France Hawaii Telescope </a:t>
+            </a:r>
+            <a:r>
+              <a:rPr lang="zh-CN" altLang="en-US" dirty="0"/>
+              <a:t>）</a:t>
+            </a:r>
           </a:p>
         </p:txBody>
       </p:sp>
     </p:spTree>
     <p:extLst>
       <p:ext uri="{BB962C8B-B14F-4D97-AF65-F5344CB8AC3E}">
-        <p14:creationId xmlns:p14="http://schemas.microsoft.com/office/powerpoint/2010/main" val="1232907998"/>
+        <p14:creationId xmlns:p14="http://schemas.microsoft.com/office/powerpoint/2010/main" val="1972401913"/>
       </p:ext>
     </p:extLst>
   </p:cSld>
